--- a/2018 Beta Testing JumpStart_Rev2.pptx
+++ b/2018 Beta Testing JumpStart_Rev2.pptx
@@ -5,10 +5,10 @@
     <p:sldMasterId id="2147483653" r:id="rId1"/>
   </p:sldMasterIdLst>
   <p:notesMasterIdLst>
-    <p:notesMasterId r:id="rId39"/>
+    <p:notesMasterId r:id="rId44"/>
   </p:notesMasterIdLst>
   <p:handoutMasterIdLst>
-    <p:handoutMasterId r:id="rId40"/>
+    <p:handoutMasterId r:id="rId45"/>
   </p:handoutMasterIdLst>
   <p:sldIdLst>
     <p:sldId id="345" r:id="rId2"/>
@@ -23,31 +23,36 @@
     <p:sldId id="306" r:id="rId11"/>
     <p:sldId id="321" r:id="rId12"/>
     <p:sldId id="323" r:id="rId13"/>
-    <p:sldId id="324" r:id="rId14"/>
-    <p:sldId id="322" r:id="rId15"/>
-    <p:sldId id="265" r:id="rId16"/>
-    <p:sldId id="316" r:id="rId17"/>
-    <p:sldId id="326" r:id="rId18"/>
-    <p:sldId id="325" r:id="rId19"/>
-    <p:sldId id="340" r:id="rId20"/>
-    <p:sldId id="319" r:id="rId21"/>
-    <p:sldId id="328" r:id="rId22"/>
-    <p:sldId id="329" r:id="rId23"/>
-    <p:sldId id="327" r:id="rId24"/>
-    <p:sldId id="330" r:id="rId25"/>
-    <p:sldId id="320" r:id="rId26"/>
-    <p:sldId id="332" r:id="rId27"/>
-    <p:sldId id="331" r:id="rId28"/>
-    <p:sldId id="333" r:id="rId29"/>
-    <p:sldId id="338" r:id="rId30"/>
-    <p:sldId id="339" r:id="rId31"/>
-    <p:sldId id="334" r:id="rId32"/>
-    <p:sldId id="335" r:id="rId33"/>
-    <p:sldId id="336" r:id="rId34"/>
-    <p:sldId id="337" r:id="rId35"/>
-    <p:sldId id="341" r:id="rId36"/>
-    <p:sldId id="296" r:id="rId37"/>
-    <p:sldId id="342" r:id="rId38"/>
+    <p:sldId id="349" r:id="rId14"/>
+    <p:sldId id="324" r:id="rId15"/>
+    <p:sldId id="348" r:id="rId16"/>
+    <p:sldId id="347" r:id="rId17"/>
+    <p:sldId id="350" r:id="rId18"/>
+    <p:sldId id="351" r:id="rId19"/>
+    <p:sldId id="322" r:id="rId20"/>
+    <p:sldId id="265" r:id="rId21"/>
+    <p:sldId id="316" r:id="rId22"/>
+    <p:sldId id="326" r:id="rId23"/>
+    <p:sldId id="325" r:id="rId24"/>
+    <p:sldId id="340" r:id="rId25"/>
+    <p:sldId id="319" r:id="rId26"/>
+    <p:sldId id="328" r:id="rId27"/>
+    <p:sldId id="329" r:id="rId28"/>
+    <p:sldId id="327" r:id="rId29"/>
+    <p:sldId id="330" r:id="rId30"/>
+    <p:sldId id="320" r:id="rId31"/>
+    <p:sldId id="332" r:id="rId32"/>
+    <p:sldId id="331" r:id="rId33"/>
+    <p:sldId id="333" r:id="rId34"/>
+    <p:sldId id="338" r:id="rId35"/>
+    <p:sldId id="339" r:id="rId36"/>
+    <p:sldId id="334" r:id="rId37"/>
+    <p:sldId id="335" r:id="rId38"/>
+    <p:sldId id="336" r:id="rId39"/>
+    <p:sldId id="337" r:id="rId40"/>
+    <p:sldId id="341" r:id="rId41"/>
+    <p:sldId id="296" r:id="rId42"/>
+    <p:sldId id="342" r:id="rId43"/>
   </p:sldIdLst>
   <p:sldSz cx="9144000" cy="6858000" type="screen4x3"/>
   <p:notesSz cx="6881813" cy="9296400"/>
@@ -195,6 +200,10 @@
 </p:presentation>
 </file>
 
+<file path=ppt/revisionInfo.xml><?xml version="1.0" encoding="utf-8"?>
+<p1510:revInfo xmlns:a="http://schemas.openxmlformats.org/drawingml/2006/main" xmlns:r="http://schemas.openxmlformats.org/officeDocument/2006/relationships" xmlns:p1510="http://schemas.microsoft.com/office/powerpoint/2015/10/main"/>
+</file>
+
 <file path=ppt/handoutMasters/handoutMaster1.xml><?xml version="1.0" encoding="utf-8"?>
 <p:handoutMaster xmlns:a="http://schemas.openxmlformats.org/drawingml/2006/main" xmlns:r="http://schemas.openxmlformats.org/officeDocument/2006/relationships" xmlns:p="http://schemas.openxmlformats.org/presentationml/2006/main">
   <p:cSld>
@@ -649,35 +658,35 @@
           <a:p>
             <a:pPr lvl="0"/>
             <a:r>
-              <a:rPr lang="en-US" noProof="0" smtClean="0"/>
+              <a:rPr lang="en-US" noProof="0"/>
               <a:t>Click to edit Master text styles</a:t>
             </a:r>
           </a:p>
           <a:p>
             <a:pPr lvl="1"/>
             <a:r>
-              <a:rPr lang="en-US" noProof="0" smtClean="0"/>
+              <a:rPr lang="en-US" noProof="0"/>
               <a:t>Second level</a:t>
             </a:r>
           </a:p>
           <a:p>
             <a:pPr lvl="2"/>
             <a:r>
-              <a:rPr lang="en-US" noProof="0" smtClean="0"/>
+              <a:rPr lang="en-US" noProof="0"/>
               <a:t>Third level</a:t>
             </a:r>
           </a:p>
           <a:p>
             <a:pPr lvl="3"/>
             <a:r>
-              <a:rPr lang="en-US" noProof="0" smtClean="0"/>
+              <a:rPr lang="en-US" noProof="0"/>
               <a:t>Fourth level</a:t>
             </a:r>
           </a:p>
           <a:p>
             <a:pPr lvl="4"/>
             <a:r>
-              <a:rPr lang="en-US" noProof="0" smtClean="0"/>
+              <a:rPr lang="en-US" noProof="0"/>
               <a:t>Fifth level</a:t>
             </a:r>
           </a:p>
@@ -1144,7 +1153,7 @@
           <a:lstStyle/>
           <a:p>
             <a:pPr eaLnBrk="1" hangingPunct="1"/>
-            <a:endParaRPr lang="en-US" altLang="en-US" smtClean="0">
+            <a:endParaRPr lang="en-US" altLang="en-US">
               <a:latin typeface="Times New Roman" panose="02020603050405020304" pitchFamily="18" charset="0"/>
               <a:cs typeface="Times New Roman" panose="02020603050405020304" pitchFamily="18" charset="0"/>
             </a:endParaRPr>
@@ -1210,14 +1219,13 @@
           <a:p>
             <a:r>
               <a:rPr lang="en-US" dirty="0"/>
-              <a:t>The FRC LabVIEW Dashboard is the default dashboard program installed with, and automatically launched by, the FRC Driver Station. The purpose of the Dashboard is to provide feedback about the operation of the robot. The FRC Default Dashboard serves as a an example of the types of feedback</a:t>
-            </a:r>
-          </a:p>
-          <a:p>
-            <a:r>
-              <a:rPr lang="en-US" dirty="0"/>
-              <a:t>teams may want from their robot.</a:t>
-            </a:r>
+              <a:t>2018 Driver</a:t>
+            </a:r>
+            <a:r>
+              <a:rPr lang="en-US" baseline="0" dirty="0"/>
+              <a:t> Station </a:t>
+            </a:r>
+            <a:endParaRPr lang="en-US" dirty="0"/>
           </a:p>
         </p:txBody>
       </p:sp>
@@ -1239,7 +1247,7 @@
             <a:fld id="{584BE1D8-901D-468C-816A-82F16679A17E}" type="slidenum">
               <a:rPr lang="en-US" altLang="en-US" smtClean="0"/>
               <a:pPr/>
-              <a:t>23</a:t>
+              <a:t>18</a:t>
             </a:fld>
             <a:endParaRPr lang="en-US" altLang="en-US"/>
           </a:p>
@@ -1248,7 +1256,7 @@
     </p:spTree>
     <p:extLst>
       <p:ext uri="{BB962C8B-B14F-4D97-AF65-F5344CB8AC3E}">
-        <p14:creationId xmlns:p14="http://schemas.microsoft.com/office/powerpoint/2010/main" val="3674369890"/>
+        <p14:creationId xmlns:p14="http://schemas.microsoft.com/office/powerpoint/2010/main" val="1399159399"/>
       </p:ext>
     </p:extLst>
   </p:cSld>
@@ -1304,14 +1312,29 @@
           <a:p>
             <a:r>
               <a:rPr lang="en-US" dirty="0"/>
-              <a:t>The FRC LabVIEW Dashboard is the default dashboard program installed with, and automatically launched by, the FRC Driver Station. The purpose of the Dashboard is to provide feedback about the operation of the robot. The FRC Default Dashboard serves as a an example of the types of feedback</a:t>
-            </a:r>
-          </a:p>
-          <a:p>
+              <a:t>No need to down load JRE on </a:t>
+            </a:r>
+            <a:r>
+              <a:rPr lang="en-US" dirty="0" err="1"/>
+              <a:t>roboRIO</a:t>
+            </a:r>
             <a:r>
               <a:rPr lang="en-US" dirty="0"/>
-              <a:t>teams may want from their robot.</a:t>
-            </a:r>
+              <a:t> </a:t>
+            </a:r>
+            <a:r>
+              <a:rPr lang="en-US" dirty="0" err="1"/>
+              <a:t>afters</a:t>
+            </a:r>
+            <a:r>
+              <a:rPr lang="en-US" dirty="0"/>
+              <a:t> Eclipse Plug in</a:t>
+            </a:r>
+            <a:r>
+              <a:rPr lang="en-US" baseline="0" dirty="0"/>
+              <a:t> takes care of this now.</a:t>
+            </a:r>
+            <a:endParaRPr lang="en-US" dirty="0"/>
           </a:p>
         </p:txBody>
       </p:sp>
@@ -1333,7 +1356,7 @@
             <a:fld id="{584BE1D8-901D-468C-816A-82F16679A17E}" type="slidenum">
               <a:rPr lang="en-US" altLang="en-US" smtClean="0"/>
               <a:pPr/>
-              <a:t>24</a:t>
+              <a:t>20</a:t>
             </a:fld>
             <a:endParaRPr lang="en-US" altLang="en-US"/>
           </a:p>
@@ -1342,7 +1365,7 @@
     </p:spTree>
     <p:extLst>
       <p:ext uri="{BB962C8B-B14F-4D97-AF65-F5344CB8AC3E}">
-        <p14:creationId xmlns:p14="http://schemas.microsoft.com/office/powerpoint/2010/main" val="3047809914"/>
+        <p14:creationId xmlns:p14="http://schemas.microsoft.com/office/powerpoint/2010/main" val="2722703668"/>
       </p:ext>
     </p:extLst>
   </p:cSld>
@@ -1398,67 +1421,11 @@
           <a:p>
             <a:r>
               <a:rPr lang="en-US" dirty="0"/>
-              <a:t>The </a:t>
-            </a:r>
-            <a:r>
-              <a:rPr lang="en-US" dirty="0" smtClean="0"/>
-              <a:t>Shuffleboard is </a:t>
-            </a:r>
-            <a:r>
-              <a:rPr lang="en-US" dirty="0"/>
-              <a:t>an alternate dashboard application written in Java. The </a:t>
-            </a:r>
-            <a:r>
-              <a:rPr lang="en-US" dirty="0" smtClean="0"/>
-              <a:t>Shuffleboard</a:t>
-            </a:r>
-            <a:endParaRPr lang="en-US" dirty="0"/>
-          </a:p>
-          <a:p>
-            <a:r>
-              <a:rPr lang="en-US" dirty="0"/>
-              <a:t>automatically creates a widget for each variable sent from the Robot sent using the </a:t>
-            </a:r>
-            <a:r>
-              <a:rPr lang="en-US" dirty="0" err="1"/>
-              <a:t>SmartDashboard</a:t>
-            </a:r>
-            <a:endParaRPr lang="en-US" dirty="0"/>
-          </a:p>
-          <a:p>
-            <a:r>
-              <a:rPr lang="en-US" dirty="0"/>
-              <a:t>class or </a:t>
-            </a:r>
-            <a:r>
-              <a:rPr lang="en-US" dirty="0" err="1"/>
-              <a:t>VIs.</a:t>
-            </a:r>
-            <a:r>
-              <a:rPr lang="en-US" dirty="0"/>
-              <a:t> These widgets can be configured to a number of preset display types, or users can create</a:t>
-            </a:r>
-          </a:p>
-          <a:p>
-            <a:r>
-              <a:rPr lang="en-US" dirty="0"/>
-              <a:t>custom extensions in Java</a:t>
-            </a:r>
-            <a:r>
-              <a:rPr lang="en-US" dirty="0" smtClean="0"/>
-              <a:t>.  FIRST is going make</a:t>
-            </a:r>
-            <a:r>
-              <a:rPr lang="en-US" baseline="0" dirty="0" smtClean="0"/>
-              <a:t> going to make this selectable on the by type instead of programming </a:t>
-            </a:r>
-            <a:r>
-              <a:rPr lang="en-US" baseline="0" dirty="0" err="1" smtClean="0"/>
-              <a:t>laungue</a:t>
-            </a:r>
-            <a:r>
-              <a:rPr lang="en-US" baseline="0" dirty="0" smtClean="0"/>
-              <a:t> .</a:t>
+              <a:t>Chris will give his speech about the radio’s   We believe both radios will still</a:t>
+            </a:r>
+            <a:r>
+              <a:rPr lang="en-US" baseline="0" dirty="0"/>
+              <a:t> work 2016 and 2017 but still tune.</a:t>
             </a:r>
             <a:endParaRPr lang="en-US" dirty="0"/>
           </a:p>
@@ -1482,7 +1449,7 @@
             <a:fld id="{584BE1D8-901D-468C-816A-82F16679A17E}" type="slidenum">
               <a:rPr lang="en-US" altLang="en-US" smtClean="0"/>
               <a:pPr/>
-              <a:t>25</a:t>
+              <a:t>21</a:t>
             </a:fld>
             <a:endParaRPr lang="en-US" altLang="en-US"/>
           </a:p>
@@ -1491,7 +1458,7 @@
     </p:spTree>
     <p:extLst>
       <p:ext uri="{BB962C8B-B14F-4D97-AF65-F5344CB8AC3E}">
-        <p14:creationId xmlns:p14="http://schemas.microsoft.com/office/powerpoint/2010/main" val="484064985"/>
+        <p14:creationId xmlns:p14="http://schemas.microsoft.com/office/powerpoint/2010/main" val="694633641"/>
       </p:ext>
     </p:extLst>
   </p:cSld>
@@ -1547,51 +1514,13 @@
           <a:p>
             <a:r>
               <a:rPr lang="en-US" dirty="0"/>
-              <a:t>The </a:t>
-            </a:r>
-            <a:r>
-              <a:rPr lang="en-US" dirty="0" err="1"/>
-              <a:t>SmartDashboard</a:t>
-            </a:r>
+              <a:t>The FRC LabVIEW Dashboard is the default dashboard program installed with, and automatically launched by, the FRC Driver Station. The purpose of the Dashboard is to provide feedback about the operation of the robot. The FRC Default Dashboard serves as a an example of the types of feedback</a:t>
+            </a:r>
+          </a:p>
+          <a:p>
             <a:r>
               <a:rPr lang="en-US" dirty="0"/>
-              <a:t> is an alternate dashboard application written in Java. The </a:t>
-            </a:r>
-            <a:r>
-              <a:rPr lang="en-US" dirty="0" err="1"/>
-              <a:t>SmartDashboard</a:t>
-            </a:r>
-            <a:endParaRPr lang="en-US" dirty="0"/>
-          </a:p>
-          <a:p>
-            <a:r>
-              <a:rPr lang="en-US" dirty="0"/>
-              <a:t>automatically creates a widget for each variable sent from the Robot sent using the </a:t>
-            </a:r>
-            <a:r>
-              <a:rPr lang="en-US" dirty="0" err="1"/>
-              <a:t>SmartDashboard</a:t>
-            </a:r>
-            <a:endParaRPr lang="en-US" dirty="0"/>
-          </a:p>
-          <a:p>
-            <a:r>
-              <a:rPr lang="en-US" dirty="0"/>
-              <a:t>class or </a:t>
-            </a:r>
-            <a:r>
-              <a:rPr lang="en-US" dirty="0" err="1"/>
-              <a:t>VIs.</a:t>
-            </a:r>
-            <a:r>
-              <a:rPr lang="en-US" dirty="0"/>
-              <a:t> These widgets can be configured to a number of preset display types, or users can create</a:t>
-            </a:r>
-          </a:p>
-          <a:p>
-            <a:r>
-              <a:rPr lang="en-US" dirty="0"/>
-              <a:t>custom extensions in Java.</a:t>
+              <a:t>teams may want from their robot.</a:t>
             </a:r>
           </a:p>
         </p:txBody>
@@ -1614,7 +1543,7 @@
             <a:fld id="{584BE1D8-901D-468C-816A-82F16679A17E}" type="slidenum">
               <a:rPr lang="en-US" altLang="en-US" smtClean="0"/>
               <a:pPr/>
-              <a:t>26</a:t>
+              <a:t>25</a:t>
             </a:fld>
             <a:endParaRPr lang="en-US" altLang="en-US"/>
           </a:p>
@@ -1623,7 +1552,7 @@
     </p:spTree>
     <p:extLst>
       <p:ext uri="{BB962C8B-B14F-4D97-AF65-F5344CB8AC3E}">
-        <p14:creationId xmlns:p14="http://schemas.microsoft.com/office/powerpoint/2010/main" val="2426088984"/>
+        <p14:creationId xmlns:p14="http://schemas.microsoft.com/office/powerpoint/2010/main" val="98520075"/>
       </p:ext>
     </p:extLst>
   </p:cSld>
@@ -1677,12 +1606,29 @@
           <a:bodyPr/>
           <a:lstStyle/>
           <a:p>
-            <a:r>
-              <a:rPr lang="en-US" dirty="0" smtClean="0"/>
+            <a:pPr marL="0" marR="0" lvl="0" indent="0" algn="l" defTabSz="914400" rtl="0" eaLnBrk="0" fontAlgn="base" latinLnBrk="0" hangingPunct="0">
+              <a:lnSpc>
+                <a:spcPct val="100000"/>
+              </a:lnSpc>
+              <a:spcBef>
+                <a:spcPct val="30000"/>
+              </a:spcBef>
+              <a:spcAft>
+                <a:spcPct val="0"/>
+              </a:spcAft>
+              <a:buClrTx/>
+              <a:buSzTx/>
+              <a:buFontTx/>
+              <a:buNone/>
+              <a:tabLst/>
+              <a:defRPr/>
+            </a:pPr>
+            <a:r>
+              <a:rPr lang="en-US" dirty="0"/>
               <a:t>Located in the </a:t>
             </a:r>
             <a:r>
-              <a:rPr lang="en-US" sz="1200" b="1" kern="1200" dirty="0" smtClean="0">
+              <a:rPr lang="en-US" sz="1200" b="1" kern="1200" dirty="0">
                 <a:solidFill>
                   <a:schemeClr val="tx1"/>
                 </a:solidFill>
@@ -1693,7 +1639,7 @@
               <a:t>package </a:t>
             </a:r>
             <a:r>
-              <a:rPr lang="en-US" sz="1200" b="1" kern="1200" dirty="0" err="1" smtClean="0">
+              <a:rPr lang="en-US" sz="1200" b="1" kern="1200" dirty="0" err="1">
                 <a:solidFill>
                   <a:schemeClr val="tx1"/>
                 </a:solidFill>
@@ -1704,7 +1650,7 @@
               <a:t>edu.wpi.first.wpilibj</a:t>
             </a:r>
             <a:r>
-              <a:rPr lang="en-US" sz="1200" b="1" kern="1200" dirty="0" smtClean="0">
+              <a:rPr lang="en-US" sz="1200" b="1" kern="1200" dirty="0">
                 <a:solidFill>
                   <a:schemeClr val="tx1"/>
                 </a:solidFill>
@@ -1716,7 +1662,640 @@
             </a:r>
           </a:p>
           <a:p>
-            <a:endParaRPr lang="en-US" sz="1200" b="1" kern="1200" dirty="0" smtClean="0">
+            <a:r>
+              <a:rPr lang="en-US" sz="1200" b="1" kern="1200" dirty="0">
+                <a:solidFill>
+                  <a:schemeClr val="tx1"/>
+                </a:solidFill>
+                <a:latin typeface="Times New Roman" charset="0"/>
+                <a:ea typeface="+mn-ea"/>
+                <a:cs typeface="Times New Roman" charset="0"/>
+              </a:rPr>
+              <a:t>import </a:t>
+            </a:r>
+            <a:r>
+              <a:rPr lang="en-US" sz="1200" b="1" kern="1200" dirty="0" err="1">
+                <a:solidFill>
+                  <a:schemeClr val="tx1"/>
+                </a:solidFill>
+                <a:latin typeface="Times New Roman" charset="0"/>
+                <a:ea typeface="+mn-ea"/>
+                <a:cs typeface="Times New Roman" charset="0"/>
+              </a:rPr>
+              <a:t>edu.wpi.first.wpilibj.DriverStation</a:t>
+            </a:r>
+            <a:r>
+              <a:rPr lang="en-US" sz="1200" b="1" kern="1200" dirty="0">
+                <a:solidFill>
+                  <a:schemeClr val="tx1"/>
+                </a:solidFill>
+                <a:latin typeface="Times New Roman" charset="0"/>
+                <a:ea typeface="+mn-ea"/>
+                <a:cs typeface="Times New Roman" charset="0"/>
+              </a:rPr>
+              <a:t>;</a:t>
+            </a:r>
+          </a:p>
+          <a:p>
+            <a:r>
+              <a:rPr lang="en-US" sz="1200" b="0" kern="1200" dirty="0">
+                <a:solidFill>
+                  <a:schemeClr val="tx1"/>
+                </a:solidFill>
+                <a:latin typeface="Times New Roman" charset="0"/>
+                <a:ea typeface="+mn-ea"/>
+                <a:cs typeface="Times New Roman" charset="0"/>
+              </a:rPr>
+              <a:t>This provides all the get function calls</a:t>
+            </a:r>
+            <a:r>
+              <a:rPr lang="en-US" sz="1200" b="0" kern="1200" baseline="0" dirty="0">
+                <a:solidFill>
+                  <a:schemeClr val="tx1"/>
+                </a:solidFill>
+                <a:latin typeface="Times New Roman" charset="0"/>
+                <a:ea typeface="+mn-ea"/>
+                <a:cs typeface="Times New Roman" charset="0"/>
+              </a:rPr>
+              <a:t> for information off the driver station data packets. </a:t>
+            </a:r>
+            <a:endParaRPr lang="en-US" b="0" dirty="0"/>
+          </a:p>
+        </p:txBody>
+      </p:sp>
+      <p:sp>
+        <p:nvSpPr>
+          <p:cNvPr id="4" name="Slide Number Placeholder 3"/>
+          <p:cNvSpPr>
+            <a:spLocks noGrp="1"/>
+          </p:cNvSpPr>
+          <p:nvPr>
+            <p:ph type="sldNum" sz="quarter" idx="10"/>
+          </p:nvPr>
+        </p:nvSpPr>
+        <p:spPr/>
+        <p:txBody>
+          <a:bodyPr/>
+          <a:lstStyle/>
+          <a:p>
+            <a:fld id="{584BE1D8-901D-468C-816A-82F16679A17E}" type="slidenum">
+              <a:rPr lang="en-US" altLang="en-US" smtClean="0"/>
+              <a:pPr/>
+              <a:t>27</a:t>
+            </a:fld>
+            <a:endParaRPr lang="en-US" altLang="en-US"/>
+          </a:p>
+        </p:txBody>
+      </p:sp>
+    </p:spTree>
+    <p:extLst>
+      <p:ext uri="{BB962C8B-B14F-4D97-AF65-F5344CB8AC3E}">
+        <p14:creationId xmlns:p14="http://schemas.microsoft.com/office/powerpoint/2010/main" val="3052554636"/>
+      </p:ext>
+    </p:extLst>
+  </p:cSld>
+  <p:clrMapOvr>
+    <a:masterClrMapping/>
+  </p:clrMapOvr>
+</p:notes>
+</file>
+
+<file path=ppt/notesSlides/notesSlide15.xml><?xml version="1.0" encoding="utf-8"?>
+<p:notes xmlns:a="http://schemas.openxmlformats.org/drawingml/2006/main" xmlns:r="http://schemas.openxmlformats.org/officeDocument/2006/relationships" xmlns:p="http://schemas.openxmlformats.org/presentationml/2006/main">
+  <p:cSld>
+    <p:spTree>
+      <p:nvGrpSpPr>
+        <p:cNvPr id="1" name=""/>
+        <p:cNvGrpSpPr/>
+        <p:nvPr/>
+      </p:nvGrpSpPr>
+      <p:grpSpPr>
+        <a:xfrm>
+          <a:off x="0" y="0"/>
+          <a:ext cx="0" cy="0"/>
+          <a:chOff x="0" y="0"/>
+          <a:chExt cx="0" cy="0"/>
+        </a:xfrm>
+      </p:grpSpPr>
+      <p:sp>
+        <p:nvSpPr>
+          <p:cNvPr id="2" name="Slide Image Placeholder 1"/>
+          <p:cNvSpPr>
+            <a:spLocks noGrp="1" noRot="1" noChangeAspect="1"/>
+          </p:cNvSpPr>
+          <p:nvPr>
+            <p:ph type="sldImg"/>
+          </p:nvPr>
+        </p:nvSpPr>
+        <p:spPr/>
+      </p:sp>
+      <p:sp>
+        <p:nvSpPr>
+          <p:cNvPr id="3" name="Notes Placeholder 2"/>
+          <p:cNvSpPr>
+            <a:spLocks noGrp="1"/>
+          </p:cNvSpPr>
+          <p:nvPr>
+            <p:ph type="body" idx="1"/>
+          </p:nvPr>
+        </p:nvSpPr>
+        <p:spPr/>
+        <p:txBody>
+          <a:bodyPr/>
+          <a:lstStyle/>
+          <a:p>
+            <a:r>
+              <a:rPr lang="en-US" dirty="0"/>
+              <a:t>The FRC LabVIEW Dashboard is the default dashboard program installed with, and automatically launched by, the FRC Driver Station. The purpose of the Dashboard is to provide feedback about the operation of the robot. The FRC Default Dashboard serves as a an example of the types of feedback</a:t>
+            </a:r>
+          </a:p>
+          <a:p>
+            <a:r>
+              <a:rPr lang="en-US" dirty="0"/>
+              <a:t>teams may want from their robot.</a:t>
+            </a:r>
+          </a:p>
+        </p:txBody>
+      </p:sp>
+      <p:sp>
+        <p:nvSpPr>
+          <p:cNvPr id="4" name="Slide Number Placeholder 3"/>
+          <p:cNvSpPr>
+            <a:spLocks noGrp="1"/>
+          </p:cNvSpPr>
+          <p:nvPr>
+            <p:ph type="sldNum" sz="quarter" idx="10"/>
+          </p:nvPr>
+        </p:nvSpPr>
+        <p:spPr/>
+        <p:txBody>
+          <a:bodyPr/>
+          <a:lstStyle/>
+          <a:p>
+            <a:fld id="{584BE1D8-901D-468C-816A-82F16679A17E}" type="slidenum">
+              <a:rPr lang="en-US" altLang="en-US" smtClean="0"/>
+              <a:pPr/>
+              <a:t>28</a:t>
+            </a:fld>
+            <a:endParaRPr lang="en-US" altLang="en-US"/>
+          </a:p>
+        </p:txBody>
+      </p:sp>
+    </p:spTree>
+    <p:extLst>
+      <p:ext uri="{BB962C8B-B14F-4D97-AF65-F5344CB8AC3E}">
+        <p14:creationId xmlns:p14="http://schemas.microsoft.com/office/powerpoint/2010/main" val="3674369890"/>
+      </p:ext>
+    </p:extLst>
+  </p:cSld>
+  <p:clrMapOvr>
+    <a:masterClrMapping/>
+  </p:clrMapOvr>
+</p:notes>
+</file>
+
+<file path=ppt/notesSlides/notesSlide16.xml><?xml version="1.0" encoding="utf-8"?>
+<p:notes xmlns:a="http://schemas.openxmlformats.org/drawingml/2006/main" xmlns:r="http://schemas.openxmlformats.org/officeDocument/2006/relationships" xmlns:p="http://schemas.openxmlformats.org/presentationml/2006/main">
+  <p:cSld>
+    <p:spTree>
+      <p:nvGrpSpPr>
+        <p:cNvPr id="1" name=""/>
+        <p:cNvGrpSpPr/>
+        <p:nvPr/>
+      </p:nvGrpSpPr>
+      <p:grpSpPr>
+        <a:xfrm>
+          <a:off x="0" y="0"/>
+          <a:ext cx="0" cy="0"/>
+          <a:chOff x="0" y="0"/>
+          <a:chExt cx="0" cy="0"/>
+        </a:xfrm>
+      </p:grpSpPr>
+      <p:sp>
+        <p:nvSpPr>
+          <p:cNvPr id="2" name="Slide Image Placeholder 1"/>
+          <p:cNvSpPr>
+            <a:spLocks noGrp="1" noRot="1" noChangeAspect="1"/>
+          </p:cNvSpPr>
+          <p:nvPr>
+            <p:ph type="sldImg"/>
+          </p:nvPr>
+        </p:nvSpPr>
+        <p:spPr/>
+      </p:sp>
+      <p:sp>
+        <p:nvSpPr>
+          <p:cNvPr id="3" name="Notes Placeholder 2"/>
+          <p:cNvSpPr>
+            <a:spLocks noGrp="1"/>
+          </p:cNvSpPr>
+          <p:nvPr>
+            <p:ph type="body" idx="1"/>
+          </p:nvPr>
+        </p:nvSpPr>
+        <p:spPr/>
+        <p:txBody>
+          <a:bodyPr/>
+          <a:lstStyle/>
+          <a:p>
+            <a:r>
+              <a:rPr lang="en-US" dirty="0"/>
+              <a:t>The FRC LabVIEW Dashboard is the default dashboard program installed with, and automatically launched by, the FRC Driver Station. The purpose of the Dashboard is to provide feedback about the operation of the robot. The FRC Default Dashboard serves as a an example of the types of feedback</a:t>
+            </a:r>
+          </a:p>
+          <a:p>
+            <a:r>
+              <a:rPr lang="en-US" dirty="0"/>
+              <a:t>teams may want from their robot.</a:t>
+            </a:r>
+          </a:p>
+        </p:txBody>
+      </p:sp>
+      <p:sp>
+        <p:nvSpPr>
+          <p:cNvPr id="4" name="Slide Number Placeholder 3"/>
+          <p:cNvSpPr>
+            <a:spLocks noGrp="1"/>
+          </p:cNvSpPr>
+          <p:nvPr>
+            <p:ph type="sldNum" sz="quarter" idx="10"/>
+          </p:nvPr>
+        </p:nvSpPr>
+        <p:spPr/>
+        <p:txBody>
+          <a:bodyPr/>
+          <a:lstStyle/>
+          <a:p>
+            <a:fld id="{584BE1D8-901D-468C-816A-82F16679A17E}" type="slidenum">
+              <a:rPr lang="en-US" altLang="en-US" smtClean="0"/>
+              <a:pPr/>
+              <a:t>29</a:t>
+            </a:fld>
+            <a:endParaRPr lang="en-US" altLang="en-US"/>
+          </a:p>
+        </p:txBody>
+      </p:sp>
+    </p:spTree>
+    <p:extLst>
+      <p:ext uri="{BB962C8B-B14F-4D97-AF65-F5344CB8AC3E}">
+        <p14:creationId xmlns:p14="http://schemas.microsoft.com/office/powerpoint/2010/main" val="3047809914"/>
+      </p:ext>
+    </p:extLst>
+  </p:cSld>
+  <p:clrMapOvr>
+    <a:masterClrMapping/>
+  </p:clrMapOvr>
+</p:notes>
+</file>
+
+<file path=ppt/notesSlides/notesSlide17.xml><?xml version="1.0" encoding="utf-8"?>
+<p:notes xmlns:a="http://schemas.openxmlformats.org/drawingml/2006/main" xmlns:r="http://schemas.openxmlformats.org/officeDocument/2006/relationships" xmlns:p="http://schemas.openxmlformats.org/presentationml/2006/main">
+  <p:cSld>
+    <p:spTree>
+      <p:nvGrpSpPr>
+        <p:cNvPr id="1" name=""/>
+        <p:cNvGrpSpPr/>
+        <p:nvPr/>
+      </p:nvGrpSpPr>
+      <p:grpSpPr>
+        <a:xfrm>
+          <a:off x="0" y="0"/>
+          <a:ext cx="0" cy="0"/>
+          <a:chOff x="0" y="0"/>
+          <a:chExt cx="0" cy="0"/>
+        </a:xfrm>
+      </p:grpSpPr>
+      <p:sp>
+        <p:nvSpPr>
+          <p:cNvPr id="2" name="Slide Image Placeholder 1"/>
+          <p:cNvSpPr>
+            <a:spLocks noGrp="1" noRot="1" noChangeAspect="1"/>
+          </p:cNvSpPr>
+          <p:nvPr>
+            <p:ph type="sldImg"/>
+          </p:nvPr>
+        </p:nvSpPr>
+        <p:spPr/>
+      </p:sp>
+      <p:sp>
+        <p:nvSpPr>
+          <p:cNvPr id="3" name="Notes Placeholder 2"/>
+          <p:cNvSpPr>
+            <a:spLocks noGrp="1"/>
+          </p:cNvSpPr>
+          <p:nvPr>
+            <p:ph type="body" idx="1"/>
+          </p:nvPr>
+        </p:nvSpPr>
+        <p:spPr/>
+        <p:txBody>
+          <a:bodyPr/>
+          <a:lstStyle/>
+          <a:p>
+            <a:r>
+              <a:rPr lang="en-US" dirty="0"/>
+              <a:t>The Shuffleboard is an alternate dashboard application written in Java. The Shuffleboard</a:t>
+            </a:r>
+          </a:p>
+          <a:p>
+            <a:r>
+              <a:rPr lang="en-US" dirty="0"/>
+              <a:t>automatically creates a widget for each variable sent from the Robot sent using the </a:t>
+            </a:r>
+            <a:r>
+              <a:rPr lang="en-US" dirty="0" err="1"/>
+              <a:t>SmartDashboard</a:t>
+            </a:r>
+            <a:endParaRPr lang="en-US" dirty="0"/>
+          </a:p>
+          <a:p>
+            <a:r>
+              <a:rPr lang="en-US" dirty="0"/>
+              <a:t>class or </a:t>
+            </a:r>
+            <a:r>
+              <a:rPr lang="en-US" dirty="0" err="1"/>
+              <a:t>VIs.</a:t>
+            </a:r>
+            <a:r>
+              <a:rPr lang="en-US" dirty="0"/>
+              <a:t> These widgets can be configured to a number of preset display types, or users can create</a:t>
+            </a:r>
+          </a:p>
+          <a:p>
+            <a:r>
+              <a:rPr lang="en-US" dirty="0"/>
+              <a:t>custom extensions in Java.  FIRST is going make</a:t>
+            </a:r>
+            <a:r>
+              <a:rPr lang="en-US" baseline="0" dirty="0"/>
+              <a:t> going to make this selectable on the by type instead of programming </a:t>
+            </a:r>
+            <a:r>
+              <a:rPr lang="en-US" baseline="0" dirty="0" err="1"/>
+              <a:t>laungue</a:t>
+            </a:r>
+            <a:r>
+              <a:rPr lang="en-US" baseline="0" dirty="0"/>
+              <a:t> .</a:t>
+            </a:r>
+            <a:endParaRPr lang="en-US" dirty="0"/>
+          </a:p>
+        </p:txBody>
+      </p:sp>
+      <p:sp>
+        <p:nvSpPr>
+          <p:cNvPr id="4" name="Slide Number Placeholder 3"/>
+          <p:cNvSpPr>
+            <a:spLocks noGrp="1"/>
+          </p:cNvSpPr>
+          <p:nvPr>
+            <p:ph type="sldNum" sz="quarter" idx="10"/>
+          </p:nvPr>
+        </p:nvSpPr>
+        <p:spPr/>
+        <p:txBody>
+          <a:bodyPr/>
+          <a:lstStyle/>
+          <a:p>
+            <a:fld id="{584BE1D8-901D-468C-816A-82F16679A17E}" type="slidenum">
+              <a:rPr lang="en-US" altLang="en-US" smtClean="0"/>
+              <a:pPr/>
+              <a:t>30</a:t>
+            </a:fld>
+            <a:endParaRPr lang="en-US" altLang="en-US"/>
+          </a:p>
+        </p:txBody>
+      </p:sp>
+    </p:spTree>
+    <p:extLst>
+      <p:ext uri="{BB962C8B-B14F-4D97-AF65-F5344CB8AC3E}">
+        <p14:creationId xmlns:p14="http://schemas.microsoft.com/office/powerpoint/2010/main" val="484064985"/>
+      </p:ext>
+    </p:extLst>
+  </p:cSld>
+  <p:clrMapOvr>
+    <a:masterClrMapping/>
+  </p:clrMapOvr>
+</p:notes>
+</file>
+
+<file path=ppt/notesSlides/notesSlide18.xml><?xml version="1.0" encoding="utf-8"?>
+<p:notes xmlns:a="http://schemas.openxmlformats.org/drawingml/2006/main" xmlns:r="http://schemas.openxmlformats.org/officeDocument/2006/relationships" xmlns:p="http://schemas.openxmlformats.org/presentationml/2006/main">
+  <p:cSld>
+    <p:spTree>
+      <p:nvGrpSpPr>
+        <p:cNvPr id="1" name=""/>
+        <p:cNvGrpSpPr/>
+        <p:nvPr/>
+      </p:nvGrpSpPr>
+      <p:grpSpPr>
+        <a:xfrm>
+          <a:off x="0" y="0"/>
+          <a:ext cx="0" cy="0"/>
+          <a:chOff x="0" y="0"/>
+          <a:chExt cx="0" cy="0"/>
+        </a:xfrm>
+      </p:grpSpPr>
+      <p:sp>
+        <p:nvSpPr>
+          <p:cNvPr id="2" name="Slide Image Placeholder 1"/>
+          <p:cNvSpPr>
+            <a:spLocks noGrp="1" noRot="1" noChangeAspect="1"/>
+          </p:cNvSpPr>
+          <p:nvPr>
+            <p:ph type="sldImg"/>
+          </p:nvPr>
+        </p:nvSpPr>
+        <p:spPr/>
+      </p:sp>
+      <p:sp>
+        <p:nvSpPr>
+          <p:cNvPr id="3" name="Notes Placeholder 2"/>
+          <p:cNvSpPr>
+            <a:spLocks noGrp="1"/>
+          </p:cNvSpPr>
+          <p:nvPr>
+            <p:ph type="body" idx="1"/>
+          </p:nvPr>
+        </p:nvSpPr>
+        <p:spPr/>
+        <p:txBody>
+          <a:bodyPr/>
+          <a:lstStyle/>
+          <a:p>
+            <a:r>
+              <a:rPr lang="en-US" dirty="0"/>
+              <a:t>The </a:t>
+            </a:r>
+            <a:r>
+              <a:rPr lang="en-US" dirty="0" err="1"/>
+              <a:t>SmartDashboard</a:t>
+            </a:r>
+            <a:r>
+              <a:rPr lang="en-US" dirty="0"/>
+              <a:t> is an alternate dashboard application written in Java. The </a:t>
+            </a:r>
+            <a:r>
+              <a:rPr lang="en-US" dirty="0" err="1"/>
+              <a:t>SmartDashboard</a:t>
+            </a:r>
+            <a:endParaRPr lang="en-US" dirty="0"/>
+          </a:p>
+          <a:p>
+            <a:r>
+              <a:rPr lang="en-US" dirty="0"/>
+              <a:t>automatically creates a widget for each variable sent from the Robot sent using the </a:t>
+            </a:r>
+            <a:r>
+              <a:rPr lang="en-US" dirty="0" err="1"/>
+              <a:t>SmartDashboard</a:t>
+            </a:r>
+            <a:endParaRPr lang="en-US" dirty="0"/>
+          </a:p>
+          <a:p>
+            <a:r>
+              <a:rPr lang="en-US" dirty="0"/>
+              <a:t>class or </a:t>
+            </a:r>
+            <a:r>
+              <a:rPr lang="en-US" dirty="0" err="1"/>
+              <a:t>VIs.</a:t>
+            </a:r>
+            <a:r>
+              <a:rPr lang="en-US" dirty="0"/>
+              <a:t> These widgets can be configured to a number of preset display types, or users can create</a:t>
+            </a:r>
+          </a:p>
+          <a:p>
+            <a:r>
+              <a:rPr lang="en-US" dirty="0"/>
+              <a:t>custom extensions in Java.</a:t>
+            </a:r>
+          </a:p>
+        </p:txBody>
+      </p:sp>
+      <p:sp>
+        <p:nvSpPr>
+          <p:cNvPr id="4" name="Slide Number Placeholder 3"/>
+          <p:cNvSpPr>
+            <a:spLocks noGrp="1"/>
+          </p:cNvSpPr>
+          <p:nvPr>
+            <p:ph type="sldNum" sz="quarter" idx="10"/>
+          </p:nvPr>
+        </p:nvSpPr>
+        <p:spPr/>
+        <p:txBody>
+          <a:bodyPr/>
+          <a:lstStyle/>
+          <a:p>
+            <a:fld id="{584BE1D8-901D-468C-816A-82F16679A17E}" type="slidenum">
+              <a:rPr lang="en-US" altLang="en-US" smtClean="0"/>
+              <a:pPr/>
+              <a:t>31</a:t>
+            </a:fld>
+            <a:endParaRPr lang="en-US" altLang="en-US"/>
+          </a:p>
+        </p:txBody>
+      </p:sp>
+    </p:spTree>
+    <p:extLst>
+      <p:ext uri="{BB962C8B-B14F-4D97-AF65-F5344CB8AC3E}">
+        <p14:creationId xmlns:p14="http://schemas.microsoft.com/office/powerpoint/2010/main" val="2426088984"/>
+      </p:ext>
+    </p:extLst>
+  </p:cSld>
+  <p:clrMapOvr>
+    <a:masterClrMapping/>
+  </p:clrMapOvr>
+</p:notes>
+</file>
+
+<file path=ppt/notesSlides/notesSlide19.xml><?xml version="1.0" encoding="utf-8"?>
+<p:notes xmlns:a="http://schemas.openxmlformats.org/drawingml/2006/main" xmlns:r="http://schemas.openxmlformats.org/officeDocument/2006/relationships" xmlns:p="http://schemas.openxmlformats.org/presentationml/2006/main">
+  <p:cSld>
+    <p:spTree>
+      <p:nvGrpSpPr>
+        <p:cNvPr id="1" name=""/>
+        <p:cNvGrpSpPr/>
+        <p:nvPr/>
+      </p:nvGrpSpPr>
+      <p:grpSpPr>
+        <a:xfrm>
+          <a:off x="0" y="0"/>
+          <a:ext cx="0" cy="0"/>
+          <a:chOff x="0" y="0"/>
+          <a:chExt cx="0" cy="0"/>
+        </a:xfrm>
+      </p:grpSpPr>
+      <p:sp>
+        <p:nvSpPr>
+          <p:cNvPr id="2" name="Slide Image Placeholder 1"/>
+          <p:cNvSpPr>
+            <a:spLocks noGrp="1" noRot="1" noChangeAspect="1"/>
+          </p:cNvSpPr>
+          <p:nvPr>
+            <p:ph type="sldImg"/>
+          </p:nvPr>
+        </p:nvSpPr>
+        <p:spPr/>
+      </p:sp>
+      <p:sp>
+        <p:nvSpPr>
+          <p:cNvPr id="3" name="Notes Placeholder 2"/>
+          <p:cNvSpPr>
+            <a:spLocks noGrp="1"/>
+          </p:cNvSpPr>
+          <p:nvPr>
+            <p:ph type="body" idx="1"/>
+          </p:nvPr>
+        </p:nvSpPr>
+        <p:spPr/>
+        <p:txBody>
+          <a:bodyPr/>
+          <a:lstStyle/>
+          <a:p>
+            <a:r>
+              <a:rPr lang="en-US" dirty="0"/>
+              <a:t>Located in the </a:t>
+            </a:r>
+            <a:r>
+              <a:rPr lang="en-US" sz="1200" b="1" kern="1200" dirty="0">
+                <a:solidFill>
+                  <a:schemeClr val="tx1"/>
+                </a:solidFill>
+                <a:latin typeface="Times New Roman" charset="0"/>
+                <a:ea typeface="+mn-ea"/>
+                <a:cs typeface="Times New Roman" charset="0"/>
+              </a:rPr>
+              <a:t>package </a:t>
+            </a:r>
+            <a:r>
+              <a:rPr lang="en-US" sz="1200" b="1" kern="1200" dirty="0" err="1">
+                <a:solidFill>
+                  <a:schemeClr val="tx1"/>
+                </a:solidFill>
+                <a:latin typeface="Times New Roman" charset="0"/>
+                <a:ea typeface="+mn-ea"/>
+                <a:cs typeface="Times New Roman" charset="0"/>
+              </a:rPr>
+              <a:t>edu.wpi.first.wpilibj</a:t>
+            </a:r>
+            <a:r>
+              <a:rPr lang="en-US" sz="1200" b="1" kern="1200" dirty="0">
+                <a:solidFill>
+                  <a:schemeClr val="tx1"/>
+                </a:solidFill>
+                <a:latin typeface="Times New Roman" charset="0"/>
+                <a:ea typeface="+mn-ea"/>
+                <a:cs typeface="Times New Roman" charset="0"/>
+              </a:rPr>
+              <a:t>. </a:t>
+            </a:r>
+          </a:p>
+          <a:p>
+            <a:endParaRPr lang="en-US" sz="1200" b="1" kern="1200" dirty="0">
               <a:solidFill>
                 <a:schemeClr val="tx1"/>
               </a:solidFill>
@@ -1727,7 +2306,7 @@
           </a:p>
           <a:p>
             <a:r>
-              <a:rPr lang="en-US" sz="1200" b="1" kern="1200" dirty="0" smtClean="0">
+              <a:rPr lang="en-US" sz="1200" b="1" kern="1200" dirty="0">
                 <a:solidFill>
                   <a:schemeClr val="tx1"/>
                 </a:solidFill>
@@ -1738,7 +2317,7 @@
               <a:t>import </a:t>
             </a:r>
             <a:r>
-              <a:rPr lang="en-US" sz="1200" b="1" kern="1200" dirty="0" err="1" smtClean="0">
+              <a:rPr lang="en-US" sz="1200" b="1" kern="1200" dirty="0" err="1">
                 <a:solidFill>
                   <a:schemeClr val="tx1"/>
                 </a:solidFill>
@@ -1749,7 +2328,7 @@
               <a:t>edu.wpi.first.wpilibj.NidecBrushless</a:t>
             </a:r>
             <a:r>
-              <a:rPr lang="en-US" sz="1200" b="1" kern="1200" dirty="0" smtClean="0">
+              <a:rPr lang="en-US" sz="1200" b="1" kern="1200" dirty="0">
                 <a:solidFill>
                   <a:schemeClr val="tx1"/>
                 </a:solidFill>
@@ -1781,7 +2360,7 @@
             <a:fld id="{584BE1D8-901D-468C-816A-82F16679A17E}" type="slidenum">
               <a:rPr lang="en-US" altLang="en-US" smtClean="0"/>
               <a:pPr/>
-              <a:t>35</a:t>
+              <a:t>40</a:t>
             </a:fld>
             <a:endParaRPr lang="en-US" altLang="en-US"/>
           </a:p>
@@ -1845,11 +2424,11 @@
           <a:lstStyle/>
           <a:p>
             <a:r>
-              <a:rPr lang="en-US" dirty="0" smtClean="0"/>
+              <a:rPr lang="en-US" dirty="0"/>
               <a:t>2018 Driver</a:t>
             </a:r>
             <a:r>
-              <a:rPr lang="en-US" baseline="0" dirty="0" smtClean="0"/>
+              <a:rPr lang="en-US" baseline="0" dirty="0"/>
               <a:t> Station </a:t>
             </a:r>
             <a:endParaRPr lang="en-US" dirty="0"/>
@@ -1938,11 +2517,11 @@
           <a:lstStyle/>
           <a:p>
             <a:r>
-              <a:rPr lang="en-US" dirty="0" smtClean="0"/>
+              <a:rPr lang="en-US" dirty="0"/>
               <a:t>2018 Driver</a:t>
             </a:r>
             <a:r>
-              <a:rPr lang="en-US" baseline="0" dirty="0" smtClean="0"/>
+              <a:rPr lang="en-US" baseline="0" dirty="0"/>
               <a:t> Station </a:t>
             </a:r>
             <a:endParaRPr lang="en-US" dirty="0"/>
@@ -2031,11 +2610,11 @@
           <a:lstStyle/>
           <a:p>
             <a:r>
-              <a:rPr lang="en-US" dirty="0" smtClean="0"/>
+              <a:rPr lang="en-US" dirty="0"/>
               <a:t>2018 Driver</a:t>
             </a:r>
             <a:r>
-              <a:rPr lang="en-US" baseline="0" dirty="0" smtClean="0"/>
+              <a:rPr lang="en-US" baseline="0" dirty="0"/>
               <a:t> Station </a:t>
             </a:r>
             <a:endParaRPr lang="en-US" dirty="0"/>
@@ -2124,11 +2703,11 @@
           <a:lstStyle/>
           <a:p>
             <a:r>
-              <a:rPr lang="en-US" dirty="0" smtClean="0"/>
+              <a:rPr lang="en-US" dirty="0"/>
               <a:t>2018 Driver</a:t>
             </a:r>
             <a:r>
-              <a:rPr lang="en-US" baseline="0" dirty="0" smtClean="0"/>
+              <a:rPr lang="en-US" baseline="0" dirty="0"/>
               <a:t> Station </a:t>
             </a:r>
             <a:endParaRPr lang="en-US" dirty="0"/>
@@ -2162,7 +2741,7 @@
     </p:spTree>
     <p:extLst>
       <p:ext uri="{BB962C8B-B14F-4D97-AF65-F5344CB8AC3E}">
-        <p14:creationId xmlns:p14="http://schemas.microsoft.com/office/powerpoint/2010/main" val="414036858"/>
+        <p14:creationId xmlns:p14="http://schemas.microsoft.com/office/powerpoint/2010/main" val="444082631"/>
       </p:ext>
     </p:extLst>
   </p:cSld>
@@ -2217,28 +2796,12 @@
           <a:lstStyle/>
           <a:p>
             <a:r>
-              <a:rPr lang="en-US" dirty="0" smtClean="0"/>
-              <a:t>No need to down load JRE on </a:t>
-            </a:r>
-            <a:r>
-              <a:rPr lang="en-US" dirty="0" err="1" smtClean="0"/>
-              <a:t>roboRIO</a:t>
-            </a:r>
-            <a:r>
-              <a:rPr lang="en-US" dirty="0" smtClean="0"/>
-              <a:t> </a:t>
-            </a:r>
-            <a:r>
-              <a:rPr lang="en-US" dirty="0" err="1" smtClean="0"/>
-              <a:t>afters</a:t>
-            </a:r>
-            <a:r>
-              <a:rPr lang="en-US" dirty="0" smtClean="0"/>
-              <a:t> Eclipse Plug in</a:t>
-            </a:r>
-            <a:r>
-              <a:rPr lang="en-US" baseline="0" dirty="0" smtClean="0"/>
-              <a:t> takes care of this now.</a:t>
+              <a:rPr lang="en-US" dirty="0"/>
+              <a:t>2018 Driver</a:t>
+            </a:r>
+            <a:r>
+              <a:rPr lang="en-US" baseline="0" dirty="0"/>
+              <a:t> Station </a:t>
             </a:r>
             <a:endParaRPr lang="en-US" dirty="0"/>
           </a:p>
@@ -2262,7 +2825,7 @@
             <a:fld id="{584BE1D8-901D-468C-816A-82F16679A17E}" type="slidenum">
               <a:rPr lang="en-US" altLang="en-US" smtClean="0"/>
               <a:pPr/>
-              <a:t>15</a:t>
+              <a:t>14</a:t>
             </a:fld>
             <a:endParaRPr lang="en-US" altLang="en-US"/>
           </a:p>
@@ -2271,7 +2834,7 @@
     </p:spTree>
     <p:extLst>
       <p:ext uri="{BB962C8B-B14F-4D97-AF65-F5344CB8AC3E}">
-        <p14:creationId xmlns:p14="http://schemas.microsoft.com/office/powerpoint/2010/main" val="2722703668"/>
+        <p14:creationId xmlns:p14="http://schemas.microsoft.com/office/powerpoint/2010/main" val="414036858"/>
       </p:ext>
     </p:extLst>
   </p:cSld>
@@ -2326,12 +2889,12 @@
           <a:lstStyle/>
           <a:p>
             <a:r>
-              <a:rPr lang="en-US" dirty="0" smtClean="0"/>
-              <a:t>Chris will give his speech about the radio’s   We believe both radios will still</a:t>
-            </a:r>
-            <a:r>
-              <a:rPr lang="en-US" baseline="0" dirty="0" smtClean="0"/>
-              <a:t> work 2016 and 2017 but still tune.</a:t>
+              <a:rPr lang="en-US" dirty="0"/>
+              <a:t>2018 Driver</a:t>
+            </a:r>
+            <a:r>
+              <a:rPr lang="en-US" baseline="0" dirty="0"/>
+              <a:t> Station </a:t>
             </a:r>
             <a:endParaRPr lang="en-US" dirty="0"/>
           </a:p>
@@ -2355,7 +2918,7 @@
             <a:fld id="{584BE1D8-901D-468C-816A-82F16679A17E}" type="slidenum">
               <a:rPr lang="en-US" altLang="en-US" smtClean="0"/>
               <a:pPr/>
-              <a:t>16</a:t>
+              <a:t>15</a:t>
             </a:fld>
             <a:endParaRPr lang="en-US" altLang="en-US"/>
           </a:p>
@@ -2364,7 +2927,7 @@
     </p:spTree>
     <p:extLst>
       <p:ext uri="{BB962C8B-B14F-4D97-AF65-F5344CB8AC3E}">
-        <p14:creationId xmlns:p14="http://schemas.microsoft.com/office/powerpoint/2010/main" val="694633641"/>
+        <p14:creationId xmlns:p14="http://schemas.microsoft.com/office/powerpoint/2010/main" val="1792288985"/>
       </p:ext>
     </p:extLst>
   </p:cSld>
@@ -2420,14 +2983,13 @@
           <a:p>
             <a:r>
               <a:rPr lang="en-US" dirty="0"/>
-              <a:t>The FRC LabVIEW Dashboard is the default dashboard program installed with, and automatically launched by, the FRC Driver Station. The purpose of the Dashboard is to provide feedback about the operation of the robot. The FRC Default Dashboard serves as a an example of the types of feedback</a:t>
-            </a:r>
-          </a:p>
-          <a:p>
-            <a:r>
-              <a:rPr lang="en-US" dirty="0"/>
-              <a:t>teams may want from their robot.</a:t>
-            </a:r>
+              <a:t>2018 Driver</a:t>
+            </a:r>
+            <a:r>
+              <a:rPr lang="en-US" baseline="0" dirty="0"/>
+              <a:t> Station </a:t>
+            </a:r>
+            <a:endParaRPr lang="en-US" dirty="0"/>
           </a:p>
         </p:txBody>
       </p:sp>
@@ -2449,7 +3011,7 @@
             <a:fld id="{584BE1D8-901D-468C-816A-82F16679A17E}" type="slidenum">
               <a:rPr lang="en-US" altLang="en-US" smtClean="0"/>
               <a:pPr/>
-              <a:t>20</a:t>
+              <a:t>16</a:t>
             </a:fld>
             <a:endParaRPr lang="en-US" altLang="en-US"/>
           </a:p>
@@ -2458,7 +3020,7 @@
     </p:spTree>
     <p:extLst>
       <p:ext uri="{BB962C8B-B14F-4D97-AF65-F5344CB8AC3E}">
-        <p14:creationId xmlns:p14="http://schemas.microsoft.com/office/powerpoint/2010/main" val="98520075"/>
+        <p14:creationId xmlns:p14="http://schemas.microsoft.com/office/powerpoint/2010/main" val="2585828836"/>
       </p:ext>
     </p:extLst>
   </p:cSld>
@@ -2512,120 +3074,15 @@
           <a:bodyPr/>
           <a:lstStyle/>
           <a:p>
-            <a:pPr marL="0" marR="0" lvl="0" indent="0" algn="l" defTabSz="914400" rtl="0" eaLnBrk="0" fontAlgn="base" latinLnBrk="0" hangingPunct="0">
-              <a:lnSpc>
-                <a:spcPct val="100000"/>
-              </a:lnSpc>
-              <a:spcBef>
-                <a:spcPct val="30000"/>
-              </a:spcBef>
-              <a:spcAft>
-                <a:spcPct val="0"/>
-              </a:spcAft>
-              <a:buClrTx/>
-              <a:buSzTx/>
-              <a:buFontTx/>
-              <a:buNone/>
-              <a:tabLst/>
-              <a:defRPr/>
-            </a:pPr>
-            <a:r>
-              <a:rPr lang="en-US" dirty="0" smtClean="0"/>
-              <a:t>Located in the </a:t>
-            </a:r>
-            <a:r>
-              <a:rPr lang="en-US" sz="1200" b="1" kern="1200" dirty="0" smtClean="0">
-                <a:solidFill>
-                  <a:schemeClr val="tx1"/>
-                </a:solidFill>
-                <a:latin typeface="Times New Roman" charset="0"/>
-                <a:ea typeface="+mn-ea"/>
-                <a:cs typeface="Times New Roman" charset="0"/>
-              </a:rPr>
-              <a:t>package </a:t>
-            </a:r>
-            <a:r>
-              <a:rPr lang="en-US" sz="1200" b="1" kern="1200" dirty="0" err="1" smtClean="0">
-                <a:solidFill>
-                  <a:schemeClr val="tx1"/>
-                </a:solidFill>
-                <a:latin typeface="Times New Roman" charset="0"/>
-                <a:ea typeface="+mn-ea"/>
-                <a:cs typeface="Times New Roman" charset="0"/>
-              </a:rPr>
-              <a:t>edu.wpi.first.wpilibj</a:t>
-            </a:r>
-            <a:r>
-              <a:rPr lang="en-US" sz="1200" b="1" kern="1200" dirty="0" smtClean="0">
-                <a:solidFill>
-                  <a:schemeClr val="tx1"/>
-                </a:solidFill>
-                <a:latin typeface="Times New Roman" charset="0"/>
-                <a:ea typeface="+mn-ea"/>
-                <a:cs typeface="Times New Roman" charset="0"/>
-              </a:rPr>
-              <a:t>. </a:t>
-            </a:r>
-          </a:p>
-          <a:p>
-            <a:r>
-              <a:rPr lang="en-US" sz="1200" b="1" kern="1200" dirty="0" smtClean="0">
-                <a:solidFill>
-                  <a:schemeClr val="tx1"/>
-                </a:solidFill>
-                <a:latin typeface="Times New Roman" charset="0"/>
-                <a:ea typeface="+mn-ea"/>
-                <a:cs typeface="Times New Roman" charset="0"/>
-              </a:rPr>
-              <a:t>import </a:t>
-            </a:r>
-            <a:r>
-              <a:rPr lang="en-US" sz="1200" b="1" kern="1200" dirty="0" err="1" smtClean="0">
-                <a:solidFill>
-                  <a:schemeClr val="tx1"/>
-                </a:solidFill>
-                <a:latin typeface="Times New Roman" charset="0"/>
-                <a:ea typeface="+mn-ea"/>
-                <a:cs typeface="Times New Roman" charset="0"/>
-              </a:rPr>
-              <a:t>edu.wpi.first.wpilibj.DriverStation</a:t>
-            </a:r>
-            <a:r>
-              <a:rPr lang="en-US" sz="1200" b="1" kern="1200" dirty="0" smtClean="0">
-                <a:solidFill>
-                  <a:schemeClr val="tx1"/>
-                </a:solidFill>
-                <a:latin typeface="Times New Roman" charset="0"/>
-                <a:ea typeface="+mn-ea"/>
-                <a:cs typeface="Times New Roman" charset="0"/>
-              </a:rPr>
-              <a:t>;</a:t>
-            </a:r>
-          </a:p>
-          <a:p>
-            <a:r>
-              <a:rPr lang="en-US" sz="1200" b="0" kern="1200" dirty="0" smtClean="0">
-                <a:solidFill>
-                  <a:schemeClr val="tx1"/>
-                </a:solidFill>
-                <a:latin typeface="Times New Roman" charset="0"/>
-                <a:ea typeface="+mn-ea"/>
-                <a:cs typeface="Times New Roman" charset="0"/>
-              </a:rPr>
-              <a:t>This provides all the get function calls</a:t>
-            </a:r>
-            <a:r>
-              <a:rPr lang="en-US" sz="1200" b="0" kern="1200" baseline="0" dirty="0" smtClean="0">
-                <a:solidFill>
-                  <a:schemeClr val="tx1"/>
-                </a:solidFill>
-                <a:latin typeface="Times New Roman" charset="0"/>
-                <a:ea typeface="+mn-ea"/>
-                <a:cs typeface="Times New Roman" charset="0"/>
-              </a:rPr>
-              <a:t> for information off the driver station data packets. </a:t>
-            </a:r>
-            <a:endParaRPr lang="en-US" b="0" dirty="0"/>
+            <a:r>
+              <a:rPr lang="en-US" dirty="0"/>
+              <a:t>2018 Driver</a:t>
+            </a:r>
+            <a:r>
+              <a:rPr lang="en-US" baseline="0" dirty="0"/>
+              <a:t> Station </a:t>
+            </a:r>
+            <a:endParaRPr lang="en-US" dirty="0"/>
           </a:p>
         </p:txBody>
       </p:sp>
@@ -2647,7 +3104,7 @@
             <a:fld id="{584BE1D8-901D-468C-816A-82F16679A17E}" type="slidenum">
               <a:rPr lang="en-US" altLang="en-US" smtClean="0"/>
               <a:pPr/>
-              <a:t>22</a:t>
+              <a:t>17</a:t>
             </a:fld>
             <a:endParaRPr lang="en-US" altLang="en-US"/>
           </a:p>
@@ -2656,7 +3113,7 @@
     </p:spTree>
     <p:extLst>
       <p:ext uri="{BB962C8B-B14F-4D97-AF65-F5344CB8AC3E}">
-        <p14:creationId xmlns:p14="http://schemas.microsoft.com/office/powerpoint/2010/main" val="3052554636"/>
+        <p14:creationId xmlns:p14="http://schemas.microsoft.com/office/powerpoint/2010/main" val="1757001932"/>
       </p:ext>
     </p:extLst>
   </p:cSld>
@@ -2816,10 +3273,9 @@
           </a:lstStyle>
           <a:p>
             <a:r>
-              <a:rPr lang="en-US" smtClean="0"/>
+              <a:rPr lang="en-US"/>
               <a:t>Click to edit Master title style</a:t>
             </a:r>
-            <a:endParaRPr lang="en-US"/>
           </a:p>
         </p:txBody>
       </p:sp>
@@ -2850,10 +3306,9 @@
           </a:lstStyle>
           <a:p>
             <a:r>
-              <a:rPr lang="en-US" smtClean="0"/>
+              <a:rPr lang="en-US"/>
               <a:t>Click to edit Master subtitle style</a:t>
             </a:r>
-            <a:endParaRPr lang="en-US"/>
           </a:p>
         </p:txBody>
       </p:sp>
@@ -2979,10 +3434,9 @@
           <a:lstStyle/>
           <a:p>
             <a:r>
-              <a:rPr lang="en-US" smtClean="0"/>
+              <a:rPr lang="en-US"/>
               <a:t>Click to edit Master title style</a:t>
             </a:r>
-            <a:endParaRPr lang="en-US"/>
           </a:p>
         </p:txBody>
       </p:sp>
@@ -3003,38 +3457,37 @@
           <a:p>
             <a:pPr lvl="0"/>
             <a:r>
-              <a:rPr lang="en-US" smtClean="0"/>
+              <a:rPr lang="en-US"/>
               <a:t>Click to edit Master text styles</a:t>
             </a:r>
           </a:p>
           <a:p>
             <a:pPr lvl="1"/>
             <a:r>
-              <a:rPr lang="en-US" smtClean="0"/>
+              <a:rPr lang="en-US"/>
               <a:t>Second level</a:t>
             </a:r>
           </a:p>
           <a:p>
             <a:pPr lvl="2"/>
             <a:r>
-              <a:rPr lang="en-US" smtClean="0"/>
+              <a:rPr lang="en-US"/>
               <a:t>Third level</a:t>
             </a:r>
           </a:p>
           <a:p>
             <a:pPr lvl="3"/>
             <a:r>
-              <a:rPr lang="en-US" smtClean="0"/>
+              <a:rPr lang="en-US"/>
               <a:t>Fourth level</a:t>
             </a:r>
           </a:p>
           <a:p>
             <a:pPr lvl="4"/>
             <a:r>
-              <a:rPr lang="en-US" smtClean="0"/>
+              <a:rPr lang="en-US"/>
               <a:t>Fifth level</a:t>
             </a:r>
-            <a:endParaRPr lang="en-US"/>
           </a:p>
         </p:txBody>
       </p:sp>
@@ -3162,10 +3615,9 @@
           <a:lstStyle/>
           <a:p>
             <a:r>
-              <a:rPr lang="en-US" smtClean="0"/>
+              <a:rPr lang="en-US"/>
               <a:t>Click to edit Master title style</a:t>
             </a:r>
-            <a:endParaRPr lang="en-US"/>
           </a:p>
         </p:txBody>
       </p:sp>
@@ -3191,38 +3643,37 @@
           <a:p>
             <a:pPr lvl="0"/>
             <a:r>
-              <a:rPr lang="en-US" smtClean="0"/>
+              <a:rPr lang="en-US"/>
               <a:t>Click to edit Master text styles</a:t>
             </a:r>
           </a:p>
           <a:p>
             <a:pPr lvl="1"/>
             <a:r>
-              <a:rPr lang="en-US" smtClean="0"/>
+              <a:rPr lang="en-US"/>
               <a:t>Second level</a:t>
             </a:r>
           </a:p>
           <a:p>
             <a:pPr lvl="2"/>
             <a:r>
-              <a:rPr lang="en-US" smtClean="0"/>
+              <a:rPr lang="en-US"/>
               <a:t>Third level</a:t>
             </a:r>
           </a:p>
           <a:p>
             <a:pPr lvl="3"/>
             <a:r>
-              <a:rPr lang="en-US" smtClean="0"/>
+              <a:rPr lang="en-US"/>
               <a:t>Fourth level</a:t>
             </a:r>
           </a:p>
           <a:p>
             <a:pPr lvl="4"/>
             <a:r>
-              <a:rPr lang="en-US" smtClean="0"/>
+              <a:rPr lang="en-US"/>
               <a:t>Fifth level</a:t>
             </a:r>
-            <a:endParaRPr lang="en-US"/>
           </a:p>
         </p:txBody>
       </p:sp>
@@ -3345,10 +3796,9 @@
           <a:lstStyle/>
           <a:p>
             <a:r>
-              <a:rPr lang="en-US" smtClean="0"/>
+              <a:rPr lang="en-US"/>
               <a:t>Click to edit Master title style</a:t>
             </a:r>
-            <a:endParaRPr lang="en-US"/>
           </a:p>
         </p:txBody>
       </p:sp>
@@ -3369,38 +3819,37 @@
           <a:p>
             <a:pPr lvl="0"/>
             <a:r>
-              <a:rPr lang="en-US" smtClean="0"/>
+              <a:rPr lang="en-US"/>
               <a:t>Click to edit Master text styles</a:t>
             </a:r>
           </a:p>
           <a:p>
             <a:pPr lvl="1"/>
             <a:r>
-              <a:rPr lang="en-US" smtClean="0"/>
+              <a:rPr lang="en-US"/>
               <a:t>Second level</a:t>
             </a:r>
           </a:p>
           <a:p>
             <a:pPr lvl="2"/>
             <a:r>
-              <a:rPr lang="en-US" smtClean="0"/>
+              <a:rPr lang="en-US"/>
               <a:t>Third level</a:t>
             </a:r>
           </a:p>
           <a:p>
             <a:pPr lvl="3"/>
             <a:r>
-              <a:rPr lang="en-US" smtClean="0"/>
+              <a:rPr lang="en-US"/>
               <a:t>Fourth level</a:t>
             </a:r>
           </a:p>
           <a:p>
             <a:pPr lvl="4"/>
             <a:r>
-              <a:rPr lang="en-US" smtClean="0"/>
+              <a:rPr lang="en-US"/>
               <a:t>Fifth level</a:t>
             </a:r>
-            <a:endParaRPr lang="en-US"/>
           </a:p>
         </p:txBody>
       </p:sp>
@@ -3532,10 +3981,9 @@
           </a:lstStyle>
           <a:p>
             <a:r>
-              <a:rPr lang="en-US" smtClean="0"/>
+              <a:rPr lang="en-US"/>
               <a:t>Click to edit Master title style</a:t>
             </a:r>
-            <a:endParaRPr lang="en-US"/>
           </a:p>
         </p:txBody>
       </p:sp>
@@ -3598,7 +4046,7 @@
           <a:p>
             <a:pPr lvl="0"/>
             <a:r>
-              <a:rPr lang="en-US" smtClean="0"/>
+              <a:rPr lang="en-US"/>
               <a:t>Click to edit Master text styles</a:t>
             </a:r>
           </a:p>
@@ -3723,10 +4171,9 @@
           <a:lstStyle/>
           <a:p>
             <a:r>
-              <a:rPr lang="en-US" smtClean="0"/>
+              <a:rPr lang="en-US"/>
               <a:t>Click to edit Master title style</a:t>
             </a:r>
-            <a:endParaRPr lang="en-US"/>
           </a:p>
         </p:txBody>
       </p:sp>
@@ -3780,38 +4227,37 @@
           <a:p>
             <a:pPr lvl="0"/>
             <a:r>
-              <a:rPr lang="en-US" smtClean="0"/>
+              <a:rPr lang="en-US"/>
               <a:t>Click to edit Master text styles</a:t>
             </a:r>
           </a:p>
           <a:p>
             <a:pPr lvl="1"/>
             <a:r>
-              <a:rPr lang="en-US" smtClean="0"/>
+              <a:rPr lang="en-US"/>
               <a:t>Second level</a:t>
             </a:r>
           </a:p>
           <a:p>
             <a:pPr lvl="2"/>
             <a:r>
-              <a:rPr lang="en-US" smtClean="0"/>
+              <a:rPr lang="en-US"/>
               <a:t>Third level</a:t>
             </a:r>
           </a:p>
           <a:p>
             <a:pPr lvl="3"/>
             <a:r>
-              <a:rPr lang="en-US" smtClean="0"/>
+              <a:rPr lang="en-US"/>
               <a:t>Fourth level</a:t>
             </a:r>
           </a:p>
           <a:p>
             <a:pPr lvl="4"/>
             <a:r>
-              <a:rPr lang="en-US" smtClean="0"/>
+              <a:rPr lang="en-US"/>
               <a:t>Fifth level</a:t>
             </a:r>
-            <a:endParaRPr lang="en-US"/>
           </a:p>
         </p:txBody>
       </p:sp>
@@ -3865,38 +4311,37 @@
           <a:p>
             <a:pPr lvl="0"/>
             <a:r>
-              <a:rPr lang="en-US" smtClean="0"/>
+              <a:rPr lang="en-US"/>
               <a:t>Click to edit Master text styles</a:t>
             </a:r>
           </a:p>
           <a:p>
             <a:pPr lvl="1"/>
             <a:r>
-              <a:rPr lang="en-US" smtClean="0"/>
+              <a:rPr lang="en-US"/>
               <a:t>Second level</a:t>
             </a:r>
           </a:p>
           <a:p>
             <a:pPr lvl="2"/>
             <a:r>
-              <a:rPr lang="en-US" smtClean="0"/>
+              <a:rPr lang="en-US"/>
               <a:t>Third level</a:t>
             </a:r>
           </a:p>
           <a:p>
             <a:pPr lvl="3"/>
             <a:r>
-              <a:rPr lang="en-US" smtClean="0"/>
+              <a:rPr lang="en-US"/>
               <a:t>Fourth level</a:t>
             </a:r>
           </a:p>
           <a:p>
             <a:pPr lvl="4"/>
             <a:r>
-              <a:rPr lang="en-US" smtClean="0"/>
+              <a:rPr lang="en-US"/>
               <a:t>Fifth level</a:t>
             </a:r>
-            <a:endParaRPr lang="en-US"/>
           </a:p>
         </p:txBody>
       </p:sp>
@@ -4028,10 +4473,9 @@
           </a:lstStyle>
           <a:p>
             <a:r>
-              <a:rPr lang="en-US" smtClean="0"/>
+              <a:rPr lang="en-US"/>
               <a:t>Click to edit Master title style</a:t>
             </a:r>
-            <a:endParaRPr lang="en-US"/>
           </a:p>
         </p:txBody>
       </p:sp>
@@ -4094,7 +4538,7 @@
           <a:p>
             <a:pPr lvl="0"/>
             <a:r>
-              <a:rPr lang="en-US" smtClean="0"/>
+              <a:rPr lang="en-US"/>
               <a:t>Click to edit Master text styles</a:t>
             </a:r>
           </a:p>
@@ -4150,38 +4594,37 @@
           <a:p>
             <a:pPr lvl="0"/>
             <a:r>
-              <a:rPr lang="en-US" smtClean="0"/>
+              <a:rPr lang="en-US"/>
               <a:t>Click to edit Master text styles</a:t>
             </a:r>
           </a:p>
           <a:p>
             <a:pPr lvl="1"/>
             <a:r>
-              <a:rPr lang="en-US" smtClean="0"/>
+              <a:rPr lang="en-US"/>
               <a:t>Second level</a:t>
             </a:r>
           </a:p>
           <a:p>
             <a:pPr lvl="2"/>
             <a:r>
-              <a:rPr lang="en-US" smtClean="0"/>
+              <a:rPr lang="en-US"/>
               <a:t>Third level</a:t>
             </a:r>
           </a:p>
           <a:p>
             <a:pPr lvl="3"/>
             <a:r>
-              <a:rPr lang="en-US" smtClean="0"/>
+              <a:rPr lang="en-US"/>
               <a:t>Fourth level</a:t>
             </a:r>
           </a:p>
           <a:p>
             <a:pPr lvl="4"/>
             <a:r>
-              <a:rPr lang="en-US" smtClean="0"/>
+              <a:rPr lang="en-US"/>
               <a:t>Fifth level</a:t>
             </a:r>
-            <a:endParaRPr lang="en-US"/>
           </a:p>
         </p:txBody>
       </p:sp>
@@ -4244,7 +4687,7 @@
           <a:p>
             <a:pPr lvl="0"/>
             <a:r>
-              <a:rPr lang="en-US" smtClean="0"/>
+              <a:rPr lang="en-US"/>
               <a:t>Click to edit Master text styles</a:t>
             </a:r>
           </a:p>
@@ -4300,38 +4743,37 @@
           <a:p>
             <a:pPr lvl="0"/>
             <a:r>
-              <a:rPr lang="en-US" smtClean="0"/>
+              <a:rPr lang="en-US"/>
               <a:t>Click to edit Master text styles</a:t>
             </a:r>
           </a:p>
           <a:p>
             <a:pPr lvl="1"/>
             <a:r>
-              <a:rPr lang="en-US" smtClean="0"/>
+              <a:rPr lang="en-US"/>
               <a:t>Second level</a:t>
             </a:r>
           </a:p>
           <a:p>
             <a:pPr lvl="2"/>
             <a:r>
-              <a:rPr lang="en-US" smtClean="0"/>
+              <a:rPr lang="en-US"/>
               <a:t>Third level</a:t>
             </a:r>
           </a:p>
           <a:p>
             <a:pPr lvl="3"/>
             <a:r>
-              <a:rPr lang="en-US" smtClean="0"/>
+              <a:rPr lang="en-US"/>
               <a:t>Fourth level</a:t>
             </a:r>
           </a:p>
           <a:p>
             <a:pPr lvl="4"/>
             <a:r>
-              <a:rPr lang="en-US" smtClean="0"/>
+              <a:rPr lang="en-US"/>
               <a:t>Fifth level</a:t>
             </a:r>
-            <a:endParaRPr lang="en-US"/>
           </a:p>
         </p:txBody>
       </p:sp>
@@ -4454,10 +4896,9 @@
           <a:lstStyle/>
           <a:p>
             <a:r>
-              <a:rPr lang="en-US" smtClean="0"/>
+              <a:rPr lang="en-US"/>
               <a:t>Click to edit Master title style</a:t>
             </a:r>
-            <a:endParaRPr lang="en-US"/>
           </a:p>
         </p:txBody>
       </p:sp>
@@ -4692,10 +5133,9 @@
           </a:lstStyle>
           <a:p>
             <a:r>
-              <a:rPr lang="en-US" smtClean="0"/>
+              <a:rPr lang="en-US"/>
               <a:t>Click to edit Master title style</a:t>
             </a:r>
-            <a:endParaRPr lang="en-US"/>
           </a:p>
         </p:txBody>
       </p:sp>
@@ -4749,38 +5189,37 @@
           <a:p>
             <a:pPr lvl="0"/>
             <a:r>
-              <a:rPr lang="en-US" smtClean="0"/>
+              <a:rPr lang="en-US"/>
               <a:t>Click to edit Master text styles</a:t>
             </a:r>
           </a:p>
           <a:p>
             <a:pPr lvl="1"/>
             <a:r>
-              <a:rPr lang="en-US" smtClean="0"/>
+              <a:rPr lang="en-US"/>
               <a:t>Second level</a:t>
             </a:r>
           </a:p>
           <a:p>
             <a:pPr lvl="2"/>
             <a:r>
-              <a:rPr lang="en-US" smtClean="0"/>
+              <a:rPr lang="en-US"/>
               <a:t>Third level</a:t>
             </a:r>
           </a:p>
           <a:p>
             <a:pPr lvl="3"/>
             <a:r>
-              <a:rPr lang="en-US" smtClean="0"/>
+              <a:rPr lang="en-US"/>
               <a:t>Fourth level</a:t>
             </a:r>
           </a:p>
           <a:p>
             <a:pPr lvl="4"/>
             <a:r>
-              <a:rPr lang="en-US" smtClean="0"/>
+              <a:rPr lang="en-US"/>
               <a:t>Fifth level</a:t>
             </a:r>
-            <a:endParaRPr lang="en-US"/>
           </a:p>
         </p:txBody>
       </p:sp>
@@ -4843,7 +5282,7 @@
           <a:p>
             <a:pPr lvl="0"/>
             <a:r>
-              <a:rPr lang="en-US" smtClean="0"/>
+              <a:rPr lang="en-US"/>
               <a:t>Click to edit Master text styles</a:t>
             </a:r>
           </a:p>
@@ -4977,10 +5416,9 @@
           </a:lstStyle>
           <a:p>
             <a:r>
-              <a:rPr lang="en-US" smtClean="0"/>
+              <a:rPr lang="en-US"/>
               <a:t>Click to edit Master title style</a:t>
             </a:r>
-            <a:endParaRPr lang="en-US"/>
           </a:p>
         </p:txBody>
       </p:sp>
@@ -5043,10 +5481,9 @@
           <a:p>
             <a:pPr lvl="0"/>
             <a:r>
-              <a:rPr lang="en-US" noProof="0" smtClean="0"/>
+              <a:rPr lang="en-US" noProof="0"/>
               <a:t>Click icon to add picture</a:t>
             </a:r>
-            <a:endParaRPr lang="en-US" noProof="0"/>
           </a:p>
         </p:txBody>
       </p:sp>
@@ -5109,7 +5546,7 @@
           <a:p>
             <a:pPr lvl="0"/>
             <a:r>
-              <a:rPr lang="en-US" smtClean="0"/>
+              <a:rPr lang="en-US"/>
               <a:t>Click to edit Master text styles</a:t>
             </a:r>
           </a:p>
@@ -5278,7 +5715,7 @@
           <a:p>
             <a:pPr lvl="0"/>
             <a:r>
-              <a:rPr lang="en-US" altLang="en-US" smtClean="0"/>
+              <a:rPr lang="en-US" altLang="en-US"/>
               <a:t>Click to edit Master title style</a:t>
             </a:r>
           </a:p>
@@ -5336,35 +5773,35 @@
           <a:p>
             <a:pPr lvl="0"/>
             <a:r>
-              <a:rPr lang="en-US" altLang="en-US" smtClean="0"/>
+              <a:rPr lang="en-US" altLang="en-US"/>
               <a:t>Click to edit Master text styles</a:t>
             </a:r>
           </a:p>
           <a:p>
             <a:pPr lvl="1"/>
             <a:r>
-              <a:rPr lang="en-US" altLang="en-US" smtClean="0"/>
+              <a:rPr lang="en-US" altLang="en-US"/>
               <a:t>Second level</a:t>
             </a:r>
           </a:p>
           <a:p>
             <a:pPr lvl="2"/>
             <a:r>
-              <a:rPr lang="en-US" altLang="en-US" smtClean="0"/>
+              <a:rPr lang="en-US" altLang="en-US"/>
               <a:t>Third level</a:t>
             </a:r>
           </a:p>
           <a:p>
             <a:pPr lvl="3"/>
             <a:r>
-              <a:rPr lang="en-US" altLang="en-US" smtClean="0"/>
+              <a:rPr lang="en-US" altLang="en-US"/>
               <a:t>Fourth level</a:t>
             </a:r>
           </a:p>
           <a:p>
             <a:pPr lvl="4"/>
             <a:r>
-              <a:rPr lang="en-US" altLang="en-US" smtClean="0"/>
+              <a:rPr lang="en-US" altLang="en-US"/>
               <a:t>Fifth level</a:t>
             </a:r>
           </a:p>
@@ -6078,18 +6515,17 @@
               <a:defRPr/>
             </a:pPr>
             <a:r>
-              <a:rPr lang="en-US" smtClean="0"/>
+              <a:rPr lang="en-US"/>
               <a:t>2008 </a:t>
             </a:r>
             <a:r>
-              <a:rPr lang="en-US" i="1" smtClean="0"/>
+              <a:rPr lang="en-US" i="1"/>
               <a:t>FIRST</a:t>
             </a:r>
             <a:r>
-              <a:rPr lang="en-US" smtClean="0"/>
+              <a:rPr lang="en-US"/>
               <a:t> Robotics Conference</a:t>
             </a:r>
-            <a:endParaRPr lang="en-US"/>
           </a:p>
         </p:txBody>
       </p:sp>
@@ -6144,13 +6580,6 @@
   <p:clrMapOvr>
     <a:masterClrMapping/>
   </p:clrMapOvr>
-  <p:timing>
-    <p:tnLst>
-      <p:par>
-        <p:cTn id="1" dur="indefinite" restart="never" nodeType="tmRoot"/>
-      </p:par>
-    </p:tnLst>
-  </p:timing>
 </p:sld>
 </file>
 
@@ -6188,7 +6617,7 @@
           <a:p>
             <a:r>
               <a:rPr lang="en-US" sz="2800" dirty="0"/>
-              <a:t>Notes for the 2018 season control system</a:t>
+              <a:t>Changes for the 2018 season control system</a:t>
             </a:r>
           </a:p>
         </p:txBody>
@@ -6218,7 +6647,7 @@
               <a:buChar char="Ø"/>
             </a:pPr>
             <a:r>
-              <a:rPr lang="en-US" dirty="0" smtClean="0"/>
+              <a:rPr lang="en-US" dirty="0"/>
               <a:t>Driver Station</a:t>
             </a:r>
           </a:p>
@@ -6229,11 +6658,7 @@
             </a:pPr>
             <a:r>
               <a:rPr lang="en-US" dirty="0"/>
-              <a:t>Additional Connectivity </a:t>
-            </a:r>
-            <a:r>
-              <a:rPr lang="en-US" dirty="0" smtClean="0"/>
-              <a:t>Diagnostics</a:t>
+              <a:t>Additional Connectivity Diagnostics</a:t>
             </a:r>
           </a:p>
           <a:p>
@@ -6243,11 +6668,15 @@
             </a:pPr>
             <a:r>
               <a:rPr lang="en-US" dirty="0"/>
-              <a:t>New Game Data field for match information sent by FMS during match </a:t>
-            </a:r>
-            <a:r>
-              <a:rPr lang="en-US" dirty="0" smtClean="0"/>
-              <a:t>play</a:t>
+              <a:t>DS Protocol selector for 2014 </a:t>
+            </a:r>
+            <a:r>
+              <a:rPr lang="en-US" dirty="0" err="1"/>
+              <a:t>cRIO</a:t>
+            </a:r>
+            <a:r>
+              <a:rPr lang="en-US" dirty="0"/>
+              <a:t> systems has been dropped.</a:t>
             </a:r>
           </a:p>
           <a:p>
@@ -6257,59 +6686,36 @@
             </a:pPr>
             <a:r>
               <a:rPr lang="en-US" dirty="0"/>
-              <a:t>DS Protocol selector for 2014 </a:t>
-            </a:r>
-            <a:r>
-              <a:rPr lang="en-US" dirty="0" err="1"/>
-              <a:t>cRIO</a:t>
-            </a:r>
-            <a:r>
-              <a:rPr lang="en-US" dirty="0"/>
-              <a:t> systems has been dropped</a:t>
-            </a:r>
-            <a:r>
-              <a:rPr lang="en-US" dirty="0" smtClean="0"/>
-              <a:t>.</a:t>
-            </a:r>
-          </a:p>
-          <a:p>
-            <a:pPr lvl="1" eaLnBrk="1" hangingPunct="1">
-              <a:buFont typeface="Wingdings" panose="05000000000000000000" pitchFamily="2" charset="2"/>
-              <a:buChar char="Ø"/>
-            </a:pPr>
-            <a:r>
-              <a:rPr lang="en-US" dirty="0"/>
               <a:t>Will NOT work on Windows XP</a:t>
             </a:r>
-            <a:endParaRPr lang="en-US" dirty="0" smtClean="0"/>
           </a:p>
           <a:p>
             <a:pPr eaLnBrk="1" hangingPunct="1">
               <a:buFont typeface="Wingdings" panose="05000000000000000000" pitchFamily="2" charset="2"/>
               <a:buChar char="Ø"/>
             </a:pPr>
-            <a:endParaRPr lang="en-US" dirty="0" smtClean="0"/>
+            <a:endParaRPr lang="en-US" dirty="0"/>
           </a:p>
           <a:p>
             <a:pPr eaLnBrk="1" hangingPunct="1">
               <a:buFont typeface="Wingdings" panose="05000000000000000000" pitchFamily="2" charset="2"/>
               <a:buChar char="Ø"/>
             </a:pPr>
-            <a:endParaRPr lang="en-US" dirty="0" smtClean="0"/>
+            <a:endParaRPr lang="en-US" dirty="0"/>
           </a:p>
           <a:p>
             <a:pPr eaLnBrk="1" hangingPunct="1">
               <a:buFont typeface="Wingdings" panose="05000000000000000000" pitchFamily="2" charset="2"/>
               <a:buChar char="Ø"/>
             </a:pPr>
-            <a:endParaRPr lang="en-US" dirty="0" smtClean="0"/>
+            <a:endParaRPr lang="en-US" dirty="0"/>
           </a:p>
           <a:p>
             <a:pPr eaLnBrk="1" hangingPunct="1">
               <a:buFont typeface="Wingdings" panose="05000000000000000000" pitchFamily="2" charset="2"/>
               <a:buChar char="Ø"/>
             </a:pPr>
-            <a:endParaRPr lang="en-US" altLang="en-US" dirty="0" smtClean="0"/>
+            <a:endParaRPr lang="en-US" altLang="en-US" dirty="0"/>
           </a:p>
         </p:txBody>
       </p:sp>
@@ -6458,20 +6864,12 @@
           <a:p>
             <a:pPr eaLnBrk="1" hangingPunct="1"/>
             <a:r>
-              <a:rPr lang="en-US" altLang="en-US" sz="1400" dirty="0" smtClean="0">
+              <a:rPr lang="en-US" altLang="en-US" sz="1400" dirty="0">
                 <a:solidFill>
                   <a:schemeClr val="tx1"/>
                 </a:solidFill>
               </a:rPr>
-              <a:t>2017  </a:t>
-            </a:r>
-            <a:r>
-              <a:rPr lang="en-US" altLang="en-US" sz="1400" dirty="0">
-                <a:solidFill>
-                  <a:schemeClr val="tx1"/>
-                </a:solidFill>
-              </a:rPr>
-              <a:t>MN </a:t>
+              <a:t>2017  MN </a:t>
             </a:r>
             <a:r>
               <a:rPr lang="en-US" altLang="en-US" sz="1400" i="1" dirty="0">
@@ -6540,13 +6938,6 @@
   <p:clrMapOvr>
     <a:masterClrMapping/>
   </p:clrMapOvr>
-  <p:timing>
-    <p:tnLst>
-      <p:par>
-        <p:cTn id="1" dur="indefinite" restart="never" nodeType="tmRoot"/>
-      </p:par>
-    </p:tnLst>
-  </p:timing>
 </p:sld>
 </file>
 
@@ -6584,7 +6975,7 @@
           <a:p>
             <a:r>
               <a:rPr lang="en-US" sz="2800" dirty="0"/>
-              <a:t>Notes for the 2018 season control system</a:t>
+              <a:t>Changes for the 2018 season control system</a:t>
             </a:r>
           </a:p>
         </p:txBody>
@@ -6614,10 +7005,9 @@
               <a:buChar char="Ø"/>
             </a:pPr>
             <a:r>
-              <a:rPr lang="en-US" dirty="0" err="1" smtClean="0"/>
-              <a:t>LabView</a:t>
-            </a:r>
-            <a:endParaRPr lang="en-US" dirty="0" smtClean="0"/>
+              <a:rPr lang="en-US" dirty="0"/>
+              <a:t>General</a:t>
+            </a:r>
           </a:p>
           <a:p>
             <a:pPr lvl="1" eaLnBrk="1" hangingPunct="1">
@@ -6626,11 +7016,7 @@
             </a:pPr>
             <a:r>
               <a:rPr lang="en-US" dirty="0"/>
-              <a:t>Increase robustness of USB Camera connections and </a:t>
-            </a:r>
-            <a:r>
-              <a:rPr lang="en-US" dirty="0" smtClean="0"/>
-              <a:t>streaming</a:t>
+              <a:t>Increase robustness of USB Camera connections and streaming</a:t>
             </a:r>
           </a:p>
           <a:p>
@@ -6648,11 +7034,17 @@
             </a:r>
             <a:r>
               <a:rPr lang="en-US" dirty="0"/>
-              <a:t> Maze robot simulation and a shooting/ball pickup robot </a:t>
-            </a:r>
-            <a:r>
-              <a:rPr lang="en-US" dirty="0" smtClean="0"/>
-              <a:t>simulation</a:t>
+              <a:t> Maze robot simulation and a shooting/ball pickup robot simulation</a:t>
+            </a:r>
+          </a:p>
+          <a:p>
+            <a:pPr eaLnBrk="1" hangingPunct="1">
+              <a:buFont typeface="Wingdings" panose="05000000000000000000" pitchFamily="2" charset="2"/>
+              <a:buChar char="Ø"/>
+            </a:pPr>
+            <a:r>
+              <a:rPr lang="en-US" dirty="0"/>
+              <a:t>Driver’s Station</a:t>
             </a:r>
           </a:p>
           <a:p>
@@ -6662,74 +7054,35 @@
             </a:pPr>
             <a:r>
               <a:rPr lang="en-US" dirty="0"/>
-              <a:t>Annual update to the current edition of LabVIEW 2017 </a:t>
-            </a:r>
-            <a:endParaRPr lang="en-US" dirty="0" smtClean="0"/>
-          </a:p>
-          <a:p>
-            <a:pPr lvl="1" eaLnBrk="1" hangingPunct="1">
-              <a:buFont typeface="Wingdings" panose="05000000000000000000" pitchFamily="2" charset="2"/>
-              <a:buChar char="Ø"/>
-            </a:pPr>
-            <a:r>
-              <a:rPr lang="en-US" dirty="0" err="1"/>
-              <a:t>roboRIO</a:t>
-            </a:r>
-            <a:r>
-              <a:rPr lang="en-US" dirty="0"/>
-              <a:t> CAN software update must be applied using the 3rd party CTRE Phoenix Lifeboat application (if this isn't done, then no CAN devices, e.g., PDP, PCM, </a:t>
-            </a:r>
-            <a:r>
-              <a:rPr lang="en-US" dirty="0" err="1"/>
-              <a:t>TalonSRX</a:t>
-            </a:r>
-            <a:r>
-              <a:rPr lang="en-US" dirty="0"/>
-              <a:t>, will show up in the </a:t>
-            </a:r>
-            <a:r>
-              <a:rPr lang="en-US" dirty="0" err="1"/>
-              <a:t>roboRIO</a:t>
-            </a:r>
-            <a:r>
-              <a:rPr lang="en-US" dirty="0"/>
-              <a:t> </a:t>
-            </a:r>
-            <a:r>
-              <a:rPr lang="en-US" dirty="0" err="1"/>
-              <a:t>WebDash</a:t>
-            </a:r>
-            <a:r>
-              <a:rPr lang="en-US" dirty="0"/>
-              <a:t>)</a:t>
+              <a:t>New Game Data field for match information sent by FMS during match play</a:t>
             </a:r>
           </a:p>
           <a:p>
             <a:pPr marL="0" indent="0" eaLnBrk="1" hangingPunct="1">
               <a:buNone/>
             </a:pPr>
-            <a:endParaRPr lang="en-US" dirty="0" smtClean="0"/>
+            <a:endParaRPr lang="en-US" dirty="0"/>
           </a:p>
           <a:p>
             <a:pPr eaLnBrk="1" hangingPunct="1">
               <a:buFont typeface="Wingdings" panose="05000000000000000000" pitchFamily="2" charset="2"/>
               <a:buChar char="Ø"/>
             </a:pPr>
-            <a:endParaRPr lang="en-US" dirty="0" smtClean="0"/>
+            <a:endParaRPr lang="en-US" dirty="0"/>
           </a:p>
           <a:p>
             <a:pPr eaLnBrk="1" hangingPunct="1">
               <a:buFont typeface="Wingdings" panose="05000000000000000000" pitchFamily="2" charset="2"/>
               <a:buChar char="Ø"/>
             </a:pPr>
-            <a:endParaRPr lang="en-US" dirty="0" smtClean="0"/>
+            <a:endParaRPr lang="en-US" dirty="0"/>
           </a:p>
           <a:p>
             <a:pPr eaLnBrk="1" hangingPunct="1">
               <a:buFont typeface="Wingdings" panose="05000000000000000000" pitchFamily="2" charset="2"/>
               <a:buChar char="Ø"/>
             </a:pPr>
-            <a:endParaRPr lang="en-US" altLang="en-US" dirty="0" smtClean="0"/>
+            <a:endParaRPr lang="en-US" altLang="en-US" dirty="0"/>
           </a:p>
         </p:txBody>
       </p:sp>
@@ -6878,20 +7231,12 @@
           <a:p>
             <a:pPr eaLnBrk="1" hangingPunct="1"/>
             <a:r>
-              <a:rPr lang="en-US" altLang="en-US" sz="1400" dirty="0" smtClean="0">
+              <a:rPr lang="en-US" altLang="en-US" sz="1400" dirty="0">
                 <a:solidFill>
                   <a:schemeClr val="tx1"/>
                 </a:solidFill>
               </a:rPr>
-              <a:t>2017  </a:t>
-            </a:r>
-            <a:r>
-              <a:rPr lang="en-US" altLang="en-US" sz="1400" dirty="0">
-                <a:solidFill>
-                  <a:schemeClr val="tx1"/>
-                </a:solidFill>
-              </a:rPr>
-              <a:t>MN </a:t>
+              <a:t>2017  MN </a:t>
             </a:r>
             <a:r>
               <a:rPr lang="en-US" altLang="en-US" sz="1400" i="1" dirty="0">
@@ -6919,13 +7264,6 @@
   <p:clrMapOvr>
     <a:masterClrMapping/>
   </p:clrMapOvr>
-  <p:timing>
-    <p:tnLst>
-      <p:par>
-        <p:cTn id="1" dur="indefinite" restart="never" nodeType="tmRoot"/>
-      </p:par>
-    </p:tnLst>
-  </p:timing>
 </p:sld>
 </file>
 
@@ -6963,7 +7301,7 @@
           <a:p>
             <a:r>
               <a:rPr lang="en-US" sz="2800" dirty="0"/>
-              <a:t>Notes for the 2018 season control system</a:t>
+              <a:t>Changes for the 2018 season control system</a:t>
             </a:r>
           </a:p>
         </p:txBody>
@@ -6993,9 +7331,14 @@
               <a:buChar char="Ø"/>
             </a:pPr>
             <a:r>
-              <a:rPr lang="en-US" dirty="0" smtClean="0"/>
-              <a:t>Java/C++</a:t>
-            </a:r>
+              <a:rPr lang="en-US" dirty="0"/>
+              <a:t>Java/C++ - </a:t>
+            </a:r>
+            <a:r>
+              <a:rPr lang="en-US" dirty="0" err="1"/>
+              <a:t>WPILib</a:t>
+            </a:r>
+            <a:endParaRPr lang="en-US" dirty="0"/>
           </a:p>
           <a:p>
             <a:pPr lvl="1" eaLnBrk="1" hangingPunct="1">
@@ -7004,11 +7347,25 @@
             </a:pPr>
             <a:r>
               <a:rPr lang="en-US" dirty="0"/>
-              <a:t>File transfer via WebDAV (replacing use of SSH</a:t>
-            </a:r>
-            <a:r>
-              <a:rPr lang="en-US" dirty="0" smtClean="0"/>
-              <a:t>)</a:t>
+              <a:t>New base class - </a:t>
+            </a:r>
+            <a:r>
+              <a:rPr lang="en-US" dirty="0" err="1"/>
+              <a:t>TimedRobot</a:t>
+            </a:r>
+            <a:r>
+              <a:rPr lang="en-US" dirty="0"/>
+              <a:t> loops on an internal timer instead of syncing to the arrival of DS packets.</a:t>
+            </a:r>
+          </a:p>
+          <a:p>
+            <a:pPr lvl="2" eaLnBrk="1" hangingPunct="1">
+              <a:buFont typeface="Wingdings" panose="05000000000000000000" pitchFamily="2" charset="2"/>
+              <a:buChar char="Ø"/>
+            </a:pPr>
+            <a:r>
+              <a:rPr lang="en-US" dirty="0"/>
+              <a:t>More consistent timing for robot actions and controls, but potentially dropping or duping inputs. </a:t>
             </a:r>
           </a:p>
           <a:p>
@@ -7017,18 +7374,26 @@
               <a:buChar char="Ø"/>
             </a:pPr>
             <a:r>
+              <a:rPr lang="en-US" dirty="0" err="1"/>
+              <a:t>RobotDrive</a:t>
+            </a:r>
+            <a:r>
               <a:rPr lang="en-US" dirty="0"/>
-              <a:t>New base class - </a:t>
+              <a:t> class has been split into separate classes for different drive base platform types - currently includes Differential Drive (common 4wd/6wd/8wd/tank/etc. platforms), Killough Drive (3 </a:t>
             </a:r>
             <a:r>
               <a:rPr lang="en-US" dirty="0" err="1"/>
-              <a:t>TimedRobot</a:t>
+              <a:t>omni's</a:t>
             </a:r>
             <a:r>
               <a:rPr lang="en-US" dirty="0"/>
-              <a:t> loops on a timer instead of syncing to the arrival of DS packets </a:t>
-            </a:r>
-            <a:endParaRPr lang="en-US" dirty="0" smtClean="0"/>
+              <a:t>) and </a:t>
+            </a:r>
+            <a:r>
+              <a:rPr lang="en-US" dirty="0" err="1"/>
+              <a:t>Mecanum</a:t>
+            </a:r>
+            <a:endParaRPr lang="en-US" dirty="0"/>
           </a:p>
           <a:p>
             <a:pPr lvl="1" eaLnBrk="1" hangingPunct="1">
@@ -7036,78 +7401,36 @@
               <a:buChar char="Ø"/>
             </a:pPr>
             <a:r>
-              <a:rPr lang="en-US" dirty="0" err="1"/>
-              <a:t>RobotDrive</a:t>
-            </a:r>
-            <a:r>
               <a:rPr lang="en-US" dirty="0"/>
-              <a:t> class has been split into separate classes for different drive base platform types - currently includes Differential Drive (common 4wd/6wd/8wd/tank/etc. platforms), Killough Drive (3 </a:t>
-            </a:r>
-            <a:r>
-              <a:rPr lang="en-US" dirty="0" err="1"/>
-              <a:t>omni's</a:t>
-            </a:r>
-            <a:r>
-              <a:rPr lang="en-US" dirty="0"/>
-              <a:t>) and </a:t>
-            </a:r>
-            <a:r>
-              <a:rPr lang="en-US" dirty="0" err="1"/>
-              <a:t>Mecanum</a:t>
-            </a:r>
-            <a:r>
-              <a:rPr lang="en-US" dirty="0"/>
-              <a:t> </a:t>
-            </a:r>
-            <a:endParaRPr lang="en-US" dirty="0" smtClean="0"/>
-          </a:p>
-          <a:p>
-            <a:pPr lvl="1" eaLnBrk="1" hangingPunct="1">
-              <a:buFont typeface="Wingdings" panose="05000000000000000000" pitchFamily="2" charset="2"/>
-              <a:buChar char="Ø"/>
+              <a:t>A periodic method has been added inside subsystems</a:t>
+            </a:r>
+          </a:p>
+          <a:p>
+            <a:pPr marL="457200" lvl="1" indent="0" eaLnBrk="1" hangingPunct="1">
+              <a:buNone/>
             </a:pPr>
-            <a:r>
-              <a:rPr lang="en-US" dirty="0"/>
-              <a:t>New JRE (</a:t>
-            </a:r>
-            <a:r>
-              <a:rPr lang="en-US" dirty="0" err="1"/>
-              <a:t>zulu</a:t>
-            </a:r>
-            <a:r>
-              <a:rPr lang="en-US" dirty="0"/>
-              <a:t>) - separate Java installer for the </a:t>
-            </a:r>
-            <a:r>
-              <a:rPr lang="en-US" dirty="0" err="1"/>
-              <a:t>roboRIO</a:t>
-            </a:r>
-            <a:r>
-              <a:rPr lang="en-US" dirty="0"/>
-              <a:t> is no longer necessary</a:t>
-            </a:r>
-            <a:endParaRPr lang="en-US" dirty="0" smtClean="0"/>
+            <a:endParaRPr lang="en-US" dirty="0"/>
           </a:p>
           <a:p>
             <a:pPr eaLnBrk="1" hangingPunct="1">
               <a:buFont typeface="Wingdings" panose="05000000000000000000" pitchFamily="2" charset="2"/>
               <a:buChar char="Ø"/>
             </a:pPr>
-            <a:endParaRPr lang="en-US" dirty="0" smtClean="0"/>
+            <a:endParaRPr lang="en-US" dirty="0"/>
           </a:p>
           <a:p>
             <a:pPr eaLnBrk="1" hangingPunct="1">
               <a:buFont typeface="Wingdings" panose="05000000000000000000" pitchFamily="2" charset="2"/>
               <a:buChar char="Ø"/>
             </a:pPr>
-            <a:endParaRPr lang="en-US" dirty="0" smtClean="0"/>
+            <a:endParaRPr lang="en-US" dirty="0"/>
           </a:p>
           <a:p>
             <a:pPr eaLnBrk="1" hangingPunct="1">
               <a:buFont typeface="Wingdings" panose="05000000000000000000" pitchFamily="2" charset="2"/>
               <a:buChar char="Ø"/>
             </a:pPr>
-            <a:endParaRPr lang="en-US" altLang="en-US" dirty="0" smtClean="0"/>
+            <a:endParaRPr lang="en-US" altLang="en-US" dirty="0"/>
           </a:p>
         </p:txBody>
       </p:sp>
@@ -7256,20 +7579,12 @@
           <a:p>
             <a:pPr eaLnBrk="1" hangingPunct="1"/>
             <a:r>
-              <a:rPr lang="en-US" altLang="en-US" sz="1400" dirty="0" smtClean="0">
+              <a:rPr lang="en-US" altLang="en-US" sz="1400" dirty="0">
                 <a:solidFill>
                   <a:schemeClr val="tx1"/>
                 </a:solidFill>
               </a:rPr>
-              <a:t>2017  </a:t>
-            </a:r>
-            <a:r>
-              <a:rPr lang="en-US" altLang="en-US" sz="1400" dirty="0">
-                <a:solidFill>
-                  <a:schemeClr val="tx1"/>
-                </a:solidFill>
-              </a:rPr>
-              <a:t>MN </a:t>
+              <a:t>2017  MN </a:t>
             </a:r>
             <a:r>
               <a:rPr lang="en-US" altLang="en-US" sz="1400" i="1" dirty="0">
@@ -7297,13 +7612,6 @@
   <p:clrMapOvr>
     <a:masterClrMapping/>
   </p:clrMapOvr>
-  <p:timing>
-    <p:tnLst>
-      <p:par>
-        <p:cTn id="1" dur="indefinite" restart="never" nodeType="tmRoot"/>
-      </p:par>
-    </p:tnLst>
-  </p:timing>
 </p:sld>
 </file>
 
@@ -7341,7 +7649,7 @@
           <a:p>
             <a:r>
               <a:rPr lang="en-US" sz="2800" dirty="0"/>
-              <a:t>Notes for the 2018 season control system</a:t>
+              <a:t>Changes for the 2018 season control system</a:t>
             </a:r>
           </a:p>
         </p:txBody>
@@ -7371,8 +7679,8 @@
               <a:buChar char="Ø"/>
             </a:pPr>
             <a:r>
-              <a:rPr lang="en-US" dirty="0" smtClean="0"/>
-              <a:t>Java/C++</a:t>
+              <a:rPr lang="en-US" dirty="0"/>
+              <a:t>Java/C++ - Eclipse</a:t>
             </a:r>
           </a:p>
           <a:p>
@@ -7382,9 +7690,8 @@
             </a:pPr>
             <a:r>
               <a:rPr lang="en-US" dirty="0"/>
-              <a:t>Java 8 - Eclipse projects should be configured at source code compatibility to 1.8 </a:t>
-            </a:r>
-            <a:endParaRPr lang="en-US" dirty="0" smtClean="0"/>
+              <a:t>Eclipse will update existing projects at startup. Imported projects are updated after eclipse restart.</a:t>
+            </a:r>
           </a:p>
           <a:p>
             <a:pPr lvl="1" eaLnBrk="1" hangingPunct="1">
@@ -7393,11 +7700,7 @@
             </a:pPr>
             <a:r>
               <a:rPr lang="en-US" dirty="0"/>
-              <a:t>When eclipse start it will automatically update old projects. If a project is imported, it isn't updated until you close and reopen </a:t>
-            </a:r>
-            <a:r>
-              <a:rPr lang="en-US" dirty="0" smtClean="0"/>
-              <a:t>eclipse</a:t>
+              <a:t>Network Tables improved synchronization and New classes and interfaces.</a:t>
             </a:r>
           </a:p>
           <a:p>
@@ -7407,11 +7710,7 @@
             </a:pPr>
             <a:r>
               <a:rPr lang="en-US" dirty="0"/>
-              <a:t>Network Tables improved synchronization and New classes and </a:t>
-            </a:r>
-            <a:r>
-              <a:rPr lang="en-US" dirty="0" smtClean="0"/>
-              <a:t>interfaces</a:t>
+              <a:t>Robot Code deployment done via WebDAV (replacing use of SSH)</a:t>
             </a:r>
           </a:p>
           <a:p>
@@ -7421,11 +7720,7 @@
             </a:pPr>
             <a:r>
               <a:rPr lang="en-US" dirty="0"/>
-              <a:t>New Shuffleboard </a:t>
-            </a:r>
-            <a:r>
-              <a:rPr lang="en-US" dirty="0" smtClean="0"/>
-              <a:t>dashboard</a:t>
+              <a:t>Checks multiple address in parallel during deployment, faster deploys.</a:t>
             </a:r>
           </a:p>
           <a:p>
@@ -7435,51 +7730,15 @@
             </a:pPr>
             <a:r>
               <a:rPr lang="en-US" dirty="0"/>
-              <a:t>CTRE name changes: </a:t>
-            </a:r>
-            <a:r>
-              <a:rPr lang="en-US" dirty="0" err="1"/>
-              <a:t>TalonSRX</a:t>
-            </a:r>
-            <a:r>
-              <a:rPr lang="en-US" dirty="0"/>
-              <a:t> is now </a:t>
-            </a:r>
-            <a:r>
-              <a:rPr lang="en-US" dirty="0" err="1"/>
-              <a:t>PWMTalonSRX</a:t>
-            </a:r>
-            <a:r>
-              <a:rPr lang="en-US" dirty="0"/>
-              <a:t> and </a:t>
-            </a:r>
-            <a:r>
-              <a:rPr lang="en-US" dirty="0" err="1"/>
-              <a:t>CANTalonSRX</a:t>
-            </a:r>
-            <a:r>
-              <a:rPr lang="en-US" dirty="0"/>
-              <a:t> has been renamed to </a:t>
-            </a:r>
-            <a:r>
-              <a:rPr lang="en-US" dirty="0" err="1"/>
-              <a:t>TalonSRX</a:t>
-            </a:r>
-            <a:endParaRPr lang="en-US" dirty="0" smtClean="0"/>
+              <a:t>TCP based console plugin, coming soon.</a:t>
+            </a:r>
           </a:p>
           <a:p>
             <a:pPr eaLnBrk="1" hangingPunct="1">
               <a:buFont typeface="Wingdings" panose="05000000000000000000" pitchFamily="2" charset="2"/>
               <a:buChar char="Ø"/>
             </a:pPr>
-            <a:endParaRPr lang="en-US" dirty="0" smtClean="0"/>
-          </a:p>
-          <a:p>
-            <a:pPr eaLnBrk="1" hangingPunct="1">
-              <a:buFont typeface="Wingdings" panose="05000000000000000000" pitchFamily="2" charset="2"/>
-              <a:buChar char="Ø"/>
-            </a:pPr>
-            <a:endParaRPr lang="en-US" altLang="en-US" dirty="0" smtClean="0"/>
+            <a:endParaRPr lang="en-US" altLang="en-US" dirty="0"/>
           </a:p>
         </p:txBody>
       </p:sp>
@@ -7628,20 +7887,12 @@
           <a:p>
             <a:pPr eaLnBrk="1" hangingPunct="1"/>
             <a:r>
-              <a:rPr lang="en-US" altLang="en-US" sz="1400" dirty="0" smtClean="0">
+              <a:rPr lang="en-US" altLang="en-US" sz="1400" dirty="0">
                 <a:solidFill>
                   <a:schemeClr val="tx1"/>
                 </a:solidFill>
               </a:rPr>
-              <a:t>2017  </a:t>
-            </a:r>
-            <a:r>
-              <a:rPr lang="en-US" altLang="en-US" sz="1400" dirty="0">
-                <a:solidFill>
-                  <a:schemeClr val="tx1"/>
-                </a:solidFill>
-              </a:rPr>
-              <a:t>MN </a:t>
+              <a:t>2017  MN </a:t>
             </a:r>
             <a:r>
               <a:rPr lang="en-US" altLang="en-US" sz="1400" i="1" dirty="0">
@@ -7662,20 +7913,13 @@
     </p:spTree>
     <p:extLst>
       <p:ext uri="{BB962C8B-B14F-4D97-AF65-F5344CB8AC3E}">
-        <p14:creationId xmlns:p14="http://schemas.microsoft.com/office/powerpoint/2010/main" val="705119680"/>
+        <p14:creationId xmlns:p14="http://schemas.microsoft.com/office/powerpoint/2010/main" val="750513154"/>
       </p:ext>
     </p:extLst>
   </p:cSld>
   <p:clrMapOvr>
     <a:masterClrMapping/>
   </p:clrMapOvr>
-  <p:timing>
-    <p:tnLst>
-      <p:par>
-        <p:cTn id="1" dur="indefinite" restart="never" nodeType="tmRoot"/>
-      </p:par>
-    </p:tnLst>
-  </p:timing>
 </p:sld>
 </file>
 
@@ -7698,7 +7942,7 @@
       </p:grpSpPr>
       <p:sp>
         <p:nvSpPr>
-          <p:cNvPr id="2" name="Title 1"/>
+          <p:cNvPr id="17410" name="Title 1"/>
           <p:cNvSpPr>
             <a:spLocks noGrp="1"/>
           </p:cNvSpPr>
@@ -7712,43 +7956,15 @@
           <a:lstStyle/>
           <a:p>
             <a:r>
-              <a:rPr lang="en-US" dirty="0"/>
-              <a:t>Software Order of Installation</a:t>
-            </a:r>
-          </a:p>
-        </p:txBody>
-      </p:sp>
-      <p:sp>
-        <p:nvSpPr>
-          <p:cNvPr id="4" name="Footer Placeholder 3"/>
-          <p:cNvSpPr>
-            <a:spLocks noGrp="1"/>
-          </p:cNvSpPr>
-          <p:nvPr>
-            <p:ph type="ftr" sz="quarter" idx="10"/>
-          </p:nvPr>
-        </p:nvSpPr>
-        <p:spPr/>
-        <p:txBody>
-          <a:bodyPr/>
-          <a:lstStyle/>
-          <a:p>
-            <a:pPr eaLnBrk="1" hangingPunct="1"/>
-            <a:r>
-              <a:rPr lang="en-US" altLang="en-US" dirty="0"/>
-              <a:t>2017  MN </a:t>
-            </a:r>
-            <a:r>
-              <a:rPr lang="en-US" altLang="en-US" i="1" dirty="0"/>
-              <a:t>FIRST Jump Start</a:t>
-            </a:r>
-            <a:endParaRPr lang="en-US" altLang="en-US" dirty="0"/>
-          </a:p>
-        </p:txBody>
-      </p:sp>
-      <p:sp>
-        <p:nvSpPr>
-          <p:cNvPr id="5" name="Content Placeholder 2"/>
+              <a:rPr lang="en-US" sz="2800" dirty="0"/>
+              <a:t>Changes for the 2018 season control system</a:t>
+            </a:r>
+          </a:p>
+        </p:txBody>
+      </p:sp>
+      <p:sp>
+        <p:nvSpPr>
+          <p:cNvPr id="17411" name="Content Placeholder 2"/>
           <p:cNvSpPr>
             <a:spLocks noGrp="1"/>
           </p:cNvSpPr>
@@ -7772,47 +7988,2039 @@
             </a:pPr>
             <a:r>
               <a:rPr lang="en-US" dirty="0"/>
-              <a:t>Install the programming language of your choice: Basic LabVIEW 2017 or Java/C</a:t>
-            </a:r>
-            <a:r>
-              <a:rPr lang="en-US" dirty="0" smtClean="0"/>
-              <a:t>++</a:t>
-            </a:r>
+              <a:t>Java/C++ - CTRE</a:t>
+            </a:r>
+          </a:p>
+          <a:p>
+            <a:pPr lvl="1" eaLnBrk="1" hangingPunct="1">
+              <a:buFont typeface="Wingdings" panose="05000000000000000000" pitchFamily="2" charset="2"/>
+              <a:buChar char="Ø"/>
+            </a:pPr>
+            <a:r>
+              <a:rPr lang="en-US" dirty="0"/>
+              <a:t>CTRE Libraries done view Lifeboat app.</a:t>
+            </a:r>
+          </a:p>
+          <a:p>
+            <a:pPr lvl="1" eaLnBrk="1" hangingPunct="1">
+              <a:buFont typeface="Wingdings" panose="05000000000000000000" pitchFamily="2" charset="2"/>
+              <a:buChar char="Ø"/>
+            </a:pPr>
+            <a:r>
+              <a:rPr lang="en-US" dirty="0"/>
+              <a:t>CTRE object, library and header restructuring. </a:t>
+            </a:r>
+            <a:r>
+              <a:rPr lang="en-US" dirty="0" err="1"/>
+              <a:t>Eg</a:t>
+            </a:r>
+            <a:r>
+              <a:rPr lang="en-US" dirty="0"/>
+              <a:t>; object name: </a:t>
+            </a:r>
+            <a:r>
+              <a:rPr lang="en-US" dirty="0" err="1"/>
+              <a:t>TalonSRX</a:t>
+            </a:r>
+            <a:r>
+              <a:rPr lang="en-US" dirty="0"/>
+              <a:t> is now </a:t>
+            </a:r>
+            <a:r>
+              <a:rPr lang="en-US" dirty="0" err="1"/>
+              <a:t>PWMTalonSRX</a:t>
+            </a:r>
+            <a:r>
+              <a:rPr lang="en-US" dirty="0"/>
+              <a:t> and </a:t>
+            </a:r>
+            <a:r>
+              <a:rPr lang="en-US" dirty="0" err="1"/>
+              <a:t>CANTalonSRX</a:t>
+            </a:r>
+            <a:r>
+              <a:rPr lang="en-US" dirty="0"/>
+              <a:t> has been renamed to </a:t>
+            </a:r>
+            <a:r>
+              <a:rPr lang="en-US" dirty="0" err="1"/>
+              <a:t>TalonSRX</a:t>
+            </a:r>
+            <a:endParaRPr lang="en-US" dirty="0"/>
+          </a:p>
+          <a:p>
+            <a:pPr lvl="1" eaLnBrk="1" hangingPunct="1">
+              <a:buFont typeface="Wingdings" panose="05000000000000000000" pitchFamily="2" charset="2"/>
+              <a:buChar char="Ø"/>
+            </a:pPr>
+            <a:r>
+              <a:rPr lang="en-US" dirty="0" err="1"/>
+              <a:t>roboRIO</a:t>
+            </a:r>
+            <a:r>
+              <a:rPr lang="en-US" dirty="0"/>
+              <a:t> CAN software update must be applied using the 3rd party CTRE Phoenix Lifeboat application (if this isn't done, then no CAN devices, e.g., PDP, PCM, </a:t>
+            </a:r>
+            <a:r>
+              <a:rPr lang="en-US" dirty="0" err="1"/>
+              <a:t>TalonSRX</a:t>
+            </a:r>
+            <a:r>
+              <a:rPr lang="en-US" dirty="0"/>
+              <a:t>, will show up in the </a:t>
+            </a:r>
+            <a:r>
+              <a:rPr lang="en-US" dirty="0" err="1"/>
+              <a:t>roboRIO</a:t>
+            </a:r>
+            <a:r>
+              <a:rPr lang="en-US" dirty="0"/>
+              <a:t> </a:t>
+            </a:r>
+            <a:r>
+              <a:rPr lang="en-US" dirty="0" err="1"/>
+              <a:t>WebDash</a:t>
+            </a:r>
+            <a:r>
+              <a:rPr lang="en-US" dirty="0"/>
+              <a:t>)</a:t>
+            </a:r>
+          </a:p>
+          <a:p>
+            <a:pPr lvl="1" eaLnBrk="1" hangingPunct="1">
+              <a:buFont typeface="Wingdings" panose="05000000000000000000" pitchFamily="2" charset="2"/>
+              <a:buChar char="Ø"/>
+            </a:pPr>
+            <a:endParaRPr lang="en-US" dirty="0"/>
           </a:p>
           <a:p>
             <a:pPr eaLnBrk="1" hangingPunct="1">
               <a:buFont typeface="Wingdings" panose="05000000000000000000" pitchFamily="2" charset="2"/>
               <a:buChar char="Ø"/>
             </a:pPr>
-            <a:r>
-              <a:rPr lang="en-US" dirty="0"/>
-              <a:t>FRC </a:t>
-            </a:r>
-            <a:r>
-              <a:rPr lang="en-US" dirty="0" smtClean="0"/>
-              <a:t>Update</a:t>
-            </a:r>
+            <a:endParaRPr lang="en-US" dirty="0"/>
           </a:p>
           <a:p>
             <a:pPr eaLnBrk="1" hangingPunct="1">
               <a:buFont typeface="Wingdings" panose="05000000000000000000" pitchFamily="2" charset="2"/>
               <a:buChar char="Ø"/>
             </a:pPr>
-            <a:r>
-              <a:rPr lang="en-US" dirty="0"/>
-              <a:t>You get a message if the Microsoft .NET Framework 3.5 needs to be installed </a:t>
-            </a:r>
-            <a:r>
-              <a:rPr lang="en-US" dirty="0" smtClean="0"/>
-              <a:t>separately</a:t>
-            </a:r>
-          </a:p>
+            <a:endParaRPr lang="en-US" altLang="en-US" dirty="0"/>
+          </a:p>
+        </p:txBody>
+      </p:sp>
+      <p:sp>
+        <p:nvSpPr>
+          <p:cNvPr id="17412" name="Footer Placeholder 3"/>
+          <p:cNvSpPr>
+            <a:spLocks noGrp="1"/>
+          </p:cNvSpPr>
+          <p:nvPr>
+            <p:ph type="ftr" sz="quarter" idx="10"/>
+          </p:nvPr>
+        </p:nvSpPr>
+        <p:spPr>
+          <a:noFill/>
+          <a:ln/>
+          <a:extLst>
+            <a:ext uri="{909E8E84-426E-40DD-AFC4-6F175D3DCCD1}">
+              <a14:hiddenFill xmlns:a14="http://schemas.microsoft.com/office/drawing/2010/main">
+                <a:solidFill>
+                  <a:srgbClr val="FFFFFF"/>
+                </a:solidFill>
+              </a14:hiddenFill>
+            </a:ext>
+            <a:ext uri="{91240B29-F687-4F45-9708-019B960494DF}">
+              <a14:hiddenLine xmlns:a14="http://schemas.microsoft.com/office/drawing/2010/main" w="9525">
+                <a:solidFill>
+                  <a:srgbClr val="000000"/>
+                </a:solidFill>
+                <a:miter lim="800000"/>
+                <a:headEnd/>
+                <a:tailEnd/>
+              </a14:hiddenLine>
+            </a:ext>
+          </a:extLst>
+        </p:spPr>
+        <p:txBody>
+          <a:bodyPr/>
+          <a:lstStyle>
+            <a:lvl1pPr eaLnBrk="0" hangingPunct="0">
+              <a:defRPr sz="2200">
+                <a:solidFill>
+                  <a:srgbClr val="FFFFFF"/>
+                </a:solidFill>
+                <a:latin typeface="Trebuchet MS" panose="020B0603020202020204" pitchFamily="34" charset="0"/>
+                <a:cs typeface="Times New Roman" panose="02020603050405020304" pitchFamily="18" charset="0"/>
+              </a:defRPr>
+            </a:lvl1pPr>
+            <a:lvl2pPr marL="742950" indent="-285750" eaLnBrk="0" hangingPunct="0">
+              <a:defRPr sz="2200">
+                <a:solidFill>
+                  <a:srgbClr val="FFFFFF"/>
+                </a:solidFill>
+                <a:latin typeface="Trebuchet MS" panose="020B0603020202020204" pitchFamily="34" charset="0"/>
+                <a:cs typeface="Times New Roman" panose="02020603050405020304" pitchFamily="18" charset="0"/>
+              </a:defRPr>
+            </a:lvl2pPr>
+            <a:lvl3pPr marL="1143000" indent="-228600" eaLnBrk="0" hangingPunct="0">
+              <a:defRPr sz="2200">
+                <a:solidFill>
+                  <a:srgbClr val="FFFFFF"/>
+                </a:solidFill>
+                <a:latin typeface="Trebuchet MS" panose="020B0603020202020204" pitchFamily="34" charset="0"/>
+                <a:cs typeface="Times New Roman" panose="02020603050405020304" pitchFamily="18" charset="0"/>
+              </a:defRPr>
+            </a:lvl3pPr>
+            <a:lvl4pPr marL="1600200" indent="-228600" eaLnBrk="0" hangingPunct="0">
+              <a:defRPr sz="2200">
+                <a:solidFill>
+                  <a:srgbClr val="FFFFFF"/>
+                </a:solidFill>
+                <a:latin typeface="Trebuchet MS" panose="020B0603020202020204" pitchFamily="34" charset="0"/>
+                <a:cs typeface="Times New Roman" panose="02020603050405020304" pitchFamily="18" charset="0"/>
+              </a:defRPr>
+            </a:lvl4pPr>
+            <a:lvl5pPr marL="2057400" indent="-228600" eaLnBrk="0" hangingPunct="0">
+              <a:defRPr sz="2200">
+                <a:solidFill>
+                  <a:srgbClr val="FFFFFF"/>
+                </a:solidFill>
+                <a:latin typeface="Trebuchet MS" panose="020B0603020202020204" pitchFamily="34" charset="0"/>
+                <a:cs typeface="Times New Roman" panose="02020603050405020304" pitchFamily="18" charset="0"/>
+              </a:defRPr>
+            </a:lvl5pPr>
+            <a:lvl6pPr marL="2514600" indent="-228600" eaLnBrk="0" fontAlgn="base" hangingPunct="0">
+              <a:spcBef>
+                <a:spcPct val="0"/>
+              </a:spcBef>
+              <a:spcAft>
+                <a:spcPct val="0"/>
+              </a:spcAft>
+              <a:defRPr sz="2200">
+                <a:solidFill>
+                  <a:srgbClr val="FFFFFF"/>
+                </a:solidFill>
+                <a:latin typeface="Trebuchet MS" panose="020B0603020202020204" pitchFamily="34" charset="0"/>
+                <a:cs typeface="Times New Roman" panose="02020603050405020304" pitchFamily="18" charset="0"/>
+              </a:defRPr>
+            </a:lvl6pPr>
+            <a:lvl7pPr marL="2971800" indent="-228600" eaLnBrk="0" fontAlgn="base" hangingPunct="0">
+              <a:spcBef>
+                <a:spcPct val="0"/>
+              </a:spcBef>
+              <a:spcAft>
+                <a:spcPct val="0"/>
+              </a:spcAft>
+              <a:defRPr sz="2200">
+                <a:solidFill>
+                  <a:srgbClr val="FFFFFF"/>
+                </a:solidFill>
+                <a:latin typeface="Trebuchet MS" panose="020B0603020202020204" pitchFamily="34" charset="0"/>
+                <a:cs typeface="Times New Roman" panose="02020603050405020304" pitchFamily="18" charset="0"/>
+              </a:defRPr>
+            </a:lvl7pPr>
+            <a:lvl8pPr marL="3429000" indent="-228600" eaLnBrk="0" fontAlgn="base" hangingPunct="0">
+              <a:spcBef>
+                <a:spcPct val="0"/>
+              </a:spcBef>
+              <a:spcAft>
+                <a:spcPct val="0"/>
+              </a:spcAft>
+              <a:defRPr sz="2200">
+                <a:solidFill>
+                  <a:srgbClr val="FFFFFF"/>
+                </a:solidFill>
+                <a:latin typeface="Trebuchet MS" panose="020B0603020202020204" pitchFamily="34" charset="0"/>
+                <a:cs typeface="Times New Roman" panose="02020603050405020304" pitchFamily="18" charset="0"/>
+              </a:defRPr>
+            </a:lvl8pPr>
+            <a:lvl9pPr marL="3886200" indent="-228600" eaLnBrk="0" fontAlgn="base" hangingPunct="0">
+              <a:spcBef>
+                <a:spcPct val="0"/>
+              </a:spcBef>
+              <a:spcAft>
+                <a:spcPct val="0"/>
+              </a:spcAft>
+              <a:defRPr sz="2200">
+                <a:solidFill>
+                  <a:srgbClr val="FFFFFF"/>
+                </a:solidFill>
+                <a:latin typeface="Trebuchet MS" panose="020B0603020202020204" pitchFamily="34" charset="0"/>
+                <a:cs typeface="Times New Roman" panose="02020603050405020304" pitchFamily="18" charset="0"/>
+              </a:defRPr>
+            </a:lvl9pPr>
+          </a:lstStyle>
+          <a:p>
+            <a:pPr eaLnBrk="1" hangingPunct="1"/>
+            <a:r>
+              <a:rPr lang="en-US" altLang="en-US" sz="1400" dirty="0">
+                <a:solidFill>
+                  <a:schemeClr val="tx1"/>
+                </a:solidFill>
+              </a:rPr>
+              <a:t>2017  MN </a:t>
+            </a:r>
+            <a:r>
+              <a:rPr lang="en-US" altLang="en-US" sz="1400" i="1" dirty="0">
+                <a:solidFill>
+                  <a:schemeClr val="tx1"/>
+                </a:solidFill>
+              </a:rPr>
+              <a:t>FIRST Jump Start</a:t>
+            </a:r>
+            <a:endParaRPr lang="en-US" altLang="en-US" sz="1400" dirty="0">
+              <a:solidFill>
+                <a:schemeClr val="tx1"/>
+              </a:solidFill>
+            </a:endParaRPr>
+          </a:p>
+        </p:txBody>
+      </p:sp>
+    </p:spTree>
+    <p:extLst>
+      <p:ext uri="{BB962C8B-B14F-4D97-AF65-F5344CB8AC3E}">
+        <p14:creationId xmlns:p14="http://schemas.microsoft.com/office/powerpoint/2010/main" val="705119680"/>
+      </p:ext>
+    </p:extLst>
+  </p:cSld>
+  <p:clrMapOvr>
+    <a:masterClrMapping/>
+  </p:clrMapOvr>
+</p:sld>
+</file>
+
+<file path=ppt/slides/slide15.xml><?xml version="1.0" encoding="utf-8"?>
+<p:sld xmlns:a="http://schemas.openxmlformats.org/drawingml/2006/main" xmlns:r="http://schemas.openxmlformats.org/officeDocument/2006/relationships" xmlns:p="http://schemas.openxmlformats.org/presentationml/2006/main">
+  <p:cSld>
+    <p:spTree>
+      <p:nvGrpSpPr>
+        <p:cNvPr id="1" name=""/>
+        <p:cNvGrpSpPr/>
+        <p:nvPr/>
+      </p:nvGrpSpPr>
+      <p:grpSpPr>
+        <a:xfrm>
+          <a:off x="0" y="0"/>
+          <a:ext cx="0" cy="0"/>
+          <a:chOff x="0" y="0"/>
+          <a:chExt cx="0" cy="0"/>
+        </a:xfrm>
+      </p:grpSpPr>
+      <p:sp>
+        <p:nvSpPr>
+          <p:cNvPr id="17410" name="Title 1"/>
+          <p:cNvSpPr>
+            <a:spLocks noGrp="1"/>
+          </p:cNvSpPr>
+          <p:nvPr>
+            <p:ph type="title"/>
+          </p:nvPr>
+        </p:nvSpPr>
+        <p:spPr/>
+        <p:txBody>
+          <a:bodyPr/>
+          <a:lstStyle/>
+          <a:p>
+            <a:r>
+              <a:rPr lang="en-US" sz="2800" dirty="0"/>
+              <a:t>Changes for the 2018 season control system</a:t>
+            </a:r>
+          </a:p>
+        </p:txBody>
+      </p:sp>
+      <p:sp>
+        <p:nvSpPr>
+          <p:cNvPr id="17411" name="Content Placeholder 2"/>
+          <p:cNvSpPr>
+            <a:spLocks noGrp="1"/>
+          </p:cNvSpPr>
+          <p:nvPr>
+            <p:ph idx="1"/>
+          </p:nvPr>
+        </p:nvSpPr>
+        <p:spPr>
+          <a:xfrm>
+            <a:off x="914400" y="1828800"/>
+            <a:ext cx="7924800" cy="4267200"/>
+          </a:xfrm>
+        </p:spPr>
+        <p:txBody>
+          <a:bodyPr/>
+          <a:lstStyle/>
           <a:p>
             <a:pPr eaLnBrk="1" hangingPunct="1">
               <a:buFont typeface="Wingdings" panose="05000000000000000000" pitchFamily="2" charset="2"/>
               <a:buChar char="Ø"/>
             </a:pPr>
             <a:r>
+              <a:rPr lang="en-US" dirty="0"/>
+              <a:t>Java</a:t>
+            </a:r>
+          </a:p>
+          <a:p>
+            <a:pPr lvl="1" eaLnBrk="1" hangingPunct="1">
+              <a:buFont typeface="Wingdings" panose="05000000000000000000" pitchFamily="2" charset="2"/>
+              <a:buChar char="Ø"/>
+            </a:pPr>
+            <a:r>
+              <a:rPr lang="en-US" dirty="0"/>
+              <a:t>Java 8 - Eclipse projects should be configured at source code compatibility to 1.8, Java 1.9 not likely to be supported for 2018 season.</a:t>
+            </a:r>
+          </a:p>
+          <a:p>
+            <a:pPr lvl="1" eaLnBrk="1" hangingPunct="1">
+              <a:buFont typeface="Wingdings" panose="05000000000000000000" pitchFamily="2" charset="2"/>
+              <a:buChar char="Ø"/>
+            </a:pPr>
+            <a:r>
+              <a:rPr lang="en-US" dirty="0" err="1"/>
+              <a:t>RoboRio</a:t>
+            </a:r>
+            <a:r>
+              <a:rPr lang="en-US" dirty="0"/>
+              <a:t> JRE – No need for manual install. JRE (</a:t>
+            </a:r>
+            <a:r>
+              <a:rPr lang="en-US" dirty="0" err="1"/>
+              <a:t>zulu</a:t>
+            </a:r>
+            <a:r>
+              <a:rPr lang="en-US" dirty="0"/>
+              <a:t>) deployment done automatically when deploying java code from eclipse.</a:t>
+            </a:r>
+          </a:p>
+          <a:p>
+            <a:pPr lvl="1" eaLnBrk="1" hangingPunct="1">
+              <a:buFont typeface="Wingdings" panose="05000000000000000000" pitchFamily="2" charset="2"/>
+              <a:buChar char="Ø"/>
+            </a:pPr>
+            <a:r>
+              <a:rPr lang="en-US" dirty="0" err="1"/>
+              <a:t>Sendable</a:t>
+            </a:r>
+            <a:r>
+              <a:rPr lang="en-US" dirty="0"/>
+              <a:t> Chooser now keeps entries ordered.</a:t>
+            </a:r>
+          </a:p>
+          <a:p>
+            <a:pPr lvl="1" eaLnBrk="1" hangingPunct="1">
+              <a:buFont typeface="Wingdings" panose="05000000000000000000" pitchFamily="2" charset="2"/>
+              <a:buChar char="Ø"/>
+            </a:pPr>
+            <a:endParaRPr lang="en-US" dirty="0"/>
+          </a:p>
+          <a:p>
+            <a:pPr eaLnBrk="1" hangingPunct="1">
+              <a:buFont typeface="Wingdings" panose="05000000000000000000" pitchFamily="2" charset="2"/>
+              <a:buChar char="Ø"/>
+            </a:pPr>
+            <a:endParaRPr lang="en-US" dirty="0"/>
+          </a:p>
+          <a:p>
+            <a:pPr eaLnBrk="1" hangingPunct="1">
+              <a:buFont typeface="Wingdings" panose="05000000000000000000" pitchFamily="2" charset="2"/>
+              <a:buChar char="Ø"/>
+            </a:pPr>
+            <a:endParaRPr lang="en-US" altLang="en-US" dirty="0"/>
+          </a:p>
+        </p:txBody>
+      </p:sp>
+      <p:sp>
+        <p:nvSpPr>
+          <p:cNvPr id="17412" name="Footer Placeholder 3"/>
+          <p:cNvSpPr>
+            <a:spLocks noGrp="1"/>
+          </p:cNvSpPr>
+          <p:nvPr>
+            <p:ph type="ftr" sz="quarter" idx="10"/>
+          </p:nvPr>
+        </p:nvSpPr>
+        <p:spPr>
+          <a:noFill/>
+          <a:ln/>
+          <a:extLst>
+            <a:ext uri="{909E8E84-426E-40DD-AFC4-6F175D3DCCD1}">
+              <a14:hiddenFill xmlns:a14="http://schemas.microsoft.com/office/drawing/2010/main">
+                <a:solidFill>
+                  <a:srgbClr val="FFFFFF"/>
+                </a:solidFill>
+              </a14:hiddenFill>
+            </a:ext>
+            <a:ext uri="{91240B29-F687-4F45-9708-019B960494DF}">
+              <a14:hiddenLine xmlns:a14="http://schemas.microsoft.com/office/drawing/2010/main" w="9525">
+                <a:solidFill>
+                  <a:srgbClr val="000000"/>
+                </a:solidFill>
+                <a:miter lim="800000"/>
+                <a:headEnd/>
+                <a:tailEnd/>
+              </a14:hiddenLine>
+            </a:ext>
+          </a:extLst>
+        </p:spPr>
+        <p:txBody>
+          <a:bodyPr/>
+          <a:lstStyle>
+            <a:lvl1pPr eaLnBrk="0" hangingPunct="0">
+              <a:defRPr sz="2200">
+                <a:solidFill>
+                  <a:srgbClr val="FFFFFF"/>
+                </a:solidFill>
+                <a:latin typeface="Trebuchet MS" panose="020B0603020202020204" pitchFamily="34" charset="0"/>
+                <a:cs typeface="Times New Roman" panose="02020603050405020304" pitchFamily="18" charset="0"/>
+              </a:defRPr>
+            </a:lvl1pPr>
+            <a:lvl2pPr marL="742950" indent="-285750" eaLnBrk="0" hangingPunct="0">
+              <a:defRPr sz="2200">
+                <a:solidFill>
+                  <a:srgbClr val="FFFFFF"/>
+                </a:solidFill>
+                <a:latin typeface="Trebuchet MS" panose="020B0603020202020204" pitchFamily="34" charset="0"/>
+                <a:cs typeface="Times New Roman" panose="02020603050405020304" pitchFamily="18" charset="0"/>
+              </a:defRPr>
+            </a:lvl2pPr>
+            <a:lvl3pPr marL="1143000" indent="-228600" eaLnBrk="0" hangingPunct="0">
+              <a:defRPr sz="2200">
+                <a:solidFill>
+                  <a:srgbClr val="FFFFFF"/>
+                </a:solidFill>
+                <a:latin typeface="Trebuchet MS" panose="020B0603020202020204" pitchFamily="34" charset="0"/>
+                <a:cs typeface="Times New Roman" panose="02020603050405020304" pitchFamily="18" charset="0"/>
+              </a:defRPr>
+            </a:lvl3pPr>
+            <a:lvl4pPr marL="1600200" indent="-228600" eaLnBrk="0" hangingPunct="0">
+              <a:defRPr sz="2200">
+                <a:solidFill>
+                  <a:srgbClr val="FFFFFF"/>
+                </a:solidFill>
+                <a:latin typeface="Trebuchet MS" panose="020B0603020202020204" pitchFamily="34" charset="0"/>
+                <a:cs typeface="Times New Roman" panose="02020603050405020304" pitchFamily="18" charset="0"/>
+              </a:defRPr>
+            </a:lvl4pPr>
+            <a:lvl5pPr marL="2057400" indent="-228600" eaLnBrk="0" hangingPunct="0">
+              <a:defRPr sz="2200">
+                <a:solidFill>
+                  <a:srgbClr val="FFFFFF"/>
+                </a:solidFill>
+                <a:latin typeface="Trebuchet MS" panose="020B0603020202020204" pitchFamily="34" charset="0"/>
+                <a:cs typeface="Times New Roman" panose="02020603050405020304" pitchFamily="18" charset="0"/>
+              </a:defRPr>
+            </a:lvl5pPr>
+            <a:lvl6pPr marL="2514600" indent="-228600" eaLnBrk="0" fontAlgn="base" hangingPunct="0">
+              <a:spcBef>
+                <a:spcPct val="0"/>
+              </a:spcBef>
+              <a:spcAft>
+                <a:spcPct val="0"/>
+              </a:spcAft>
+              <a:defRPr sz="2200">
+                <a:solidFill>
+                  <a:srgbClr val="FFFFFF"/>
+                </a:solidFill>
+                <a:latin typeface="Trebuchet MS" panose="020B0603020202020204" pitchFamily="34" charset="0"/>
+                <a:cs typeface="Times New Roman" panose="02020603050405020304" pitchFamily="18" charset="0"/>
+              </a:defRPr>
+            </a:lvl6pPr>
+            <a:lvl7pPr marL="2971800" indent="-228600" eaLnBrk="0" fontAlgn="base" hangingPunct="0">
+              <a:spcBef>
+                <a:spcPct val="0"/>
+              </a:spcBef>
+              <a:spcAft>
+                <a:spcPct val="0"/>
+              </a:spcAft>
+              <a:defRPr sz="2200">
+                <a:solidFill>
+                  <a:srgbClr val="FFFFFF"/>
+                </a:solidFill>
+                <a:latin typeface="Trebuchet MS" panose="020B0603020202020204" pitchFamily="34" charset="0"/>
+                <a:cs typeface="Times New Roman" panose="02020603050405020304" pitchFamily="18" charset="0"/>
+              </a:defRPr>
+            </a:lvl7pPr>
+            <a:lvl8pPr marL="3429000" indent="-228600" eaLnBrk="0" fontAlgn="base" hangingPunct="0">
+              <a:spcBef>
+                <a:spcPct val="0"/>
+              </a:spcBef>
+              <a:spcAft>
+                <a:spcPct val="0"/>
+              </a:spcAft>
+              <a:defRPr sz="2200">
+                <a:solidFill>
+                  <a:srgbClr val="FFFFFF"/>
+                </a:solidFill>
+                <a:latin typeface="Trebuchet MS" panose="020B0603020202020204" pitchFamily="34" charset="0"/>
+                <a:cs typeface="Times New Roman" panose="02020603050405020304" pitchFamily="18" charset="0"/>
+              </a:defRPr>
+            </a:lvl8pPr>
+            <a:lvl9pPr marL="3886200" indent="-228600" eaLnBrk="0" fontAlgn="base" hangingPunct="0">
+              <a:spcBef>
+                <a:spcPct val="0"/>
+              </a:spcBef>
+              <a:spcAft>
+                <a:spcPct val="0"/>
+              </a:spcAft>
+              <a:defRPr sz="2200">
+                <a:solidFill>
+                  <a:srgbClr val="FFFFFF"/>
+                </a:solidFill>
+                <a:latin typeface="Trebuchet MS" panose="020B0603020202020204" pitchFamily="34" charset="0"/>
+                <a:cs typeface="Times New Roman" panose="02020603050405020304" pitchFamily="18" charset="0"/>
+              </a:defRPr>
+            </a:lvl9pPr>
+          </a:lstStyle>
+          <a:p>
+            <a:pPr eaLnBrk="1" hangingPunct="1"/>
+            <a:r>
+              <a:rPr lang="en-US" altLang="en-US" sz="1400" dirty="0">
+                <a:solidFill>
+                  <a:schemeClr val="tx1"/>
+                </a:solidFill>
+              </a:rPr>
+              <a:t>2017  MN </a:t>
+            </a:r>
+            <a:r>
+              <a:rPr lang="en-US" altLang="en-US" sz="1400" i="1" dirty="0">
+                <a:solidFill>
+                  <a:schemeClr val="tx1"/>
+                </a:solidFill>
+              </a:rPr>
+              <a:t>FIRST Jump Start</a:t>
+            </a:r>
+            <a:endParaRPr lang="en-US" altLang="en-US" sz="1400" dirty="0">
+              <a:solidFill>
+                <a:schemeClr val="tx1"/>
+              </a:solidFill>
+            </a:endParaRPr>
+          </a:p>
+        </p:txBody>
+      </p:sp>
+    </p:spTree>
+    <p:extLst>
+      <p:ext uri="{BB962C8B-B14F-4D97-AF65-F5344CB8AC3E}">
+        <p14:creationId xmlns:p14="http://schemas.microsoft.com/office/powerpoint/2010/main" val="2936276322"/>
+      </p:ext>
+    </p:extLst>
+  </p:cSld>
+  <p:clrMapOvr>
+    <a:masterClrMapping/>
+  </p:clrMapOvr>
+</p:sld>
+</file>
+
+<file path=ppt/slides/slide16.xml><?xml version="1.0" encoding="utf-8"?>
+<p:sld xmlns:a="http://schemas.openxmlformats.org/drawingml/2006/main" xmlns:r="http://schemas.openxmlformats.org/officeDocument/2006/relationships" xmlns:p="http://schemas.openxmlformats.org/presentationml/2006/main">
+  <p:cSld>
+    <p:spTree>
+      <p:nvGrpSpPr>
+        <p:cNvPr id="1" name=""/>
+        <p:cNvGrpSpPr/>
+        <p:nvPr/>
+      </p:nvGrpSpPr>
+      <p:grpSpPr>
+        <a:xfrm>
+          <a:off x="0" y="0"/>
+          <a:ext cx="0" cy="0"/>
+          <a:chOff x="0" y="0"/>
+          <a:chExt cx="0" cy="0"/>
+        </a:xfrm>
+      </p:grpSpPr>
+      <p:sp>
+        <p:nvSpPr>
+          <p:cNvPr id="17410" name="Title 1"/>
+          <p:cNvSpPr>
+            <a:spLocks noGrp="1"/>
+          </p:cNvSpPr>
+          <p:nvPr>
+            <p:ph type="title"/>
+          </p:nvPr>
+        </p:nvSpPr>
+        <p:spPr/>
+        <p:txBody>
+          <a:bodyPr/>
+          <a:lstStyle/>
+          <a:p>
+            <a:r>
+              <a:rPr lang="en-US" sz="2800" dirty="0"/>
+              <a:t>Changes for the 2018 season control system</a:t>
+            </a:r>
+          </a:p>
+        </p:txBody>
+      </p:sp>
+      <p:sp>
+        <p:nvSpPr>
+          <p:cNvPr id="17411" name="Content Placeholder 2"/>
+          <p:cNvSpPr>
+            <a:spLocks noGrp="1"/>
+          </p:cNvSpPr>
+          <p:nvPr>
+            <p:ph idx="1"/>
+          </p:nvPr>
+        </p:nvSpPr>
+        <p:spPr>
+          <a:xfrm>
+            <a:off x="914400" y="1828800"/>
+            <a:ext cx="7924800" cy="4267200"/>
+          </a:xfrm>
+        </p:spPr>
+        <p:txBody>
+          <a:bodyPr/>
+          <a:lstStyle/>
+          <a:p>
+            <a:pPr eaLnBrk="1" hangingPunct="1">
+              <a:buFont typeface="Wingdings" panose="05000000000000000000" pitchFamily="2" charset="2"/>
+              <a:buChar char="Ø"/>
+            </a:pPr>
+            <a:r>
+              <a:rPr lang="en-US" dirty="0"/>
+              <a:t>C++</a:t>
+            </a:r>
+          </a:p>
+          <a:p>
+            <a:pPr lvl="1" eaLnBrk="1" hangingPunct="1">
+              <a:buFont typeface="Wingdings" panose="05000000000000000000" pitchFamily="2" charset="2"/>
+              <a:buChar char="Ø"/>
+            </a:pPr>
+            <a:r>
+              <a:rPr lang="en-US" dirty="0"/>
+              <a:t>Restructure of CTRE libraries and headers. </a:t>
+            </a:r>
+            <a:r>
+              <a:rPr lang="en-US" dirty="0" err="1"/>
+              <a:t>Eg</a:t>
+            </a:r>
+            <a:r>
+              <a:rPr lang="en-US" dirty="0"/>
+              <a:t>;</a:t>
+            </a:r>
+          </a:p>
+          <a:p>
+            <a:pPr lvl="2" eaLnBrk="1" hangingPunct="1">
+              <a:buFont typeface="Wingdings" panose="05000000000000000000" pitchFamily="2" charset="2"/>
+              <a:buChar char="Ø"/>
+            </a:pPr>
+            <a:r>
+              <a:rPr lang="en-US" dirty="0"/>
+              <a:t>#include &lt;</a:t>
+            </a:r>
+            <a:r>
+              <a:rPr lang="en-US" dirty="0" err="1"/>
+              <a:t>CANTalon.h</a:t>
+            </a:r>
+            <a:r>
+              <a:rPr lang="en-US" dirty="0"/>
+              <a:t>&gt; is now </a:t>
+            </a:r>
+          </a:p>
+          <a:p>
+            <a:pPr lvl="2" eaLnBrk="1" hangingPunct="1">
+              <a:buFont typeface="Wingdings" panose="05000000000000000000" pitchFamily="2" charset="2"/>
+              <a:buChar char="Ø"/>
+            </a:pPr>
+            <a:r>
+              <a:rPr lang="en-US" dirty="0"/>
+              <a:t>#include "</a:t>
+            </a:r>
+            <a:r>
+              <a:rPr lang="en-US" dirty="0" err="1"/>
+              <a:t>ctre</a:t>
+            </a:r>
+            <a:r>
+              <a:rPr lang="en-US" dirty="0"/>
+              <a:t>/phoenix/</a:t>
+            </a:r>
+            <a:r>
+              <a:rPr lang="en-US" dirty="0" err="1"/>
+              <a:t>MotorControl</a:t>
+            </a:r>
+            <a:r>
+              <a:rPr lang="en-US" dirty="0"/>
+              <a:t>/CAN/</a:t>
+            </a:r>
+            <a:r>
+              <a:rPr lang="en-US" dirty="0" err="1"/>
+              <a:t>TalonSRX.h</a:t>
+            </a:r>
+            <a:r>
+              <a:rPr lang="en-US" dirty="0"/>
+              <a:t>“</a:t>
+            </a:r>
+          </a:p>
+          <a:p>
+            <a:pPr lvl="1" eaLnBrk="1" hangingPunct="1">
+              <a:buFont typeface="Wingdings" panose="05000000000000000000" pitchFamily="2" charset="2"/>
+              <a:buChar char="Ø"/>
+            </a:pPr>
+            <a:r>
+              <a:rPr lang="en-US" dirty="0"/>
+              <a:t>CTRE has put all their classes inside namespaces</a:t>
+            </a:r>
+          </a:p>
+          <a:p>
+            <a:pPr lvl="2" eaLnBrk="1" hangingPunct="1">
+              <a:buFont typeface="Wingdings" panose="05000000000000000000" pitchFamily="2" charset="2"/>
+              <a:buChar char="Ø"/>
+            </a:pPr>
+            <a:r>
+              <a:rPr lang="en-US" dirty="0" err="1"/>
+              <a:t>Eg</a:t>
+            </a:r>
+            <a:r>
+              <a:rPr lang="en-US" dirty="0"/>
+              <a:t>; </a:t>
+            </a:r>
+            <a:r>
+              <a:rPr lang="en-US" dirty="0" err="1"/>
+              <a:t>TalonSRX</a:t>
+            </a:r>
+            <a:r>
+              <a:rPr lang="en-US" dirty="0"/>
+              <a:t> is now in the namespace CTRE::</a:t>
+            </a:r>
+            <a:r>
+              <a:rPr lang="en-US" dirty="0" err="1"/>
+              <a:t>MotorControl</a:t>
+            </a:r>
+            <a:r>
+              <a:rPr lang="en-US" dirty="0"/>
+              <a:t>::CAN</a:t>
+            </a:r>
+          </a:p>
+          <a:p>
+            <a:pPr lvl="1" eaLnBrk="1" hangingPunct="1">
+              <a:buFont typeface="Wingdings" panose="05000000000000000000" pitchFamily="2" charset="2"/>
+              <a:buChar char="Ø"/>
+            </a:pPr>
+            <a:r>
+              <a:rPr lang="en-US" dirty="0"/>
+              <a:t>CTRE will be adding a master include </a:t>
+            </a:r>
+            <a:r>
+              <a:rPr lang="en-US" dirty="0" err="1"/>
+              <a:t>Phoenix.h</a:t>
+            </a:r>
+            <a:r>
+              <a:rPr lang="en-US" dirty="0"/>
+              <a:t> which will include all CTRE includes. One stop shop for CTRE headers.</a:t>
+            </a:r>
+          </a:p>
+          <a:p>
+            <a:pPr eaLnBrk="1" hangingPunct="1">
+              <a:buFont typeface="Wingdings" panose="05000000000000000000" pitchFamily="2" charset="2"/>
+              <a:buChar char="Ø"/>
+            </a:pPr>
+            <a:endParaRPr lang="en-US" altLang="en-US" dirty="0"/>
+          </a:p>
+        </p:txBody>
+      </p:sp>
+      <p:sp>
+        <p:nvSpPr>
+          <p:cNvPr id="17412" name="Footer Placeholder 3"/>
+          <p:cNvSpPr>
+            <a:spLocks noGrp="1"/>
+          </p:cNvSpPr>
+          <p:nvPr>
+            <p:ph type="ftr" sz="quarter" idx="10"/>
+          </p:nvPr>
+        </p:nvSpPr>
+        <p:spPr>
+          <a:noFill/>
+          <a:ln/>
+          <a:extLst>
+            <a:ext uri="{909E8E84-426E-40DD-AFC4-6F175D3DCCD1}">
+              <a14:hiddenFill xmlns:a14="http://schemas.microsoft.com/office/drawing/2010/main">
+                <a:solidFill>
+                  <a:srgbClr val="FFFFFF"/>
+                </a:solidFill>
+              </a14:hiddenFill>
+            </a:ext>
+            <a:ext uri="{91240B29-F687-4F45-9708-019B960494DF}">
+              <a14:hiddenLine xmlns:a14="http://schemas.microsoft.com/office/drawing/2010/main" w="9525">
+                <a:solidFill>
+                  <a:srgbClr val="000000"/>
+                </a:solidFill>
+                <a:miter lim="800000"/>
+                <a:headEnd/>
+                <a:tailEnd/>
+              </a14:hiddenLine>
+            </a:ext>
+          </a:extLst>
+        </p:spPr>
+        <p:txBody>
+          <a:bodyPr/>
+          <a:lstStyle>
+            <a:lvl1pPr eaLnBrk="0" hangingPunct="0">
+              <a:defRPr sz="2200">
+                <a:solidFill>
+                  <a:srgbClr val="FFFFFF"/>
+                </a:solidFill>
+                <a:latin typeface="Trebuchet MS" panose="020B0603020202020204" pitchFamily="34" charset="0"/>
+                <a:cs typeface="Times New Roman" panose="02020603050405020304" pitchFamily="18" charset="0"/>
+              </a:defRPr>
+            </a:lvl1pPr>
+            <a:lvl2pPr marL="742950" indent="-285750" eaLnBrk="0" hangingPunct="0">
+              <a:defRPr sz="2200">
+                <a:solidFill>
+                  <a:srgbClr val="FFFFFF"/>
+                </a:solidFill>
+                <a:latin typeface="Trebuchet MS" panose="020B0603020202020204" pitchFamily="34" charset="0"/>
+                <a:cs typeface="Times New Roman" panose="02020603050405020304" pitchFamily="18" charset="0"/>
+              </a:defRPr>
+            </a:lvl2pPr>
+            <a:lvl3pPr marL="1143000" indent="-228600" eaLnBrk="0" hangingPunct="0">
+              <a:defRPr sz="2200">
+                <a:solidFill>
+                  <a:srgbClr val="FFFFFF"/>
+                </a:solidFill>
+                <a:latin typeface="Trebuchet MS" panose="020B0603020202020204" pitchFamily="34" charset="0"/>
+                <a:cs typeface="Times New Roman" panose="02020603050405020304" pitchFamily="18" charset="0"/>
+              </a:defRPr>
+            </a:lvl3pPr>
+            <a:lvl4pPr marL="1600200" indent="-228600" eaLnBrk="0" hangingPunct="0">
+              <a:defRPr sz="2200">
+                <a:solidFill>
+                  <a:srgbClr val="FFFFFF"/>
+                </a:solidFill>
+                <a:latin typeface="Trebuchet MS" panose="020B0603020202020204" pitchFamily="34" charset="0"/>
+                <a:cs typeface="Times New Roman" panose="02020603050405020304" pitchFamily="18" charset="0"/>
+              </a:defRPr>
+            </a:lvl4pPr>
+            <a:lvl5pPr marL="2057400" indent="-228600" eaLnBrk="0" hangingPunct="0">
+              <a:defRPr sz="2200">
+                <a:solidFill>
+                  <a:srgbClr val="FFFFFF"/>
+                </a:solidFill>
+                <a:latin typeface="Trebuchet MS" panose="020B0603020202020204" pitchFamily="34" charset="0"/>
+                <a:cs typeface="Times New Roman" panose="02020603050405020304" pitchFamily="18" charset="0"/>
+              </a:defRPr>
+            </a:lvl5pPr>
+            <a:lvl6pPr marL="2514600" indent="-228600" eaLnBrk="0" fontAlgn="base" hangingPunct="0">
+              <a:spcBef>
+                <a:spcPct val="0"/>
+              </a:spcBef>
+              <a:spcAft>
+                <a:spcPct val="0"/>
+              </a:spcAft>
+              <a:defRPr sz="2200">
+                <a:solidFill>
+                  <a:srgbClr val="FFFFFF"/>
+                </a:solidFill>
+                <a:latin typeface="Trebuchet MS" panose="020B0603020202020204" pitchFamily="34" charset="0"/>
+                <a:cs typeface="Times New Roman" panose="02020603050405020304" pitchFamily="18" charset="0"/>
+              </a:defRPr>
+            </a:lvl6pPr>
+            <a:lvl7pPr marL="2971800" indent="-228600" eaLnBrk="0" fontAlgn="base" hangingPunct="0">
+              <a:spcBef>
+                <a:spcPct val="0"/>
+              </a:spcBef>
+              <a:spcAft>
+                <a:spcPct val="0"/>
+              </a:spcAft>
+              <a:defRPr sz="2200">
+                <a:solidFill>
+                  <a:srgbClr val="FFFFFF"/>
+                </a:solidFill>
+                <a:latin typeface="Trebuchet MS" panose="020B0603020202020204" pitchFamily="34" charset="0"/>
+                <a:cs typeface="Times New Roman" panose="02020603050405020304" pitchFamily="18" charset="0"/>
+              </a:defRPr>
+            </a:lvl7pPr>
+            <a:lvl8pPr marL="3429000" indent="-228600" eaLnBrk="0" fontAlgn="base" hangingPunct="0">
+              <a:spcBef>
+                <a:spcPct val="0"/>
+              </a:spcBef>
+              <a:spcAft>
+                <a:spcPct val="0"/>
+              </a:spcAft>
+              <a:defRPr sz="2200">
+                <a:solidFill>
+                  <a:srgbClr val="FFFFFF"/>
+                </a:solidFill>
+                <a:latin typeface="Trebuchet MS" panose="020B0603020202020204" pitchFamily="34" charset="0"/>
+                <a:cs typeface="Times New Roman" panose="02020603050405020304" pitchFamily="18" charset="0"/>
+              </a:defRPr>
+            </a:lvl8pPr>
+            <a:lvl9pPr marL="3886200" indent="-228600" eaLnBrk="0" fontAlgn="base" hangingPunct="0">
+              <a:spcBef>
+                <a:spcPct val="0"/>
+              </a:spcBef>
+              <a:spcAft>
+                <a:spcPct val="0"/>
+              </a:spcAft>
+              <a:defRPr sz="2200">
+                <a:solidFill>
+                  <a:srgbClr val="FFFFFF"/>
+                </a:solidFill>
+                <a:latin typeface="Trebuchet MS" panose="020B0603020202020204" pitchFamily="34" charset="0"/>
+                <a:cs typeface="Times New Roman" panose="02020603050405020304" pitchFamily="18" charset="0"/>
+              </a:defRPr>
+            </a:lvl9pPr>
+          </a:lstStyle>
+          <a:p>
+            <a:pPr eaLnBrk="1" hangingPunct="1"/>
+            <a:r>
+              <a:rPr lang="en-US" altLang="en-US" sz="1400" dirty="0">
+                <a:solidFill>
+                  <a:schemeClr val="tx1"/>
+                </a:solidFill>
+              </a:rPr>
+              <a:t>2017  MN </a:t>
+            </a:r>
+            <a:r>
+              <a:rPr lang="en-US" altLang="en-US" sz="1400" i="1" dirty="0">
+                <a:solidFill>
+                  <a:schemeClr val="tx1"/>
+                </a:solidFill>
+              </a:rPr>
+              <a:t>FIRST Jump Start</a:t>
+            </a:r>
+            <a:endParaRPr lang="en-US" altLang="en-US" sz="1400" dirty="0">
+              <a:solidFill>
+                <a:schemeClr val="tx1"/>
+              </a:solidFill>
+            </a:endParaRPr>
+          </a:p>
+        </p:txBody>
+      </p:sp>
+      <p:sp>
+        <p:nvSpPr>
+          <p:cNvPr id="10" name="Rectangle 9">
+            <a:extLst>
+              <a:ext uri="{FF2B5EF4-FFF2-40B4-BE49-F238E27FC236}">
+                <a16:creationId xmlns:a16="http://schemas.microsoft.com/office/drawing/2014/main" id="{0B2DC1F1-092E-4717-A6D5-1307C9E32990}"/>
+              </a:ext>
+            </a:extLst>
+          </p:cNvPr>
+          <p:cNvSpPr>
+            <a:spLocks noChangeArrowheads="1"/>
+          </p:cNvSpPr>
+          <p:nvPr/>
+        </p:nvSpPr>
+        <p:spPr bwMode="auto">
+          <a:xfrm>
+            <a:off x="0" y="47304"/>
+            <a:ext cx="3313408" cy="362592"/>
+          </a:xfrm>
+          <a:prstGeom prst="rect">
+            <a:avLst/>
+          </a:prstGeom>
+          <a:solidFill>
+            <a:srgbClr val="FFFFFF"/>
+          </a:solidFill>
+          <a:ln>
+            <a:noFill/>
+          </a:ln>
+          <a:effectLst/>
+          <a:extLst>
+            <a:ext uri="{91240B29-F687-4F45-9708-019B960494DF}">
+              <a14:hiddenLine xmlns:a14="http://schemas.microsoft.com/office/drawing/2010/main" w="9525">
+                <a:solidFill>
+                  <a:schemeClr val="tx1"/>
+                </a:solidFill>
+                <a:miter lim="800000"/>
+                <a:headEnd/>
+                <a:tailEnd/>
+              </a14:hiddenLine>
+            </a:ext>
+            <a:ext uri="{AF507438-7753-43E0-B8FC-AC1667EBCBE1}">
+              <a14:hiddenEffects xmlns:a14="http://schemas.microsoft.com/office/drawing/2010/main">
+                <a:effectLst>
+                  <a:outerShdw dist="35921" dir="2700000" algn="ctr" rotWithShape="0">
+                    <a:schemeClr val="bg2"/>
+                  </a:outerShdw>
+                </a:effectLst>
+              </a14:hiddenEffects>
+            </a:ext>
+          </a:extLst>
+        </p:spPr>
+        <p:txBody>
+          <a:bodyPr vert="horz" wrap="none" lIns="0" tIns="23805" rIns="0" bIns="0" numCol="1" anchor="ctr" anchorCtr="0" compatLnSpc="1">
+            <a:prstTxWarp prst="textNoShape">
+              <a:avLst/>
+            </a:prstTxWarp>
+            <a:spAutoFit/>
+          </a:bodyPr>
+          <a:lstStyle/>
+          <a:p>
+            <a:pPr marL="0" marR="0" lvl="0" indent="0" algn="l" defTabSz="914400" rtl="0" eaLnBrk="0" fontAlgn="base" latinLnBrk="0" hangingPunct="0">
+              <a:lnSpc>
+                <a:spcPct val="100000"/>
+              </a:lnSpc>
+              <a:spcBef>
+                <a:spcPct val="0"/>
+              </a:spcBef>
+              <a:spcAft>
+                <a:spcPct val="0"/>
+              </a:spcAft>
+              <a:buClrTx/>
+              <a:buSzTx/>
+              <a:buFontTx/>
+              <a:buNone/>
+              <a:tabLst/>
+            </a:pPr>
+            <a:r>
+              <a:rPr lang="en-US" altLang="en-US"/>
+              <a:t>CTRE::MotorControl::CAN </a:t>
+            </a:r>
+          </a:p>
+        </p:txBody>
+      </p:sp>
+    </p:spTree>
+    <p:extLst>
+      <p:ext uri="{BB962C8B-B14F-4D97-AF65-F5344CB8AC3E}">
+        <p14:creationId xmlns:p14="http://schemas.microsoft.com/office/powerpoint/2010/main" val="4226684266"/>
+      </p:ext>
+    </p:extLst>
+  </p:cSld>
+  <p:clrMapOvr>
+    <a:masterClrMapping/>
+  </p:clrMapOvr>
+</p:sld>
+</file>
+
+<file path=ppt/slides/slide17.xml><?xml version="1.0" encoding="utf-8"?>
+<p:sld xmlns:a="http://schemas.openxmlformats.org/drawingml/2006/main" xmlns:r="http://schemas.openxmlformats.org/officeDocument/2006/relationships" xmlns:p="http://schemas.openxmlformats.org/presentationml/2006/main">
+  <p:cSld>
+    <p:spTree>
+      <p:nvGrpSpPr>
+        <p:cNvPr id="1" name=""/>
+        <p:cNvGrpSpPr/>
+        <p:nvPr/>
+      </p:nvGrpSpPr>
+      <p:grpSpPr>
+        <a:xfrm>
+          <a:off x="0" y="0"/>
+          <a:ext cx="0" cy="0"/>
+          <a:chOff x="0" y="0"/>
+          <a:chExt cx="0" cy="0"/>
+        </a:xfrm>
+      </p:grpSpPr>
+      <p:sp>
+        <p:nvSpPr>
+          <p:cNvPr id="17410" name="Title 1"/>
+          <p:cNvSpPr>
+            <a:spLocks noGrp="1"/>
+          </p:cNvSpPr>
+          <p:nvPr>
+            <p:ph type="title"/>
+          </p:nvPr>
+        </p:nvSpPr>
+        <p:spPr/>
+        <p:txBody>
+          <a:bodyPr/>
+          <a:lstStyle/>
+          <a:p>
+            <a:r>
+              <a:rPr lang="en-US" sz="2800" dirty="0"/>
+              <a:t>Changes for the 2018 season control system</a:t>
+            </a:r>
+          </a:p>
+        </p:txBody>
+      </p:sp>
+      <p:sp>
+        <p:nvSpPr>
+          <p:cNvPr id="17411" name="Content Placeholder 2"/>
+          <p:cNvSpPr>
+            <a:spLocks noGrp="1"/>
+          </p:cNvSpPr>
+          <p:nvPr>
+            <p:ph idx="1"/>
+          </p:nvPr>
+        </p:nvSpPr>
+        <p:spPr>
+          <a:xfrm>
+            <a:off x="914400" y="1828800"/>
+            <a:ext cx="7924800" cy="4267200"/>
+          </a:xfrm>
+        </p:spPr>
+        <p:txBody>
+          <a:bodyPr/>
+          <a:lstStyle/>
+          <a:p>
+            <a:pPr eaLnBrk="1" hangingPunct="1">
+              <a:buFont typeface="Wingdings" panose="05000000000000000000" pitchFamily="2" charset="2"/>
+              <a:buChar char="Ø"/>
+            </a:pPr>
+            <a:r>
+              <a:rPr lang="en-US" dirty="0"/>
+              <a:t>Network Tables</a:t>
+            </a:r>
+          </a:p>
+          <a:p>
+            <a:pPr lvl="1" eaLnBrk="1" hangingPunct="1">
+              <a:buFont typeface="Wingdings" panose="05000000000000000000" pitchFamily="2" charset="2"/>
+              <a:buChar char="Ø"/>
+            </a:pPr>
+            <a:r>
+              <a:rPr lang="en-US" dirty="0"/>
+              <a:t>Improved Connection Synchronization Behavior</a:t>
+            </a:r>
+          </a:p>
+          <a:p>
+            <a:pPr lvl="2" eaLnBrk="1" hangingPunct="1">
+              <a:buFont typeface="Wingdings" panose="05000000000000000000" pitchFamily="2" charset="2"/>
+              <a:buChar char="Ø"/>
+            </a:pPr>
+            <a:r>
+              <a:rPr lang="en-US" altLang="en-US" dirty="0"/>
+              <a:t>Reduction or elimination of phantom keys.</a:t>
+            </a:r>
+          </a:p>
+          <a:p>
+            <a:pPr lvl="1" eaLnBrk="1" hangingPunct="1">
+              <a:buFont typeface="Wingdings" panose="05000000000000000000" pitchFamily="2" charset="2"/>
+              <a:buChar char="Ø"/>
+            </a:pPr>
+            <a:r>
+              <a:rPr lang="en-US" altLang="en-US" dirty="0"/>
+              <a:t>Client / Server data sync optimization.</a:t>
+            </a:r>
+          </a:p>
+          <a:p>
+            <a:pPr lvl="2" eaLnBrk="1" hangingPunct="1">
+              <a:buFont typeface="Wingdings" panose="05000000000000000000" pitchFamily="2" charset="2"/>
+              <a:buChar char="Ø"/>
+            </a:pPr>
+            <a:r>
+              <a:rPr lang="en-US" altLang="en-US" dirty="0"/>
+              <a:t>Client changed data is push to server.</a:t>
+            </a:r>
+          </a:p>
+          <a:p>
+            <a:pPr lvl="2" eaLnBrk="1" hangingPunct="1">
+              <a:buFont typeface="Wingdings" panose="05000000000000000000" pitchFamily="2" charset="2"/>
+              <a:buChar char="Ø"/>
+            </a:pPr>
+            <a:r>
+              <a:rPr lang="en-US" altLang="en-US" dirty="0"/>
+              <a:t>Client unchanged data is either removed or pushed from server.</a:t>
+            </a:r>
+          </a:p>
+          <a:p>
+            <a:pPr lvl="1" eaLnBrk="1" hangingPunct="1">
+              <a:buFont typeface="Wingdings" panose="05000000000000000000" pitchFamily="2" charset="2"/>
+              <a:buChar char="Ø"/>
+            </a:pPr>
+            <a:r>
+              <a:rPr lang="en-US" altLang="en-US" dirty="0"/>
+              <a:t>JSON is a valid data structure via </a:t>
+            </a:r>
+            <a:r>
+              <a:rPr lang="en-US" altLang="en-US" dirty="0" err="1"/>
+              <a:t>NetworkTables</a:t>
+            </a:r>
+            <a:endParaRPr lang="en-US" altLang="en-US" dirty="0"/>
+          </a:p>
+          <a:p>
+            <a:pPr lvl="1" eaLnBrk="1" hangingPunct="1">
+              <a:buFont typeface="Wingdings" panose="05000000000000000000" pitchFamily="2" charset="2"/>
+              <a:buChar char="Ø"/>
+            </a:pPr>
+            <a:r>
+              <a:rPr lang="en-US" altLang="en-US" dirty="0"/>
+              <a:t>Improved performance</a:t>
+            </a:r>
+          </a:p>
+          <a:p>
+            <a:pPr lvl="1" eaLnBrk="1" hangingPunct="1">
+              <a:buFont typeface="Wingdings" panose="05000000000000000000" pitchFamily="2" charset="2"/>
+              <a:buChar char="Ø"/>
+            </a:pPr>
+            <a:r>
+              <a:rPr lang="en-US" altLang="en-US" dirty="0"/>
+              <a:t>Java callbacks handled by java thread vs native thread</a:t>
+            </a:r>
+          </a:p>
+        </p:txBody>
+      </p:sp>
+      <p:sp>
+        <p:nvSpPr>
+          <p:cNvPr id="17412" name="Footer Placeholder 3"/>
+          <p:cNvSpPr>
+            <a:spLocks noGrp="1"/>
+          </p:cNvSpPr>
+          <p:nvPr>
+            <p:ph type="ftr" sz="quarter" idx="10"/>
+          </p:nvPr>
+        </p:nvSpPr>
+        <p:spPr>
+          <a:noFill/>
+          <a:ln/>
+          <a:extLst>
+            <a:ext uri="{909E8E84-426E-40DD-AFC4-6F175D3DCCD1}">
+              <a14:hiddenFill xmlns:a14="http://schemas.microsoft.com/office/drawing/2010/main">
+                <a:solidFill>
+                  <a:srgbClr val="FFFFFF"/>
+                </a:solidFill>
+              </a14:hiddenFill>
+            </a:ext>
+            <a:ext uri="{91240B29-F687-4F45-9708-019B960494DF}">
+              <a14:hiddenLine xmlns:a14="http://schemas.microsoft.com/office/drawing/2010/main" w="9525">
+                <a:solidFill>
+                  <a:srgbClr val="000000"/>
+                </a:solidFill>
+                <a:miter lim="800000"/>
+                <a:headEnd/>
+                <a:tailEnd/>
+              </a14:hiddenLine>
+            </a:ext>
+          </a:extLst>
+        </p:spPr>
+        <p:txBody>
+          <a:bodyPr/>
+          <a:lstStyle>
+            <a:lvl1pPr eaLnBrk="0" hangingPunct="0">
+              <a:defRPr sz="2200">
+                <a:solidFill>
+                  <a:srgbClr val="FFFFFF"/>
+                </a:solidFill>
+                <a:latin typeface="Trebuchet MS" panose="020B0603020202020204" pitchFamily="34" charset="0"/>
+                <a:cs typeface="Times New Roman" panose="02020603050405020304" pitchFamily="18" charset="0"/>
+              </a:defRPr>
+            </a:lvl1pPr>
+            <a:lvl2pPr marL="742950" indent="-285750" eaLnBrk="0" hangingPunct="0">
+              <a:defRPr sz="2200">
+                <a:solidFill>
+                  <a:srgbClr val="FFFFFF"/>
+                </a:solidFill>
+                <a:latin typeface="Trebuchet MS" panose="020B0603020202020204" pitchFamily="34" charset="0"/>
+                <a:cs typeface="Times New Roman" panose="02020603050405020304" pitchFamily="18" charset="0"/>
+              </a:defRPr>
+            </a:lvl2pPr>
+            <a:lvl3pPr marL="1143000" indent="-228600" eaLnBrk="0" hangingPunct="0">
+              <a:defRPr sz="2200">
+                <a:solidFill>
+                  <a:srgbClr val="FFFFFF"/>
+                </a:solidFill>
+                <a:latin typeface="Trebuchet MS" panose="020B0603020202020204" pitchFamily="34" charset="0"/>
+                <a:cs typeface="Times New Roman" panose="02020603050405020304" pitchFamily="18" charset="0"/>
+              </a:defRPr>
+            </a:lvl3pPr>
+            <a:lvl4pPr marL="1600200" indent="-228600" eaLnBrk="0" hangingPunct="0">
+              <a:defRPr sz="2200">
+                <a:solidFill>
+                  <a:srgbClr val="FFFFFF"/>
+                </a:solidFill>
+                <a:latin typeface="Trebuchet MS" panose="020B0603020202020204" pitchFamily="34" charset="0"/>
+                <a:cs typeface="Times New Roman" panose="02020603050405020304" pitchFamily="18" charset="0"/>
+              </a:defRPr>
+            </a:lvl4pPr>
+            <a:lvl5pPr marL="2057400" indent="-228600" eaLnBrk="0" hangingPunct="0">
+              <a:defRPr sz="2200">
+                <a:solidFill>
+                  <a:srgbClr val="FFFFFF"/>
+                </a:solidFill>
+                <a:latin typeface="Trebuchet MS" panose="020B0603020202020204" pitchFamily="34" charset="0"/>
+                <a:cs typeface="Times New Roman" panose="02020603050405020304" pitchFamily="18" charset="0"/>
+              </a:defRPr>
+            </a:lvl5pPr>
+            <a:lvl6pPr marL="2514600" indent="-228600" eaLnBrk="0" fontAlgn="base" hangingPunct="0">
+              <a:spcBef>
+                <a:spcPct val="0"/>
+              </a:spcBef>
+              <a:spcAft>
+                <a:spcPct val="0"/>
+              </a:spcAft>
+              <a:defRPr sz="2200">
+                <a:solidFill>
+                  <a:srgbClr val="FFFFFF"/>
+                </a:solidFill>
+                <a:latin typeface="Trebuchet MS" panose="020B0603020202020204" pitchFamily="34" charset="0"/>
+                <a:cs typeface="Times New Roman" panose="02020603050405020304" pitchFamily="18" charset="0"/>
+              </a:defRPr>
+            </a:lvl6pPr>
+            <a:lvl7pPr marL="2971800" indent="-228600" eaLnBrk="0" fontAlgn="base" hangingPunct="0">
+              <a:spcBef>
+                <a:spcPct val="0"/>
+              </a:spcBef>
+              <a:spcAft>
+                <a:spcPct val="0"/>
+              </a:spcAft>
+              <a:defRPr sz="2200">
+                <a:solidFill>
+                  <a:srgbClr val="FFFFFF"/>
+                </a:solidFill>
+                <a:latin typeface="Trebuchet MS" panose="020B0603020202020204" pitchFamily="34" charset="0"/>
+                <a:cs typeface="Times New Roman" panose="02020603050405020304" pitchFamily="18" charset="0"/>
+              </a:defRPr>
+            </a:lvl7pPr>
+            <a:lvl8pPr marL="3429000" indent="-228600" eaLnBrk="0" fontAlgn="base" hangingPunct="0">
+              <a:spcBef>
+                <a:spcPct val="0"/>
+              </a:spcBef>
+              <a:spcAft>
+                <a:spcPct val="0"/>
+              </a:spcAft>
+              <a:defRPr sz="2200">
+                <a:solidFill>
+                  <a:srgbClr val="FFFFFF"/>
+                </a:solidFill>
+                <a:latin typeface="Trebuchet MS" panose="020B0603020202020204" pitchFamily="34" charset="0"/>
+                <a:cs typeface="Times New Roman" panose="02020603050405020304" pitchFamily="18" charset="0"/>
+              </a:defRPr>
+            </a:lvl8pPr>
+            <a:lvl9pPr marL="3886200" indent="-228600" eaLnBrk="0" fontAlgn="base" hangingPunct="0">
+              <a:spcBef>
+                <a:spcPct val="0"/>
+              </a:spcBef>
+              <a:spcAft>
+                <a:spcPct val="0"/>
+              </a:spcAft>
+              <a:defRPr sz="2200">
+                <a:solidFill>
+                  <a:srgbClr val="FFFFFF"/>
+                </a:solidFill>
+                <a:latin typeface="Trebuchet MS" panose="020B0603020202020204" pitchFamily="34" charset="0"/>
+                <a:cs typeface="Times New Roman" panose="02020603050405020304" pitchFamily="18" charset="0"/>
+              </a:defRPr>
+            </a:lvl9pPr>
+          </a:lstStyle>
+          <a:p>
+            <a:pPr eaLnBrk="1" hangingPunct="1"/>
+            <a:r>
+              <a:rPr lang="en-US" altLang="en-US" sz="1400" dirty="0">
+                <a:solidFill>
+                  <a:schemeClr val="tx1"/>
+                </a:solidFill>
+              </a:rPr>
+              <a:t>2017  MN </a:t>
+            </a:r>
+            <a:r>
+              <a:rPr lang="en-US" altLang="en-US" sz="1400" i="1" dirty="0">
+                <a:solidFill>
+                  <a:schemeClr val="tx1"/>
+                </a:solidFill>
+              </a:rPr>
+              <a:t>FIRST Jump Start</a:t>
+            </a:r>
+            <a:endParaRPr lang="en-US" altLang="en-US" sz="1400" dirty="0">
+              <a:solidFill>
+                <a:schemeClr val="tx1"/>
+              </a:solidFill>
+            </a:endParaRPr>
+          </a:p>
+        </p:txBody>
+      </p:sp>
+      <p:sp>
+        <p:nvSpPr>
+          <p:cNvPr id="10" name="Rectangle 9">
+            <a:extLst>
+              <a:ext uri="{FF2B5EF4-FFF2-40B4-BE49-F238E27FC236}">
+                <a16:creationId xmlns:a16="http://schemas.microsoft.com/office/drawing/2014/main" id="{0B2DC1F1-092E-4717-A6D5-1307C9E32990}"/>
+              </a:ext>
+            </a:extLst>
+          </p:cNvPr>
+          <p:cNvSpPr>
+            <a:spLocks noChangeArrowheads="1"/>
+          </p:cNvSpPr>
+          <p:nvPr/>
+        </p:nvSpPr>
+        <p:spPr bwMode="auto">
+          <a:xfrm>
+            <a:off x="0" y="47304"/>
+            <a:ext cx="3313408" cy="362592"/>
+          </a:xfrm>
+          <a:prstGeom prst="rect">
+            <a:avLst/>
+          </a:prstGeom>
+          <a:solidFill>
+            <a:srgbClr val="FFFFFF"/>
+          </a:solidFill>
+          <a:ln>
+            <a:noFill/>
+          </a:ln>
+          <a:effectLst/>
+          <a:extLst>
+            <a:ext uri="{91240B29-F687-4F45-9708-019B960494DF}">
+              <a14:hiddenLine xmlns:a14="http://schemas.microsoft.com/office/drawing/2010/main" w="9525">
+                <a:solidFill>
+                  <a:schemeClr val="tx1"/>
+                </a:solidFill>
+                <a:miter lim="800000"/>
+                <a:headEnd/>
+                <a:tailEnd/>
+              </a14:hiddenLine>
+            </a:ext>
+            <a:ext uri="{AF507438-7753-43E0-B8FC-AC1667EBCBE1}">
+              <a14:hiddenEffects xmlns:a14="http://schemas.microsoft.com/office/drawing/2010/main">
+                <a:effectLst>
+                  <a:outerShdw dist="35921" dir="2700000" algn="ctr" rotWithShape="0">
+                    <a:schemeClr val="bg2"/>
+                  </a:outerShdw>
+                </a:effectLst>
+              </a14:hiddenEffects>
+            </a:ext>
+          </a:extLst>
+        </p:spPr>
+        <p:txBody>
+          <a:bodyPr vert="horz" wrap="none" lIns="0" tIns="23805" rIns="0" bIns="0" numCol="1" anchor="ctr" anchorCtr="0" compatLnSpc="1">
+            <a:prstTxWarp prst="textNoShape">
+              <a:avLst/>
+            </a:prstTxWarp>
+            <a:spAutoFit/>
+          </a:bodyPr>
+          <a:lstStyle/>
+          <a:p>
+            <a:pPr marL="0" marR="0" lvl="0" indent="0" algn="l" defTabSz="914400" rtl="0" eaLnBrk="0" fontAlgn="base" latinLnBrk="0" hangingPunct="0">
+              <a:lnSpc>
+                <a:spcPct val="100000"/>
+              </a:lnSpc>
+              <a:spcBef>
+                <a:spcPct val="0"/>
+              </a:spcBef>
+              <a:spcAft>
+                <a:spcPct val="0"/>
+              </a:spcAft>
+              <a:buClrTx/>
+              <a:buSzTx/>
+              <a:buFontTx/>
+              <a:buNone/>
+              <a:tabLst/>
+            </a:pPr>
+            <a:r>
+              <a:rPr lang="en-US" altLang="en-US"/>
+              <a:t>CTRE::MotorControl::CAN </a:t>
+            </a:r>
+          </a:p>
+        </p:txBody>
+      </p:sp>
+    </p:spTree>
+    <p:extLst>
+      <p:ext uri="{BB962C8B-B14F-4D97-AF65-F5344CB8AC3E}">
+        <p14:creationId xmlns:p14="http://schemas.microsoft.com/office/powerpoint/2010/main" val="2878299262"/>
+      </p:ext>
+    </p:extLst>
+  </p:cSld>
+  <p:clrMapOvr>
+    <a:masterClrMapping/>
+  </p:clrMapOvr>
+</p:sld>
+</file>
+
+<file path=ppt/slides/slide18.xml><?xml version="1.0" encoding="utf-8"?>
+<p:sld xmlns:a="http://schemas.openxmlformats.org/drawingml/2006/main" xmlns:r="http://schemas.openxmlformats.org/officeDocument/2006/relationships" xmlns:p="http://schemas.openxmlformats.org/presentationml/2006/main">
+  <p:cSld>
+    <p:spTree>
+      <p:nvGrpSpPr>
+        <p:cNvPr id="1" name=""/>
+        <p:cNvGrpSpPr/>
+        <p:nvPr/>
+      </p:nvGrpSpPr>
+      <p:grpSpPr>
+        <a:xfrm>
+          <a:off x="0" y="0"/>
+          <a:ext cx="0" cy="0"/>
+          <a:chOff x="0" y="0"/>
+          <a:chExt cx="0" cy="0"/>
+        </a:xfrm>
+      </p:grpSpPr>
+      <p:sp>
+        <p:nvSpPr>
+          <p:cNvPr id="17410" name="Title 1"/>
+          <p:cNvSpPr>
+            <a:spLocks noGrp="1"/>
+          </p:cNvSpPr>
+          <p:nvPr>
+            <p:ph type="title"/>
+          </p:nvPr>
+        </p:nvSpPr>
+        <p:spPr/>
+        <p:txBody>
+          <a:bodyPr/>
+          <a:lstStyle/>
+          <a:p>
+            <a:r>
+              <a:rPr lang="en-US" sz="2800" dirty="0"/>
+              <a:t>Changes for the 2018 season control system</a:t>
+            </a:r>
+          </a:p>
+        </p:txBody>
+      </p:sp>
+      <p:sp>
+        <p:nvSpPr>
+          <p:cNvPr id="17411" name="Content Placeholder 2"/>
+          <p:cNvSpPr>
+            <a:spLocks noGrp="1"/>
+          </p:cNvSpPr>
+          <p:nvPr>
+            <p:ph idx="1"/>
+          </p:nvPr>
+        </p:nvSpPr>
+        <p:spPr>
+          <a:xfrm>
+            <a:off x="914400" y="1828800"/>
+            <a:ext cx="7924800" cy="4267200"/>
+          </a:xfrm>
+        </p:spPr>
+        <p:txBody>
+          <a:bodyPr/>
+          <a:lstStyle/>
+          <a:p>
+            <a:pPr eaLnBrk="1" hangingPunct="1">
+              <a:buFont typeface="Wingdings" panose="05000000000000000000" pitchFamily="2" charset="2"/>
+              <a:buChar char="Ø"/>
+            </a:pPr>
+            <a:r>
+              <a:rPr lang="en-US" dirty="0"/>
+              <a:t>Misc.</a:t>
+            </a:r>
+          </a:p>
+          <a:p>
+            <a:pPr lvl="1" eaLnBrk="1" hangingPunct="1">
+              <a:buFont typeface="Wingdings" panose="05000000000000000000" pitchFamily="2" charset="2"/>
+              <a:buChar char="Ø"/>
+            </a:pPr>
+            <a:r>
+              <a:rPr lang="en-US" altLang="en-US" dirty="0" err="1"/>
+              <a:t>Smartdashboard</a:t>
+            </a:r>
+            <a:endParaRPr lang="en-US" altLang="en-US" dirty="0"/>
+          </a:p>
+          <a:p>
+            <a:pPr lvl="2" eaLnBrk="1" hangingPunct="1">
+              <a:buFont typeface="Wingdings" panose="05000000000000000000" pitchFamily="2" charset="2"/>
+              <a:buChar char="Ø"/>
+            </a:pPr>
+            <a:r>
+              <a:rPr lang="en-US" altLang="en-US" dirty="0"/>
+              <a:t>Shuffleboard dashboard added. – See notes, </a:t>
+            </a:r>
+            <a:r>
+              <a:rPr lang="en-US" altLang="en-US" dirty="0" err="1"/>
+              <a:t>eg</a:t>
+            </a:r>
+            <a:r>
+              <a:rPr lang="en-US" altLang="en-US" dirty="0"/>
+              <a:t>. The future?</a:t>
+            </a:r>
+          </a:p>
+          <a:p>
+            <a:pPr lvl="2" eaLnBrk="1" hangingPunct="1">
+              <a:buFont typeface="Wingdings" panose="05000000000000000000" pitchFamily="2" charset="2"/>
+              <a:buChar char="Ø"/>
+            </a:pPr>
+            <a:r>
+              <a:rPr lang="en-US" altLang="en-US" dirty="0"/>
+              <a:t>SFK dashboard is gone.</a:t>
+            </a:r>
+          </a:p>
+          <a:p>
+            <a:pPr lvl="1" eaLnBrk="1" hangingPunct="1">
+              <a:buFont typeface="Wingdings" panose="05000000000000000000" pitchFamily="2" charset="2"/>
+              <a:buChar char="Ø"/>
+            </a:pPr>
+            <a:r>
+              <a:rPr lang="en-US" altLang="en-US" dirty="0"/>
+              <a:t>Outline Viewer</a:t>
+            </a:r>
+          </a:p>
+          <a:p>
+            <a:pPr lvl="2" eaLnBrk="1" hangingPunct="1">
+              <a:buFont typeface="Wingdings" panose="05000000000000000000" pitchFamily="2" charset="2"/>
+              <a:buChar char="Ø"/>
+            </a:pPr>
+            <a:r>
+              <a:rPr lang="en-US" altLang="en-US" dirty="0"/>
+              <a:t>Rewritten in JavaFX</a:t>
+            </a:r>
+          </a:p>
+          <a:p>
+            <a:pPr lvl="2" eaLnBrk="1" hangingPunct="1">
+              <a:buFont typeface="Wingdings" panose="05000000000000000000" pitchFamily="2" charset="2"/>
+              <a:buChar char="Ø"/>
+            </a:pPr>
+            <a:r>
+              <a:rPr lang="en-US" altLang="en-US" dirty="0"/>
+              <a:t>Checkboxes for Booleans.</a:t>
+            </a:r>
+          </a:p>
+        </p:txBody>
+      </p:sp>
+      <p:sp>
+        <p:nvSpPr>
+          <p:cNvPr id="17412" name="Footer Placeholder 3"/>
+          <p:cNvSpPr>
+            <a:spLocks noGrp="1"/>
+          </p:cNvSpPr>
+          <p:nvPr>
+            <p:ph type="ftr" sz="quarter" idx="10"/>
+          </p:nvPr>
+        </p:nvSpPr>
+        <p:spPr>
+          <a:noFill/>
+          <a:ln/>
+          <a:extLst>
+            <a:ext uri="{909E8E84-426E-40DD-AFC4-6F175D3DCCD1}">
+              <a14:hiddenFill xmlns:a14="http://schemas.microsoft.com/office/drawing/2010/main">
+                <a:solidFill>
+                  <a:srgbClr val="FFFFFF"/>
+                </a:solidFill>
+              </a14:hiddenFill>
+            </a:ext>
+            <a:ext uri="{91240B29-F687-4F45-9708-019B960494DF}">
+              <a14:hiddenLine xmlns:a14="http://schemas.microsoft.com/office/drawing/2010/main" w="9525">
+                <a:solidFill>
+                  <a:srgbClr val="000000"/>
+                </a:solidFill>
+                <a:miter lim="800000"/>
+                <a:headEnd/>
+                <a:tailEnd/>
+              </a14:hiddenLine>
+            </a:ext>
+          </a:extLst>
+        </p:spPr>
+        <p:txBody>
+          <a:bodyPr/>
+          <a:lstStyle>
+            <a:lvl1pPr eaLnBrk="0" hangingPunct="0">
+              <a:defRPr sz="2200">
+                <a:solidFill>
+                  <a:srgbClr val="FFFFFF"/>
+                </a:solidFill>
+                <a:latin typeface="Trebuchet MS" panose="020B0603020202020204" pitchFamily="34" charset="0"/>
+                <a:cs typeface="Times New Roman" panose="02020603050405020304" pitchFamily="18" charset="0"/>
+              </a:defRPr>
+            </a:lvl1pPr>
+            <a:lvl2pPr marL="742950" indent="-285750" eaLnBrk="0" hangingPunct="0">
+              <a:defRPr sz="2200">
+                <a:solidFill>
+                  <a:srgbClr val="FFFFFF"/>
+                </a:solidFill>
+                <a:latin typeface="Trebuchet MS" panose="020B0603020202020204" pitchFamily="34" charset="0"/>
+                <a:cs typeface="Times New Roman" panose="02020603050405020304" pitchFamily="18" charset="0"/>
+              </a:defRPr>
+            </a:lvl2pPr>
+            <a:lvl3pPr marL="1143000" indent="-228600" eaLnBrk="0" hangingPunct="0">
+              <a:defRPr sz="2200">
+                <a:solidFill>
+                  <a:srgbClr val="FFFFFF"/>
+                </a:solidFill>
+                <a:latin typeface="Trebuchet MS" panose="020B0603020202020204" pitchFamily="34" charset="0"/>
+                <a:cs typeface="Times New Roman" panose="02020603050405020304" pitchFamily="18" charset="0"/>
+              </a:defRPr>
+            </a:lvl3pPr>
+            <a:lvl4pPr marL="1600200" indent="-228600" eaLnBrk="0" hangingPunct="0">
+              <a:defRPr sz="2200">
+                <a:solidFill>
+                  <a:srgbClr val="FFFFFF"/>
+                </a:solidFill>
+                <a:latin typeface="Trebuchet MS" panose="020B0603020202020204" pitchFamily="34" charset="0"/>
+                <a:cs typeface="Times New Roman" panose="02020603050405020304" pitchFamily="18" charset="0"/>
+              </a:defRPr>
+            </a:lvl4pPr>
+            <a:lvl5pPr marL="2057400" indent="-228600" eaLnBrk="0" hangingPunct="0">
+              <a:defRPr sz="2200">
+                <a:solidFill>
+                  <a:srgbClr val="FFFFFF"/>
+                </a:solidFill>
+                <a:latin typeface="Trebuchet MS" panose="020B0603020202020204" pitchFamily="34" charset="0"/>
+                <a:cs typeface="Times New Roman" panose="02020603050405020304" pitchFamily="18" charset="0"/>
+              </a:defRPr>
+            </a:lvl5pPr>
+            <a:lvl6pPr marL="2514600" indent="-228600" eaLnBrk="0" fontAlgn="base" hangingPunct="0">
+              <a:spcBef>
+                <a:spcPct val="0"/>
+              </a:spcBef>
+              <a:spcAft>
+                <a:spcPct val="0"/>
+              </a:spcAft>
+              <a:defRPr sz="2200">
+                <a:solidFill>
+                  <a:srgbClr val="FFFFFF"/>
+                </a:solidFill>
+                <a:latin typeface="Trebuchet MS" panose="020B0603020202020204" pitchFamily="34" charset="0"/>
+                <a:cs typeface="Times New Roman" panose="02020603050405020304" pitchFamily="18" charset="0"/>
+              </a:defRPr>
+            </a:lvl6pPr>
+            <a:lvl7pPr marL="2971800" indent="-228600" eaLnBrk="0" fontAlgn="base" hangingPunct="0">
+              <a:spcBef>
+                <a:spcPct val="0"/>
+              </a:spcBef>
+              <a:spcAft>
+                <a:spcPct val="0"/>
+              </a:spcAft>
+              <a:defRPr sz="2200">
+                <a:solidFill>
+                  <a:srgbClr val="FFFFFF"/>
+                </a:solidFill>
+                <a:latin typeface="Trebuchet MS" panose="020B0603020202020204" pitchFamily="34" charset="0"/>
+                <a:cs typeface="Times New Roman" panose="02020603050405020304" pitchFamily="18" charset="0"/>
+              </a:defRPr>
+            </a:lvl7pPr>
+            <a:lvl8pPr marL="3429000" indent="-228600" eaLnBrk="0" fontAlgn="base" hangingPunct="0">
+              <a:spcBef>
+                <a:spcPct val="0"/>
+              </a:spcBef>
+              <a:spcAft>
+                <a:spcPct val="0"/>
+              </a:spcAft>
+              <a:defRPr sz="2200">
+                <a:solidFill>
+                  <a:srgbClr val="FFFFFF"/>
+                </a:solidFill>
+                <a:latin typeface="Trebuchet MS" panose="020B0603020202020204" pitchFamily="34" charset="0"/>
+                <a:cs typeface="Times New Roman" panose="02020603050405020304" pitchFamily="18" charset="0"/>
+              </a:defRPr>
+            </a:lvl8pPr>
+            <a:lvl9pPr marL="3886200" indent="-228600" eaLnBrk="0" fontAlgn="base" hangingPunct="0">
+              <a:spcBef>
+                <a:spcPct val="0"/>
+              </a:spcBef>
+              <a:spcAft>
+                <a:spcPct val="0"/>
+              </a:spcAft>
+              <a:defRPr sz="2200">
+                <a:solidFill>
+                  <a:srgbClr val="FFFFFF"/>
+                </a:solidFill>
+                <a:latin typeface="Trebuchet MS" panose="020B0603020202020204" pitchFamily="34" charset="0"/>
+                <a:cs typeface="Times New Roman" panose="02020603050405020304" pitchFamily="18" charset="0"/>
+              </a:defRPr>
+            </a:lvl9pPr>
+          </a:lstStyle>
+          <a:p>
+            <a:pPr eaLnBrk="1" hangingPunct="1"/>
+            <a:r>
+              <a:rPr lang="en-US" altLang="en-US" sz="1400" dirty="0">
+                <a:solidFill>
+                  <a:schemeClr val="tx1"/>
+                </a:solidFill>
+              </a:rPr>
+              <a:t>2017  MN </a:t>
+            </a:r>
+            <a:r>
+              <a:rPr lang="en-US" altLang="en-US" sz="1400" i="1" dirty="0">
+                <a:solidFill>
+                  <a:schemeClr val="tx1"/>
+                </a:solidFill>
+              </a:rPr>
+              <a:t>FIRST Jump Start</a:t>
+            </a:r>
+            <a:endParaRPr lang="en-US" altLang="en-US" sz="1400" dirty="0">
+              <a:solidFill>
+                <a:schemeClr val="tx1"/>
+              </a:solidFill>
+            </a:endParaRPr>
+          </a:p>
+        </p:txBody>
+      </p:sp>
+      <p:sp>
+        <p:nvSpPr>
+          <p:cNvPr id="10" name="Rectangle 9">
+            <a:extLst>
+              <a:ext uri="{FF2B5EF4-FFF2-40B4-BE49-F238E27FC236}">
+                <a16:creationId xmlns:a16="http://schemas.microsoft.com/office/drawing/2014/main" id="{0B2DC1F1-092E-4717-A6D5-1307C9E32990}"/>
+              </a:ext>
+            </a:extLst>
+          </p:cNvPr>
+          <p:cNvSpPr>
+            <a:spLocks noChangeArrowheads="1"/>
+          </p:cNvSpPr>
+          <p:nvPr/>
+        </p:nvSpPr>
+        <p:spPr bwMode="auto">
+          <a:xfrm>
+            <a:off x="0" y="47304"/>
+            <a:ext cx="3313408" cy="362592"/>
+          </a:xfrm>
+          <a:prstGeom prst="rect">
+            <a:avLst/>
+          </a:prstGeom>
+          <a:solidFill>
+            <a:srgbClr val="FFFFFF"/>
+          </a:solidFill>
+          <a:ln>
+            <a:noFill/>
+          </a:ln>
+          <a:effectLst/>
+          <a:extLst>
+            <a:ext uri="{91240B29-F687-4F45-9708-019B960494DF}">
+              <a14:hiddenLine xmlns:a14="http://schemas.microsoft.com/office/drawing/2010/main" w="9525">
+                <a:solidFill>
+                  <a:schemeClr val="tx1"/>
+                </a:solidFill>
+                <a:miter lim="800000"/>
+                <a:headEnd/>
+                <a:tailEnd/>
+              </a14:hiddenLine>
+            </a:ext>
+            <a:ext uri="{AF507438-7753-43E0-B8FC-AC1667EBCBE1}">
+              <a14:hiddenEffects xmlns:a14="http://schemas.microsoft.com/office/drawing/2010/main">
+                <a:effectLst>
+                  <a:outerShdw dist="35921" dir="2700000" algn="ctr" rotWithShape="0">
+                    <a:schemeClr val="bg2"/>
+                  </a:outerShdw>
+                </a:effectLst>
+              </a14:hiddenEffects>
+            </a:ext>
+          </a:extLst>
+        </p:spPr>
+        <p:txBody>
+          <a:bodyPr vert="horz" wrap="none" lIns="0" tIns="23805" rIns="0" bIns="0" numCol="1" anchor="ctr" anchorCtr="0" compatLnSpc="1">
+            <a:prstTxWarp prst="textNoShape">
+              <a:avLst/>
+            </a:prstTxWarp>
+            <a:spAutoFit/>
+          </a:bodyPr>
+          <a:lstStyle/>
+          <a:p>
+            <a:pPr marL="0" marR="0" lvl="0" indent="0" algn="l" defTabSz="914400" rtl="0" eaLnBrk="0" fontAlgn="base" latinLnBrk="0" hangingPunct="0">
+              <a:lnSpc>
+                <a:spcPct val="100000"/>
+              </a:lnSpc>
+              <a:spcBef>
+                <a:spcPct val="0"/>
+              </a:spcBef>
+              <a:spcAft>
+                <a:spcPct val="0"/>
+              </a:spcAft>
+              <a:buClrTx/>
+              <a:buSzTx/>
+              <a:buFontTx/>
+              <a:buNone/>
+              <a:tabLst/>
+            </a:pPr>
+            <a:r>
+              <a:rPr lang="en-US" altLang="en-US"/>
+              <a:t>CTRE::MotorControl::CAN </a:t>
+            </a:r>
+          </a:p>
+        </p:txBody>
+      </p:sp>
+    </p:spTree>
+    <p:extLst>
+      <p:ext uri="{BB962C8B-B14F-4D97-AF65-F5344CB8AC3E}">
+        <p14:creationId xmlns:p14="http://schemas.microsoft.com/office/powerpoint/2010/main" val="15761669"/>
+      </p:ext>
+    </p:extLst>
+  </p:cSld>
+  <p:clrMapOvr>
+    <a:masterClrMapping/>
+  </p:clrMapOvr>
+</p:sld>
+</file>
+
+<file path=ppt/slides/slide19.xml><?xml version="1.0" encoding="utf-8"?>
+<p:sld xmlns:a="http://schemas.openxmlformats.org/drawingml/2006/main" xmlns:r="http://schemas.openxmlformats.org/officeDocument/2006/relationships" xmlns:p="http://schemas.openxmlformats.org/presentationml/2006/main">
+  <p:cSld>
+    <p:spTree>
+      <p:nvGrpSpPr>
+        <p:cNvPr id="1" name=""/>
+        <p:cNvGrpSpPr/>
+        <p:nvPr/>
+      </p:nvGrpSpPr>
+      <p:grpSpPr>
+        <a:xfrm>
+          <a:off x="0" y="0"/>
+          <a:ext cx="0" cy="0"/>
+          <a:chOff x="0" y="0"/>
+          <a:chExt cx="0" cy="0"/>
+        </a:xfrm>
+      </p:grpSpPr>
+      <p:sp>
+        <p:nvSpPr>
+          <p:cNvPr id="2" name="Title 1"/>
+          <p:cNvSpPr>
+            <a:spLocks noGrp="1"/>
+          </p:cNvSpPr>
+          <p:nvPr>
+            <p:ph type="title"/>
+          </p:nvPr>
+        </p:nvSpPr>
+        <p:spPr/>
+        <p:txBody>
+          <a:bodyPr/>
+          <a:lstStyle/>
+          <a:p>
+            <a:r>
+              <a:rPr lang="en-US" dirty="0"/>
+              <a:t>Software Order of Installation</a:t>
+            </a:r>
+          </a:p>
+        </p:txBody>
+      </p:sp>
+      <p:sp>
+        <p:nvSpPr>
+          <p:cNvPr id="4" name="Footer Placeholder 3"/>
+          <p:cNvSpPr>
+            <a:spLocks noGrp="1"/>
+          </p:cNvSpPr>
+          <p:nvPr>
+            <p:ph type="ftr" sz="quarter" idx="10"/>
+          </p:nvPr>
+        </p:nvSpPr>
+        <p:spPr/>
+        <p:txBody>
+          <a:bodyPr/>
+          <a:lstStyle/>
+          <a:p>
+            <a:pPr eaLnBrk="1" hangingPunct="1"/>
+            <a:r>
+              <a:rPr lang="en-US" altLang="en-US" dirty="0"/>
+              <a:t>2017  MN </a:t>
+            </a:r>
+            <a:r>
+              <a:rPr lang="en-US" altLang="en-US" i="1" dirty="0"/>
+              <a:t>FIRST Jump Start</a:t>
+            </a:r>
+            <a:endParaRPr lang="en-US" altLang="en-US" dirty="0"/>
+          </a:p>
+        </p:txBody>
+      </p:sp>
+      <p:sp>
+        <p:nvSpPr>
+          <p:cNvPr id="5" name="Content Placeholder 2"/>
+          <p:cNvSpPr>
+            <a:spLocks noGrp="1"/>
+          </p:cNvSpPr>
+          <p:nvPr>
+            <p:ph idx="1"/>
+          </p:nvPr>
+        </p:nvSpPr>
+        <p:spPr>
+          <a:xfrm>
+            <a:off x="914400" y="1828800"/>
+            <a:ext cx="7924800" cy="4267200"/>
+          </a:xfrm>
+        </p:spPr>
+        <p:txBody>
+          <a:bodyPr/>
+          <a:lstStyle/>
+          <a:p>
+            <a:pPr eaLnBrk="1" hangingPunct="1">
+              <a:buFont typeface="Wingdings" panose="05000000000000000000" pitchFamily="2" charset="2"/>
+              <a:buChar char="Ø"/>
+            </a:pPr>
+            <a:r>
+              <a:rPr lang="en-US" dirty="0"/>
+              <a:t>Install the programming language of your choice: Basic LabVIEW 2017 or Java/C++</a:t>
+            </a:r>
+          </a:p>
+          <a:p>
+            <a:pPr eaLnBrk="1" hangingPunct="1">
+              <a:buFont typeface="Wingdings" panose="05000000000000000000" pitchFamily="2" charset="2"/>
+              <a:buChar char="Ø"/>
+            </a:pPr>
+            <a:r>
+              <a:rPr lang="en-US" dirty="0"/>
+              <a:t>FRC Update</a:t>
+            </a:r>
+          </a:p>
+          <a:p>
+            <a:pPr eaLnBrk="1" hangingPunct="1">
+              <a:buFont typeface="Wingdings" panose="05000000000000000000" pitchFamily="2" charset="2"/>
+              <a:buChar char="Ø"/>
+            </a:pPr>
+            <a:r>
+              <a:rPr lang="en-US" dirty="0"/>
+              <a:t>You get a message if the Microsoft .NET Framework 3.5 needs to be installed separately</a:t>
+            </a:r>
+          </a:p>
+          <a:p>
+            <a:pPr eaLnBrk="1" hangingPunct="1">
+              <a:buFont typeface="Wingdings" panose="05000000000000000000" pitchFamily="2" charset="2"/>
+              <a:buChar char="Ø"/>
+            </a:pPr>
+            <a:r>
               <a:rPr lang="en-US" dirty="0">
                 <a:hlinkClick r:id="rId2" tooltip="Beta2018"/>
               </a:rPr>
@@ -7820,11 +10028,7 @@
             </a:r>
             <a:r>
               <a:rPr lang="en-US" dirty="0"/>
-              <a:t>-obtained </a:t>
-            </a:r>
-            <a:r>
-              <a:rPr lang="en-US" dirty="0" smtClean="0"/>
-              <a:t>separately</a:t>
+              <a:t>-obtained separately</a:t>
             </a:r>
           </a:p>
           <a:p>
@@ -7844,7 +10048,6 @@
               <a:rPr lang="en-US" dirty="0"/>
               <a:t> (operating system) </a:t>
             </a:r>
-            <a:endParaRPr lang="en-US" dirty="0" smtClean="0"/>
           </a:p>
           <a:p>
             <a:pPr eaLnBrk="1" hangingPunct="1">
@@ -7853,11 +10056,7 @@
             </a:pPr>
             <a:r>
               <a:rPr lang="en-US" dirty="0"/>
-              <a:t>Other 3rd Party installations, e.g., </a:t>
-            </a:r>
-            <a:r>
-              <a:rPr lang="en-US" dirty="0" smtClean="0"/>
-              <a:t>NAVX</a:t>
+              <a:t>Other 3rd Party installations, e.g., NAVX</a:t>
             </a:r>
           </a:p>
           <a:p>
@@ -7869,7 +10068,7 @@
               <a:rPr lang="en-US" dirty="0"/>
               <a:t>Compile and Download User Code</a:t>
             </a:r>
-            <a:endParaRPr lang="en-US" altLang="en-US" dirty="0" smtClean="0"/>
+            <a:endParaRPr lang="en-US" altLang="en-US" dirty="0"/>
           </a:p>
         </p:txBody>
       </p:sp>
@@ -7924,17 +10123,89 @@
   <p:clrMapOvr>
     <a:masterClrMapping/>
   </p:clrMapOvr>
-  <p:timing>
-    <p:tnLst>
-      <p:par>
-        <p:cTn id="1" dur="indefinite" restart="never" nodeType="tmRoot"/>
-      </p:par>
-    </p:tnLst>
-  </p:timing>
 </p:sld>
 </file>
 
-<file path=ppt/slides/slide15.xml><?xml version="1.0" encoding="utf-8"?>
+<file path=ppt/slides/slide2.xml><?xml version="1.0" encoding="utf-8"?>
+<p:sld xmlns:a="http://schemas.openxmlformats.org/drawingml/2006/main" xmlns:r="http://schemas.openxmlformats.org/officeDocument/2006/relationships" xmlns:p="http://schemas.openxmlformats.org/presentationml/2006/main" showMasterSp="0">
+  <p:cSld>
+    <p:bg>
+      <p:bgPr>
+        <a:solidFill>
+          <a:schemeClr val="accent4"/>
+        </a:solidFill>
+        <a:effectLst/>
+      </p:bgPr>
+    </p:bg>
+    <p:spTree>
+      <p:nvGrpSpPr>
+        <p:cNvPr id="1" name=""/>
+        <p:cNvGrpSpPr/>
+        <p:nvPr/>
+      </p:nvGrpSpPr>
+      <p:grpSpPr>
+        <a:xfrm>
+          <a:off x="0" y="0"/>
+          <a:ext cx="0" cy="0"/>
+          <a:chOff x="0" y="0"/>
+          <a:chExt cx="0" cy="0"/>
+        </a:xfrm>
+      </p:grpSpPr>
+      <p:pic>
+        <p:nvPicPr>
+          <p:cNvPr id="3076" name="Picture 4" descr="https://lh5.googleusercontent.com/3e-SR1ggBclGe_LUfGjaMa0bdbXORf9z6OQKW4kDHdxWoktHJOywQsOK6R8njDNPkYz3wXExROfQ-gDAWIWGpVvmf5ESmWvhN6ghTqgkQT7pgnOe-jrTK6DvhRXnlooYgcMROG9v-pg"/>
+          <p:cNvPicPr>
+            <a:picLocks noChangeAspect="1" noChangeArrowheads="1"/>
+          </p:cNvPicPr>
+          <p:nvPr/>
+        </p:nvPicPr>
+        <p:blipFill>
+          <a:blip r:embed="rId2">
+            <a:extLst>
+              <a:ext uri="{28A0092B-C50C-407E-A947-70E740481C1C}">
+                <a14:useLocalDpi xmlns:a14="http://schemas.microsoft.com/office/drawing/2010/main" val="0"/>
+              </a:ext>
+            </a:extLst>
+          </a:blip>
+          <a:srcRect/>
+          <a:stretch>
+            <a:fillRect/>
+          </a:stretch>
+        </p:blipFill>
+        <p:spPr bwMode="auto">
+          <a:xfrm>
+            <a:off x="1447800" y="762000"/>
+            <a:ext cx="6564923" cy="4876800"/>
+          </a:xfrm>
+          <a:prstGeom prst="rect">
+            <a:avLst/>
+          </a:prstGeom>
+          <a:noFill/>
+          <a:extLst>
+            <a:ext uri="{909E8E84-426E-40DD-AFC4-6F175D3DCCD1}">
+              <a14:hiddenFill xmlns:a14="http://schemas.microsoft.com/office/drawing/2010/main">
+                <a:solidFill>
+                  <a:srgbClr val="FFFFFF"/>
+                </a:solidFill>
+              </a14:hiddenFill>
+            </a:ext>
+          </a:extLst>
+        </p:spPr>
+      </p:pic>
+    </p:spTree>
+    <p:extLst>
+      <p:ext uri="{BB962C8B-B14F-4D97-AF65-F5344CB8AC3E}">
+        <p14:creationId xmlns:p14="http://schemas.microsoft.com/office/powerpoint/2010/main" val="3470523400"/>
+      </p:ext>
+    </p:extLst>
+  </p:cSld>
+  <p:clrMapOvr>
+    <a:masterClrMapping/>
+  </p:clrMapOvr>
+</p:sld>
+</file>
+
+<file path=ppt/slides/slide20.xml><?xml version="1.0" encoding="utf-8"?>
 <p:sld xmlns:a="http://schemas.openxmlformats.org/drawingml/2006/main" xmlns:r="http://schemas.openxmlformats.org/officeDocument/2006/relationships" xmlns:p="http://schemas.openxmlformats.org/presentationml/2006/main">
   <p:cSld>
     <p:spTree>
@@ -8003,11 +10274,7 @@
             </a:pPr>
             <a:r>
               <a:rPr lang="en-US" dirty="0"/>
-              <a:t>Make sure the PC has been restarted after the installation of the FRC Update, otherwise you'll get an error message from trying to run this tool</a:t>
-            </a:r>
-            <a:r>
-              <a:rPr lang="en-US" dirty="0" smtClean="0"/>
-              <a:t>.</a:t>
+              <a:t>Make sure the PC has been restarted after the installation of the FRC Update, otherwise you'll get an error message from trying to run this tool.</a:t>
             </a:r>
           </a:p>
           <a:p>
@@ -8027,7 +10294,7 @@
               <a:rPr lang="en-US" dirty="0"/>
               <a:t> Imaging Tool has been added, so it's much easier to find and use.</a:t>
             </a:r>
-            <a:endParaRPr lang="en-US" altLang="en-US" dirty="0" smtClean="0"/>
+            <a:endParaRPr lang="en-US" altLang="en-US" dirty="0"/>
           </a:p>
         </p:txBody>
       </p:sp>
@@ -8176,20 +10443,12 @@
           <a:p>
             <a:pPr eaLnBrk="1" hangingPunct="1"/>
             <a:r>
-              <a:rPr lang="en-US" altLang="en-US" sz="1400" dirty="0" smtClean="0">
+              <a:rPr lang="en-US" altLang="en-US" sz="1400" dirty="0">
                 <a:solidFill>
                   <a:schemeClr val="tx1"/>
                 </a:solidFill>
               </a:rPr>
-              <a:t>2017  </a:t>
-            </a:r>
-            <a:r>
-              <a:rPr lang="en-US" altLang="en-US" sz="1400" dirty="0">
-                <a:solidFill>
-                  <a:schemeClr val="tx1"/>
-                </a:solidFill>
-              </a:rPr>
-              <a:t>MN </a:t>
+              <a:t>2017  MN </a:t>
             </a:r>
             <a:r>
               <a:rPr lang="en-US" altLang="en-US" sz="1400" i="1" dirty="0">
@@ -8283,17 +10542,10 @@
   <p:clrMapOvr>
     <a:masterClrMapping/>
   </p:clrMapOvr>
-  <p:timing>
-    <p:tnLst>
-      <p:par>
-        <p:cTn id="1" dur="indefinite" restart="never" nodeType="tmRoot"/>
-      </p:par>
-    </p:tnLst>
-  </p:timing>
 </p:sld>
 </file>
 
-<file path=ppt/slides/slide16.xml><?xml version="1.0" encoding="utf-8"?>
+<file path=ppt/slides/slide21.xml><?xml version="1.0" encoding="utf-8"?>
 <p:sld xmlns:a="http://schemas.openxmlformats.org/drawingml/2006/main" xmlns:r="http://schemas.openxmlformats.org/officeDocument/2006/relationships" xmlns:p="http://schemas.openxmlformats.org/presentationml/2006/main">
   <p:cSld>
     <p:spTree>
@@ -8326,10 +10578,9 @@
           <a:lstStyle/>
           <a:p>
             <a:r>
-              <a:rPr lang="en-US" dirty="0" smtClean="0"/>
+              <a:rPr lang="en-US" dirty="0"/>
               <a:t>Radio Configuration</a:t>
             </a:r>
-            <a:endParaRPr lang="en-US" dirty="0"/>
           </a:p>
         </p:txBody>
       </p:sp>
@@ -8478,20 +10729,12 @@
           <a:p>
             <a:pPr eaLnBrk="1" hangingPunct="1"/>
             <a:r>
-              <a:rPr lang="en-US" altLang="en-US" sz="1400" dirty="0" smtClean="0">
+              <a:rPr lang="en-US" altLang="en-US" sz="1400" dirty="0">
                 <a:solidFill>
                   <a:schemeClr val="tx1"/>
                 </a:solidFill>
               </a:rPr>
-              <a:t>2017  </a:t>
-            </a:r>
-            <a:r>
-              <a:rPr lang="en-US" altLang="en-US" sz="1400" dirty="0">
-                <a:solidFill>
-                  <a:schemeClr val="tx1"/>
-                </a:solidFill>
-              </a:rPr>
-              <a:t>MN </a:t>
+              <a:t>2017  MN </a:t>
             </a:r>
             <a:r>
               <a:rPr lang="en-US" altLang="en-US" sz="1400" i="1" dirty="0">
@@ -8600,7 +10843,7 @@
               </a:spcBef>
             </a:pPr>
             <a:r>
-              <a:rPr kumimoji="0" lang="en-US" altLang="en-US" sz="1400" b="0" i="0" u="none" strike="noStrike" cap="none" normalizeH="0" baseline="0" dirty="0" smtClean="0">
+              <a:rPr kumimoji="0" lang="en-US" altLang="en-US" sz="1400" b="0" i="0" u="none" strike="noStrike" cap="none" normalizeH="0" baseline="0" dirty="0">
                 <a:ln>
                   <a:noFill/>
                 </a:ln>
@@ -8612,7 +10855,7 @@
               <a:t>DHCP Server now has static reservation for </a:t>
             </a:r>
             <a:r>
-              <a:rPr kumimoji="0" lang="en-US" altLang="en-US" sz="1400" b="0" i="0" u="none" strike="noStrike" cap="none" normalizeH="0" baseline="0" dirty="0" err="1" smtClean="0">
+              <a:rPr kumimoji="0" lang="en-US" altLang="en-US" sz="1400" b="0" i="0" u="none" strike="noStrike" cap="none" normalizeH="0" baseline="0" dirty="0" err="1">
                 <a:ln>
                   <a:noFill/>
                 </a:ln>
@@ -8624,7 +10867,7 @@
               <a:t>roboRIO</a:t>
             </a:r>
             <a:r>
-              <a:rPr kumimoji="0" lang="en-US" altLang="en-US" sz="1400" b="0" i="0" u="none" strike="noStrike" cap="none" normalizeH="0" baseline="0" dirty="0" smtClean="0">
+              <a:rPr kumimoji="0" lang="en-US" altLang="en-US" sz="1400" b="0" i="0" u="none" strike="noStrike" cap="none" normalizeH="0" baseline="0" dirty="0">
                 <a:ln>
                   <a:noFill/>
                 </a:ln>
@@ -8636,7 +10879,7 @@
               <a:t> (by hostname) of 10.TE.AM.2. This should ensure the </a:t>
             </a:r>
             <a:r>
-              <a:rPr kumimoji="0" lang="en-US" altLang="en-US" sz="1400" b="0" i="0" u="none" strike="noStrike" cap="none" normalizeH="0" baseline="0" dirty="0" err="1" smtClean="0">
+              <a:rPr kumimoji="0" lang="en-US" altLang="en-US" sz="1400" b="0" i="0" u="none" strike="noStrike" cap="none" normalizeH="0" baseline="0" dirty="0" err="1">
                 <a:ln>
                   <a:noFill/>
                 </a:ln>
@@ -8648,7 +10891,7 @@
               <a:t>roboRIO</a:t>
             </a:r>
             <a:r>
-              <a:rPr kumimoji="0" lang="en-US" altLang="en-US" sz="1400" b="0" i="0" u="none" strike="noStrike" cap="none" normalizeH="0" baseline="0" dirty="0" smtClean="0">
+              <a:rPr kumimoji="0" lang="en-US" altLang="en-US" sz="1400" b="0" i="0" u="none" strike="noStrike" cap="none" normalizeH="0" baseline="0" dirty="0">
                 <a:ln>
                   <a:noFill/>
                 </a:ln>
@@ -8667,14 +10910,9 @@
               </a:spcBef>
             </a:pPr>
             <a:r>
-              <a:rPr lang="en-US" altLang="en-US" sz="1400" dirty="0" smtClean="0"/>
-              <a:t>Secondary </a:t>
-            </a:r>
-            <a:r>
               <a:rPr lang="en-US" altLang="en-US" sz="1400" dirty="0"/>
-              <a:t>Ethernet port issue on OM5P-AC believed to be resolved </a:t>
-            </a:r>
-            <a:endParaRPr lang="en-US" altLang="en-US" sz="1400" dirty="0" smtClean="0"/>
+              <a:t>Secondary Ethernet port issue on OM5P-AC believed to be resolved </a:t>
+            </a:r>
           </a:p>
           <a:p>
             <a:pPr>
@@ -8683,12 +10921,8 @@
               </a:spcBef>
             </a:pPr>
             <a:r>
-              <a:rPr lang="en-US" altLang="en-US" sz="1400" dirty="0" smtClean="0"/>
-              <a:t>DHCP </a:t>
-            </a:r>
-            <a:r>
               <a:rPr lang="en-US" altLang="en-US" sz="1400" dirty="0"/>
-              <a:t>Server will now remain enabled on the wired interface when configured as a bridge, mimicking the proposed </a:t>
+              <a:t>DHCP Server will now remain enabled on the wired interface when configured as a bridge, mimicking the proposed </a:t>
             </a:r>
             <a:r>
               <a:rPr lang="en-US" altLang="en-US" sz="1400" dirty="0" err="1"/>
@@ -8771,7 +11005,7 @@
               <a:buNone/>
               <a:tabLst/>
             </a:pPr>
-            <a:endParaRPr kumimoji="0" lang="en-US" altLang="en-US" sz="600" b="0" i="0" u="none" strike="noStrike" cap="none" normalizeH="0" baseline="0" dirty="0" smtClean="0">
+            <a:endParaRPr kumimoji="0" lang="en-US" altLang="en-US" sz="600" b="0" i="0" u="none" strike="noStrike" cap="none" normalizeH="0" baseline="0" dirty="0">
               <a:ln>
                 <a:noFill/>
               </a:ln>
@@ -8798,7 +11032,7 @@
               <a:buNone/>
               <a:tabLst/>
             </a:pPr>
-            <a:endParaRPr kumimoji="0" lang="en-US" altLang="en-US" sz="1800" b="0" i="0" u="none" strike="noStrike" cap="none" normalizeH="0" baseline="0" dirty="0" smtClean="0">
+            <a:endParaRPr kumimoji="0" lang="en-US" altLang="en-US" sz="1800" b="0" i="0" u="none" strike="noStrike" cap="none" normalizeH="0" baseline="0" dirty="0">
               <a:ln>
                 <a:noFill/>
               </a:ln>
@@ -8821,17 +11055,10 @@
   <p:clrMapOvr>
     <a:masterClrMapping/>
   </p:clrMapOvr>
-  <p:timing>
-    <p:tnLst>
-      <p:par>
-        <p:cTn id="1" dur="indefinite" restart="never" nodeType="tmRoot"/>
-      </p:par>
-    </p:tnLst>
-  </p:timing>
 </p:sld>
 </file>
 
-<file path=ppt/slides/slide17.xml><?xml version="1.0" encoding="utf-8"?>
+<file path=ppt/slides/slide22.xml><?xml version="1.0" encoding="utf-8"?>
 <p:sld xmlns:a="http://schemas.openxmlformats.org/drawingml/2006/main" xmlns:r="http://schemas.openxmlformats.org/officeDocument/2006/relationships" xmlns:p="http://schemas.openxmlformats.org/presentationml/2006/main">
   <p:cSld>
     <p:spTree>
@@ -9015,20 +11242,12 @@
           <a:p>
             <a:pPr eaLnBrk="1" hangingPunct="1"/>
             <a:r>
-              <a:rPr lang="en-US" altLang="en-US" sz="1400" dirty="0" smtClean="0">
+              <a:rPr lang="en-US" altLang="en-US" sz="1400" dirty="0">
                 <a:solidFill>
                   <a:schemeClr val="tx1"/>
                 </a:solidFill>
               </a:rPr>
-              <a:t>2017  </a:t>
-            </a:r>
-            <a:r>
-              <a:rPr lang="en-US" altLang="en-US" sz="1400" dirty="0">
-                <a:solidFill>
-                  <a:schemeClr val="tx1"/>
-                </a:solidFill>
-              </a:rPr>
-              <a:t>MN </a:t>
+              <a:t>2017  MN </a:t>
             </a:r>
             <a:r>
               <a:rPr lang="en-US" altLang="en-US" sz="1400" i="1" dirty="0">
@@ -9112,11 +11331,7 @@
             </a:r>
             <a:r>
               <a:rPr lang="en-US" sz="2000" dirty="0"/>
-              <a:t> can be 10.TE.AM.2, 10.TE.AM.xx, </a:t>
-            </a:r>
-            <a:r>
-              <a:rPr lang="en-US" sz="2000" dirty="0" smtClean="0"/>
-              <a:t>169.254.xx.xx</a:t>
+              <a:t> can be 10.TE.AM.2, 10.TE.AM.xx, 169.254.xx.xx</a:t>
             </a:r>
           </a:p>
           <a:p>
@@ -9191,17 +11406,10 @@
   <p:clrMapOvr>
     <a:masterClrMapping/>
   </p:clrMapOvr>
-  <p:timing>
-    <p:tnLst>
-      <p:par>
-        <p:cTn id="1" dur="indefinite" restart="never" nodeType="tmRoot"/>
-      </p:par>
-    </p:tnLst>
-  </p:timing>
 </p:sld>
 </file>
 
-<file path=ppt/slides/slide18.xml><?xml version="1.0" encoding="utf-8"?>
+<file path=ppt/slides/slide23.xml><?xml version="1.0" encoding="utf-8"?>
 <p:sld xmlns:a="http://schemas.openxmlformats.org/drawingml/2006/main" xmlns:r="http://schemas.openxmlformats.org/officeDocument/2006/relationships" xmlns:p="http://schemas.openxmlformats.org/presentationml/2006/main">
   <p:cSld>
     <p:spTree>
@@ -9385,20 +11593,12 @@
           <a:p>
             <a:pPr eaLnBrk="1" hangingPunct="1"/>
             <a:r>
-              <a:rPr lang="en-US" altLang="en-US" sz="1400" dirty="0" smtClean="0">
+              <a:rPr lang="en-US" altLang="en-US" sz="1400" dirty="0">
                 <a:solidFill>
                   <a:schemeClr val="tx1"/>
                 </a:solidFill>
               </a:rPr>
-              <a:t>2017  </a:t>
-            </a:r>
-            <a:r>
-              <a:rPr lang="en-US" altLang="en-US" sz="1400" dirty="0">
-                <a:solidFill>
-                  <a:schemeClr val="tx1"/>
-                </a:solidFill>
-              </a:rPr>
-              <a:t>MN </a:t>
+              <a:t>2017  MN </a:t>
             </a:r>
             <a:r>
               <a:rPr lang="en-US" altLang="en-US" sz="1400" i="1" dirty="0">
@@ -9437,16 +11637,12 @@
           <a:lstStyle/>
           <a:p>
             <a:r>
-              <a:rPr lang="en-US" sz="2000" dirty="0" err="1" smtClean="0"/>
+              <a:rPr lang="en-US" sz="2000" dirty="0" err="1"/>
               <a:t>Enet</a:t>
             </a:r>
             <a:r>
-              <a:rPr lang="en-US" sz="2000" dirty="0" smtClean="0"/>
-              <a:t> </a:t>
-            </a:r>
-            <a:r>
               <a:rPr lang="en-US" sz="2000" dirty="0"/>
-              <a:t>(</a:t>
+              <a:t> (</a:t>
             </a:r>
             <a:r>
               <a:rPr lang="en-US" sz="2000" i="1" dirty="0" err="1"/>
@@ -9595,17 +11791,10 @@
   <p:clrMapOvr>
     <a:masterClrMapping/>
   </p:clrMapOvr>
-  <p:timing>
-    <p:tnLst>
-      <p:par>
-        <p:cTn id="1" dur="indefinite" restart="never" nodeType="tmRoot"/>
-      </p:par>
-    </p:tnLst>
-  </p:timing>
 </p:sld>
 </file>
 
-<file path=ppt/slides/slide19.xml><?xml version="1.0" encoding="utf-8"?>
+<file path=ppt/slides/slide24.xml><?xml version="1.0" encoding="utf-8"?>
 <p:sld xmlns:a="http://schemas.openxmlformats.org/drawingml/2006/main" xmlns:r="http://schemas.openxmlformats.org/officeDocument/2006/relationships" xmlns:p="http://schemas.openxmlformats.org/presentationml/2006/main">
   <p:cSld>
     <p:spTree>
@@ -9789,20 +11978,12 @@
           <a:p>
             <a:pPr eaLnBrk="1" hangingPunct="1"/>
             <a:r>
-              <a:rPr lang="en-US" altLang="en-US" sz="1400" dirty="0" smtClean="0">
+              <a:rPr lang="en-US" altLang="en-US" sz="1400" dirty="0">
                 <a:solidFill>
                   <a:schemeClr val="tx1"/>
                 </a:solidFill>
               </a:rPr>
-              <a:t>2017  </a:t>
-            </a:r>
-            <a:r>
-              <a:rPr lang="en-US" altLang="en-US" sz="1400" dirty="0">
-                <a:solidFill>
-                  <a:schemeClr val="tx1"/>
-                </a:solidFill>
-              </a:rPr>
-              <a:t>MN </a:t>
+              <a:t>2017  MN </a:t>
             </a:r>
             <a:r>
               <a:rPr lang="en-US" altLang="en-US" sz="1400" i="1" dirty="0">
@@ -9854,103 +12035,10 @@
   <p:clrMapOvr>
     <a:masterClrMapping/>
   </p:clrMapOvr>
-  <p:timing>
-    <p:tnLst>
-      <p:par>
-        <p:cTn id="1" dur="indefinite" restart="never" nodeType="tmRoot"/>
-      </p:par>
-    </p:tnLst>
-  </p:timing>
 </p:sld>
 </file>
 
-<file path=ppt/slides/slide2.xml><?xml version="1.0" encoding="utf-8"?>
-<p:sld xmlns:a="http://schemas.openxmlformats.org/drawingml/2006/main" xmlns:r="http://schemas.openxmlformats.org/officeDocument/2006/relationships" xmlns:p="http://schemas.openxmlformats.org/presentationml/2006/main" showMasterSp="0">
-  <p:cSld>
-    <p:bg>
-      <p:bgPr>
-        <a:solidFill>
-          <a:schemeClr val="accent4"/>
-        </a:solidFill>
-        <a:effectLst/>
-      </p:bgPr>
-    </p:bg>
-    <p:spTree>
-      <p:nvGrpSpPr>
-        <p:cNvPr id="1" name=""/>
-        <p:cNvGrpSpPr/>
-        <p:nvPr/>
-      </p:nvGrpSpPr>
-      <p:grpSpPr>
-        <a:xfrm>
-          <a:off x="0" y="0"/>
-          <a:ext cx="0" cy="0"/>
-          <a:chOff x="0" y="0"/>
-          <a:chExt cx="0" cy="0"/>
-        </a:xfrm>
-      </p:grpSpPr>
-      <p:pic>
-        <p:nvPicPr>
-          <p:cNvPr id="3076" name="Picture 4" descr="https://lh5.googleusercontent.com/3e-SR1ggBclGe_LUfGjaMa0bdbXORf9z6OQKW4kDHdxWoktHJOywQsOK6R8njDNPkYz3wXExROfQ-gDAWIWGpVvmf5ESmWvhN6ghTqgkQT7pgnOe-jrTK6DvhRXnlooYgcMROG9v-pg"/>
-          <p:cNvPicPr>
-            <a:picLocks noChangeAspect="1" noChangeArrowheads="1"/>
-          </p:cNvPicPr>
-          <p:nvPr/>
-        </p:nvPicPr>
-        <p:blipFill>
-          <a:blip r:embed="rId2">
-            <a:extLst>
-              <a:ext uri="{28A0092B-C50C-407E-A947-70E740481C1C}">
-                <a14:useLocalDpi xmlns:a14="http://schemas.microsoft.com/office/drawing/2010/main" val="0"/>
-              </a:ext>
-            </a:extLst>
-          </a:blip>
-          <a:srcRect/>
-          <a:stretch>
-            <a:fillRect/>
-          </a:stretch>
-        </p:blipFill>
-        <p:spPr bwMode="auto">
-          <a:xfrm>
-            <a:off x="1447800" y="762000"/>
-            <a:ext cx="6564923" cy="4876800"/>
-          </a:xfrm>
-          <a:prstGeom prst="rect">
-            <a:avLst/>
-          </a:prstGeom>
-          <a:noFill/>
-          <a:extLst>
-            <a:ext uri="{909E8E84-426E-40DD-AFC4-6F175D3DCCD1}">
-              <a14:hiddenFill xmlns:a14="http://schemas.microsoft.com/office/drawing/2010/main">
-                <a:solidFill>
-                  <a:srgbClr val="FFFFFF"/>
-                </a:solidFill>
-              </a14:hiddenFill>
-            </a:ext>
-          </a:extLst>
-        </p:spPr>
-      </p:pic>
-    </p:spTree>
-    <p:extLst>
-      <p:ext uri="{BB962C8B-B14F-4D97-AF65-F5344CB8AC3E}">
-        <p14:creationId xmlns:p14="http://schemas.microsoft.com/office/powerpoint/2010/main" val="3470523400"/>
-      </p:ext>
-    </p:extLst>
-  </p:cSld>
-  <p:clrMapOvr>
-    <a:masterClrMapping/>
-  </p:clrMapOvr>
-  <p:timing>
-    <p:tnLst>
-      <p:par>
-        <p:cTn id="1" dur="indefinite" restart="never" nodeType="tmRoot"/>
-      </p:par>
-    </p:tnLst>
-  </p:timing>
-</p:sld>
-</file>
-
-<file path=ppt/slides/slide20.xml><?xml version="1.0" encoding="utf-8"?>
+<file path=ppt/slides/slide25.xml><?xml version="1.0" encoding="utf-8"?>
 <p:sld xmlns:a="http://schemas.openxmlformats.org/drawingml/2006/main" xmlns:r="http://schemas.openxmlformats.org/officeDocument/2006/relationships" xmlns:p="http://schemas.openxmlformats.org/presentationml/2006/main">
   <p:cSld>
     <p:spTree>
@@ -10134,20 +12222,12 @@
           <a:p>
             <a:pPr eaLnBrk="1" hangingPunct="1"/>
             <a:r>
-              <a:rPr lang="en-US" altLang="en-US" sz="1400" dirty="0" smtClean="0">
+              <a:rPr lang="en-US" altLang="en-US" sz="1400" dirty="0">
                 <a:solidFill>
                   <a:schemeClr val="tx1"/>
                 </a:solidFill>
               </a:rPr>
-              <a:t>2017  </a:t>
-            </a:r>
-            <a:r>
-              <a:rPr lang="en-US" altLang="en-US" sz="1400" dirty="0">
-                <a:solidFill>
-                  <a:schemeClr val="tx1"/>
-                </a:solidFill>
-              </a:rPr>
-              <a:t>MN </a:t>
+              <a:t>2017  MN </a:t>
             </a:r>
             <a:r>
               <a:rPr lang="en-US" altLang="en-US" sz="1400" i="1" dirty="0">
@@ -10200,7 +12280,7 @@
               <a:rPr lang="en-US" sz="2000" dirty="0"/>
               <a:t>It is a field that will be populated with match specific information (TBD based on the game to come) during official matches. </a:t>
             </a:r>
-            <a:endParaRPr lang="en-US" altLang="en-US" sz="2000" dirty="0" smtClean="0">
+            <a:endParaRPr lang="en-US" altLang="en-US" sz="2000" dirty="0">
               <a:solidFill>
                 <a:srgbClr val="FF0000"/>
               </a:solidFill>
@@ -10283,17 +12363,10 @@
   <p:clrMapOvr>
     <a:masterClrMapping/>
   </p:clrMapOvr>
-  <p:timing>
-    <p:tnLst>
-      <p:par>
-        <p:cTn id="1" dur="indefinite" restart="never" nodeType="tmRoot"/>
-      </p:par>
-    </p:tnLst>
-  </p:timing>
 </p:sld>
 </file>
 
-<file path=ppt/slides/slide21.xml><?xml version="1.0" encoding="utf-8"?>
+<file path=ppt/slides/slide26.xml><?xml version="1.0" encoding="utf-8"?>
 <p:sld xmlns:a="http://schemas.openxmlformats.org/drawingml/2006/main" xmlns:r="http://schemas.openxmlformats.org/officeDocument/2006/relationships" xmlns:p="http://schemas.openxmlformats.org/presentationml/2006/main">
   <p:cSld>
     <p:spTree>
@@ -10326,12 +12399,8 @@
           <a:lstStyle/>
           <a:p>
             <a:r>
-              <a:rPr lang="en-US" dirty="0" smtClean="0"/>
-              <a:t>Driver Station - Game </a:t>
-            </a:r>
-            <a:r>
               <a:rPr lang="en-US" dirty="0"/>
-              <a:t>Data</a:t>
+              <a:t>Driver Station - Game Data</a:t>
             </a:r>
           </a:p>
         </p:txBody>
@@ -10466,17 +12535,10 @@
   <p:clrMapOvr>
     <a:masterClrMapping/>
   </p:clrMapOvr>
-  <p:timing>
-    <p:tnLst>
-      <p:par>
-        <p:cTn id="1" dur="indefinite" restart="never" nodeType="tmRoot"/>
-      </p:par>
-    </p:tnLst>
-  </p:timing>
 </p:sld>
 </file>
 
-<file path=ppt/slides/slide22.xml><?xml version="1.0" encoding="utf-8"?>
+<file path=ppt/slides/slide27.xml><?xml version="1.0" encoding="utf-8"?>
 <p:sld xmlns:a="http://schemas.openxmlformats.org/drawingml/2006/main" xmlns:r="http://schemas.openxmlformats.org/officeDocument/2006/relationships" xmlns:p="http://schemas.openxmlformats.org/presentationml/2006/main">
   <p:cSld>
     <p:spTree>
@@ -10509,12 +12571,8 @@
           <a:lstStyle/>
           <a:p>
             <a:r>
-              <a:rPr lang="en-US" dirty="0" smtClean="0"/>
-              <a:t>Driver Station - Game </a:t>
-            </a:r>
-            <a:r>
               <a:rPr lang="en-US" dirty="0"/>
-              <a:t>Data</a:t>
+              <a:t>Driver Station - Game Data</a:t>
             </a:r>
           </a:p>
         </p:txBody>
@@ -10638,17 +12696,10 @@
   <p:clrMapOvr>
     <a:masterClrMapping/>
   </p:clrMapOvr>
-  <p:timing>
-    <p:tnLst>
-      <p:par>
-        <p:cTn id="1" dur="indefinite" restart="never" nodeType="tmRoot"/>
-      </p:par>
-    </p:tnLst>
-  </p:timing>
 </p:sld>
 </file>
 
-<file path=ppt/slides/slide23.xml><?xml version="1.0" encoding="utf-8"?>
+<file path=ppt/slides/slide28.xml><?xml version="1.0" encoding="utf-8"?>
 <p:sld xmlns:a="http://schemas.openxmlformats.org/drawingml/2006/main" xmlns:r="http://schemas.openxmlformats.org/officeDocument/2006/relationships" xmlns:p="http://schemas.openxmlformats.org/presentationml/2006/main">
   <p:cSld>
     <p:spTree>
@@ -10832,20 +12883,12 @@
           <a:p>
             <a:pPr eaLnBrk="1" hangingPunct="1"/>
             <a:r>
-              <a:rPr lang="en-US" altLang="en-US" sz="1400" dirty="0" smtClean="0">
+              <a:rPr lang="en-US" altLang="en-US" sz="1400" dirty="0">
                 <a:solidFill>
                   <a:schemeClr val="tx1"/>
                 </a:solidFill>
               </a:rPr>
-              <a:t>2017  </a:t>
-            </a:r>
-            <a:r>
-              <a:rPr lang="en-US" altLang="en-US" sz="1400" dirty="0">
-                <a:solidFill>
-                  <a:schemeClr val="tx1"/>
-                </a:solidFill>
-              </a:rPr>
-              <a:t>MN </a:t>
+              <a:t>2017  MN </a:t>
             </a:r>
             <a:r>
               <a:rPr lang="en-US" altLang="en-US" sz="1400" i="1" dirty="0">
@@ -10950,23 +12993,7 @@
                   <a:schemeClr val="tx1"/>
                 </a:solidFill>
               </a:rPr>
-              <a:t>The USB camera stream handling is more robust and does more to </a:t>
-            </a:r>
-            <a:r>
-              <a:rPr lang="en-US" sz="2000" dirty="0" smtClean="0">
-                <a:solidFill>
-                  <a:schemeClr val="tx1"/>
-                </a:solidFill>
-              </a:rPr>
-              <a:t>recover </a:t>
-            </a:r>
-            <a:r>
-              <a:rPr lang="en-US" sz="2000" dirty="0">
-                <a:solidFill>
-                  <a:schemeClr val="tx1"/>
-                </a:solidFill>
-              </a:rPr>
-              <a:t>from camera and </a:t>
+              <a:t>The USB camera stream handling is more robust and does more to recover from camera and </a:t>
             </a:r>
             <a:r>
               <a:rPr lang="en-US" sz="2000" dirty="0" err="1">
@@ -10982,23 +13009,7 @@
                   <a:schemeClr val="tx1"/>
                 </a:solidFill>
               </a:rPr>
-              <a:t> </a:t>
-            </a:r>
-            <a:r>
-              <a:rPr lang="en-US" sz="2000" dirty="0" smtClean="0">
-                <a:solidFill>
-                  <a:schemeClr val="tx1"/>
-                </a:solidFill>
-              </a:rPr>
-              <a:t>disconnects. Here </a:t>
-            </a:r>
-            <a:r>
-              <a:rPr lang="en-US" sz="2000" dirty="0">
-                <a:solidFill>
-                  <a:schemeClr val="tx1"/>
-                </a:solidFill>
-              </a:rPr>
-              <a:t>is a sequence of screenshots demonstrating the recovery process after communications with the </a:t>
+              <a:t> disconnects. Here is a sequence of screenshots demonstrating the recovery process after communications with the </a:t>
             </a:r>
             <a:r>
               <a:rPr lang="en-US" sz="2000" dirty="0" err="1">
@@ -11014,31 +13025,7 @@
                   <a:schemeClr val="tx1"/>
                 </a:solidFill>
               </a:rPr>
-              <a:t> were dropped (The Ethernet connection was </a:t>
-            </a:r>
-            <a:r>
-              <a:rPr lang="en-US" sz="2000" dirty="0" smtClean="0">
-                <a:solidFill>
-                  <a:schemeClr val="tx1"/>
-                </a:solidFill>
-              </a:rPr>
-              <a:t>physically </a:t>
-            </a:r>
-            <a:r>
-              <a:rPr lang="en-US" sz="2000" dirty="0">
-                <a:solidFill>
-                  <a:schemeClr val="tx1"/>
-                </a:solidFill>
-              </a:rPr>
-              <a:t>disconnected/reconnected)</a:t>
-            </a:r>
-            <a:r>
-              <a:rPr lang="en-US" sz="2000" dirty="0" smtClean="0">
-                <a:solidFill>
-                  <a:schemeClr val="tx1"/>
-                </a:solidFill>
-              </a:rPr>
-              <a:t> </a:t>
+              <a:t> were dropped (The Ethernet connection was physically disconnected/reconnected) </a:t>
             </a:r>
             <a:r>
               <a:rPr lang="en-US" sz="2000" dirty="0"/>
@@ -11061,17 +13048,10 @@
   <p:clrMapOvr>
     <a:masterClrMapping/>
   </p:clrMapOvr>
-  <p:timing>
-    <p:tnLst>
-      <p:par>
-        <p:cTn id="1" dur="indefinite" restart="never" nodeType="tmRoot"/>
-      </p:par>
-    </p:tnLst>
-  </p:timing>
 </p:sld>
 </file>
 
-<file path=ppt/slides/slide24.xml><?xml version="1.0" encoding="utf-8"?>
+<file path=ppt/slides/slide29.xml><?xml version="1.0" encoding="utf-8"?>
 <p:sld xmlns:a="http://schemas.openxmlformats.org/drawingml/2006/main" xmlns:r="http://schemas.openxmlformats.org/officeDocument/2006/relationships" xmlns:p="http://schemas.openxmlformats.org/presentationml/2006/main">
   <p:cSld>
     <p:spTree>
@@ -11255,20 +13235,12 @@
           <a:p>
             <a:pPr eaLnBrk="1" hangingPunct="1"/>
             <a:r>
-              <a:rPr lang="en-US" altLang="en-US" sz="1400" dirty="0" smtClean="0">
+              <a:rPr lang="en-US" altLang="en-US" sz="1400" dirty="0">
                 <a:solidFill>
                   <a:schemeClr val="tx1"/>
                 </a:solidFill>
               </a:rPr>
-              <a:t>2017  </a:t>
-            </a:r>
-            <a:r>
-              <a:rPr lang="en-US" altLang="en-US" sz="1400" dirty="0">
-                <a:solidFill>
-                  <a:schemeClr val="tx1"/>
-                </a:solidFill>
-              </a:rPr>
-              <a:t>MN </a:t>
+              <a:t>2017  MN </a:t>
             </a:r>
             <a:r>
               <a:rPr lang="en-US" altLang="en-US" sz="1400" i="1" dirty="0">
@@ -11356,17 +13328,10 @@
   <p:clrMapOvr>
     <a:masterClrMapping/>
   </p:clrMapOvr>
-  <p:timing>
-    <p:tnLst>
-      <p:par>
-        <p:cTn id="1" dur="indefinite" restart="never" nodeType="tmRoot"/>
-      </p:par>
-    </p:tnLst>
-  </p:timing>
 </p:sld>
 </file>
 
-<file path=ppt/slides/slide25.xml><?xml version="1.0" encoding="utf-8"?>
+<file path=ppt/slides/slide3.xml><?xml version="1.0" encoding="utf-8"?>
 <p:sld xmlns:a="http://schemas.openxmlformats.org/drawingml/2006/main" xmlns:r="http://schemas.openxmlformats.org/officeDocument/2006/relationships" xmlns:p="http://schemas.openxmlformats.org/presentationml/2006/main">
   <p:cSld>
     <p:spTree>
@@ -11385,32 +13350,9 @@
       </p:grpSpPr>
       <p:sp>
         <p:nvSpPr>
-          <p:cNvPr id="17410" name="Title 1"/>
-          <p:cNvSpPr>
-            <a:spLocks noGrp="1"/>
-          </p:cNvSpPr>
-          <p:nvPr>
-            <p:ph type="title"/>
-          </p:nvPr>
-        </p:nvSpPr>
-        <p:spPr/>
-        <p:txBody>
-          <a:bodyPr/>
-          <a:lstStyle/>
-          <a:p>
-            <a:r>
-              <a:rPr lang="en-US" dirty="0" smtClean="0"/>
-              <a:t>Driver Station – Shuffleboard</a:t>
-            </a:r>
-            <a:endParaRPr lang="en-US" dirty="0"/>
-          </a:p>
-        </p:txBody>
-      </p:sp>
-      <p:sp>
-        <p:nvSpPr>
-          <p:cNvPr id="17412" name="Footer Placeholder 3"/>
-          <p:cNvSpPr>
-            <a:spLocks noGrp="1"/>
+          <p:cNvPr id="13314" name="Rectangle 4"/>
+          <p:cNvSpPr>
+            <a:spLocks noGrp="1" noChangeArrowheads="1"/>
           </p:cNvSpPr>
           <p:nvPr>
             <p:ph type="ftr" sz="quarter" idx="10"/>
@@ -11551,20 +13493,345 @@
           <a:p>
             <a:pPr eaLnBrk="1" hangingPunct="1"/>
             <a:r>
-              <a:rPr lang="en-US" altLang="en-US" sz="1400" dirty="0" smtClean="0">
+              <a:rPr lang="en-US" altLang="en-US" sz="1400" dirty="0">
                 <a:solidFill>
                   <a:schemeClr val="tx1"/>
                 </a:solidFill>
               </a:rPr>
-              <a:t>2017  </a:t>
-            </a:r>
+              <a:t>2017  MN </a:t>
+            </a:r>
+            <a:r>
+              <a:rPr lang="en-US" altLang="en-US" sz="1400" i="1" dirty="0">
+                <a:solidFill>
+                  <a:schemeClr val="tx1"/>
+                </a:solidFill>
+              </a:rPr>
+              <a:t>FIRST Jump Start</a:t>
+            </a:r>
+            <a:endParaRPr lang="en-US" altLang="en-US" sz="1400" dirty="0">
+              <a:solidFill>
+                <a:schemeClr val="tx1"/>
+              </a:solidFill>
+            </a:endParaRPr>
+          </a:p>
+        </p:txBody>
+      </p:sp>
+      <p:sp>
+        <p:nvSpPr>
+          <p:cNvPr id="13316" name="Rectangle 3"/>
+          <p:cNvSpPr>
+            <a:spLocks noGrp="1" noChangeArrowheads="1"/>
+          </p:cNvSpPr>
+          <p:nvPr>
+            <p:ph type="subTitle" idx="1"/>
+          </p:nvPr>
+        </p:nvSpPr>
+        <p:spPr>
+          <a:xfrm>
+            <a:off x="1371600" y="3733800"/>
+            <a:ext cx="6400800" cy="1752600"/>
+          </a:xfrm>
+        </p:spPr>
+        <p:txBody>
+          <a:bodyPr/>
+          <a:lstStyle/>
+          <a:p>
+            <a:pPr eaLnBrk="1" hangingPunct="1"/>
+            <a:r>
+              <a:rPr lang="en-US" altLang="en-US" i="1" dirty="0"/>
+              <a:t>Presented by:</a:t>
+            </a:r>
+          </a:p>
+          <a:p>
+            <a:pPr eaLnBrk="1" hangingPunct="1"/>
+            <a:r>
+              <a:rPr lang="en-US" altLang="en-US" dirty="0"/>
+              <a:t>Todd Kruse, Team 3840</a:t>
+            </a:r>
+          </a:p>
+          <a:p>
+            <a:pPr eaLnBrk="1" hangingPunct="1"/>
+            <a:r>
+              <a:rPr lang="en-US" altLang="en-US" dirty="0"/>
+              <a:t>Steve Moe, Team 3026</a:t>
+            </a:r>
+          </a:p>
+          <a:p>
+            <a:pPr eaLnBrk="1" hangingPunct="1"/>
+            <a:r>
+              <a:rPr lang="en-US" altLang="en-US" dirty="0"/>
+              <a:t>Chris Roadfeldt, Team 4607</a:t>
+            </a:r>
+          </a:p>
+        </p:txBody>
+      </p:sp>
+      <p:pic>
+        <p:nvPicPr>
+          <p:cNvPr id="2050" name="Picture 2" descr="https://lh3.googleusercontent.com/whV856uT_V-PMVpGMM2I--_xyYUcTkSA8pSILVGbTBdmffy87jvHb9d6CAKuAvxYZ8CZE4LaimRuIGq23GM-fyMcsIzGdzfEfZt0kscqkFy7iH7uqxMVUH-wHIWEX66AbDTmfUM9FN8"/>
+          <p:cNvPicPr>
+            <a:picLocks noChangeAspect="1" noChangeArrowheads="1"/>
+          </p:cNvPicPr>
+          <p:nvPr/>
+        </p:nvPicPr>
+        <p:blipFill>
+          <a:blip r:embed="rId3">
+            <a:extLst>
+              <a:ext uri="{28A0092B-C50C-407E-A947-70E740481C1C}">
+                <a14:useLocalDpi xmlns:a14="http://schemas.microsoft.com/office/drawing/2010/main" val="0"/>
+              </a:ext>
+            </a:extLst>
+          </a:blip>
+          <a:srcRect/>
+          <a:stretch>
+            <a:fillRect/>
+          </a:stretch>
+        </p:blipFill>
+        <p:spPr bwMode="auto">
+          <a:xfrm>
+            <a:off x="1219200" y="-651387"/>
+            <a:ext cx="6324600" cy="4038600"/>
+          </a:xfrm>
+          <a:prstGeom prst="rect">
+            <a:avLst/>
+          </a:prstGeom>
+          <a:noFill/>
+          <a:extLst>
+            <a:ext uri="{909E8E84-426E-40DD-AFC4-6F175D3DCCD1}">
+              <a14:hiddenFill xmlns:a14="http://schemas.microsoft.com/office/drawing/2010/main">
+                <a:solidFill>
+                  <a:srgbClr val="FFFFFF"/>
+                </a:solidFill>
+              </a14:hiddenFill>
+            </a:ext>
+          </a:extLst>
+        </p:spPr>
+      </p:pic>
+      <p:sp>
+        <p:nvSpPr>
+          <p:cNvPr id="13315" name="Rectangle 2"/>
+          <p:cNvSpPr>
+            <a:spLocks noGrp="1" noChangeArrowheads="1"/>
+          </p:cNvSpPr>
+          <p:nvPr>
+            <p:ph type="ctrTitle"/>
+          </p:nvPr>
+        </p:nvSpPr>
+        <p:spPr>
+          <a:xfrm>
+            <a:off x="762000" y="2209800"/>
+            <a:ext cx="5562600" cy="1143000"/>
+          </a:xfrm>
+        </p:spPr>
+        <p:txBody>
+          <a:bodyPr/>
+          <a:lstStyle/>
+          <a:p>
+            <a:pPr eaLnBrk="1" hangingPunct="1"/>
+            <a:r>
+              <a:rPr lang="en-US" altLang="en-US" dirty="0"/>
+              <a:t>2018 Beta Testing Report</a:t>
+            </a:r>
+          </a:p>
+        </p:txBody>
+      </p:sp>
+    </p:spTree>
+  </p:cSld>
+  <p:clrMapOvr>
+    <a:masterClrMapping/>
+  </p:clrMapOvr>
+</p:sld>
+</file>
+
+<file path=ppt/slides/slide30.xml><?xml version="1.0" encoding="utf-8"?>
+<p:sld xmlns:a="http://schemas.openxmlformats.org/drawingml/2006/main" xmlns:r="http://schemas.openxmlformats.org/officeDocument/2006/relationships" xmlns:p="http://schemas.openxmlformats.org/presentationml/2006/main">
+  <p:cSld>
+    <p:spTree>
+      <p:nvGrpSpPr>
+        <p:cNvPr id="1" name=""/>
+        <p:cNvGrpSpPr/>
+        <p:nvPr/>
+      </p:nvGrpSpPr>
+      <p:grpSpPr>
+        <a:xfrm>
+          <a:off x="0" y="0"/>
+          <a:ext cx="0" cy="0"/>
+          <a:chOff x="0" y="0"/>
+          <a:chExt cx="0" cy="0"/>
+        </a:xfrm>
+      </p:grpSpPr>
+      <p:sp>
+        <p:nvSpPr>
+          <p:cNvPr id="17410" name="Title 1"/>
+          <p:cNvSpPr>
+            <a:spLocks noGrp="1"/>
+          </p:cNvSpPr>
+          <p:nvPr>
+            <p:ph type="title"/>
+          </p:nvPr>
+        </p:nvSpPr>
+        <p:spPr/>
+        <p:txBody>
+          <a:bodyPr/>
+          <a:lstStyle/>
+          <a:p>
+            <a:r>
+              <a:rPr lang="en-US" dirty="0"/>
+              <a:t>Driver Station – Shuffleboard</a:t>
+            </a:r>
+          </a:p>
+        </p:txBody>
+      </p:sp>
+      <p:sp>
+        <p:nvSpPr>
+          <p:cNvPr id="17412" name="Footer Placeholder 3"/>
+          <p:cNvSpPr>
+            <a:spLocks noGrp="1"/>
+          </p:cNvSpPr>
+          <p:nvPr>
+            <p:ph type="ftr" sz="quarter" idx="10"/>
+          </p:nvPr>
+        </p:nvSpPr>
+        <p:spPr>
+          <a:noFill/>
+          <a:ln/>
+          <a:extLst>
+            <a:ext uri="{909E8E84-426E-40DD-AFC4-6F175D3DCCD1}">
+              <a14:hiddenFill xmlns:a14="http://schemas.microsoft.com/office/drawing/2010/main">
+                <a:solidFill>
+                  <a:srgbClr val="FFFFFF"/>
+                </a:solidFill>
+              </a14:hiddenFill>
+            </a:ext>
+            <a:ext uri="{91240B29-F687-4F45-9708-019B960494DF}">
+              <a14:hiddenLine xmlns:a14="http://schemas.microsoft.com/office/drawing/2010/main" w="9525">
+                <a:solidFill>
+                  <a:srgbClr val="000000"/>
+                </a:solidFill>
+                <a:miter lim="800000"/>
+                <a:headEnd/>
+                <a:tailEnd/>
+              </a14:hiddenLine>
+            </a:ext>
+          </a:extLst>
+        </p:spPr>
+        <p:txBody>
+          <a:bodyPr/>
+          <a:lstStyle>
+            <a:lvl1pPr eaLnBrk="0" hangingPunct="0">
+              <a:defRPr sz="2200">
+                <a:solidFill>
+                  <a:srgbClr val="FFFFFF"/>
+                </a:solidFill>
+                <a:latin typeface="Trebuchet MS" panose="020B0603020202020204" pitchFamily="34" charset="0"/>
+                <a:cs typeface="Times New Roman" panose="02020603050405020304" pitchFamily="18" charset="0"/>
+              </a:defRPr>
+            </a:lvl1pPr>
+            <a:lvl2pPr marL="742950" indent="-285750" eaLnBrk="0" hangingPunct="0">
+              <a:defRPr sz="2200">
+                <a:solidFill>
+                  <a:srgbClr val="FFFFFF"/>
+                </a:solidFill>
+                <a:latin typeface="Trebuchet MS" panose="020B0603020202020204" pitchFamily="34" charset="0"/>
+                <a:cs typeface="Times New Roman" panose="02020603050405020304" pitchFamily="18" charset="0"/>
+              </a:defRPr>
+            </a:lvl2pPr>
+            <a:lvl3pPr marL="1143000" indent="-228600" eaLnBrk="0" hangingPunct="0">
+              <a:defRPr sz="2200">
+                <a:solidFill>
+                  <a:srgbClr val="FFFFFF"/>
+                </a:solidFill>
+                <a:latin typeface="Trebuchet MS" panose="020B0603020202020204" pitchFamily="34" charset="0"/>
+                <a:cs typeface="Times New Roman" panose="02020603050405020304" pitchFamily="18" charset="0"/>
+              </a:defRPr>
+            </a:lvl3pPr>
+            <a:lvl4pPr marL="1600200" indent="-228600" eaLnBrk="0" hangingPunct="0">
+              <a:defRPr sz="2200">
+                <a:solidFill>
+                  <a:srgbClr val="FFFFFF"/>
+                </a:solidFill>
+                <a:latin typeface="Trebuchet MS" panose="020B0603020202020204" pitchFamily="34" charset="0"/>
+                <a:cs typeface="Times New Roman" panose="02020603050405020304" pitchFamily="18" charset="0"/>
+              </a:defRPr>
+            </a:lvl4pPr>
+            <a:lvl5pPr marL="2057400" indent="-228600" eaLnBrk="0" hangingPunct="0">
+              <a:defRPr sz="2200">
+                <a:solidFill>
+                  <a:srgbClr val="FFFFFF"/>
+                </a:solidFill>
+                <a:latin typeface="Trebuchet MS" panose="020B0603020202020204" pitchFamily="34" charset="0"/>
+                <a:cs typeface="Times New Roman" panose="02020603050405020304" pitchFamily="18" charset="0"/>
+              </a:defRPr>
+            </a:lvl5pPr>
+            <a:lvl6pPr marL="2514600" indent="-228600" eaLnBrk="0" fontAlgn="base" hangingPunct="0">
+              <a:spcBef>
+                <a:spcPct val="0"/>
+              </a:spcBef>
+              <a:spcAft>
+                <a:spcPct val="0"/>
+              </a:spcAft>
+              <a:defRPr sz="2200">
+                <a:solidFill>
+                  <a:srgbClr val="FFFFFF"/>
+                </a:solidFill>
+                <a:latin typeface="Trebuchet MS" panose="020B0603020202020204" pitchFamily="34" charset="0"/>
+                <a:cs typeface="Times New Roman" panose="02020603050405020304" pitchFamily="18" charset="0"/>
+              </a:defRPr>
+            </a:lvl6pPr>
+            <a:lvl7pPr marL="2971800" indent="-228600" eaLnBrk="0" fontAlgn="base" hangingPunct="0">
+              <a:spcBef>
+                <a:spcPct val="0"/>
+              </a:spcBef>
+              <a:spcAft>
+                <a:spcPct val="0"/>
+              </a:spcAft>
+              <a:defRPr sz="2200">
+                <a:solidFill>
+                  <a:srgbClr val="FFFFFF"/>
+                </a:solidFill>
+                <a:latin typeface="Trebuchet MS" panose="020B0603020202020204" pitchFamily="34" charset="0"/>
+                <a:cs typeface="Times New Roman" panose="02020603050405020304" pitchFamily="18" charset="0"/>
+              </a:defRPr>
+            </a:lvl7pPr>
+            <a:lvl8pPr marL="3429000" indent="-228600" eaLnBrk="0" fontAlgn="base" hangingPunct="0">
+              <a:spcBef>
+                <a:spcPct val="0"/>
+              </a:spcBef>
+              <a:spcAft>
+                <a:spcPct val="0"/>
+              </a:spcAft>
+              <a:defRPr sz="2200">
+                <a:solidFill>
+                  <a:srgbClr val="FFFFFF"/>
+                </a:solidFill>
+                <a:latin typeface="Trebuchet MS" panose="020B0603020202020204" pitchFamily="34" charset="0"/>
+                <a:cs typeface="Times New Roman" panose="02020603050405020304" pitchFamily="18" charset="0"/>
+              </a:defRPr>
+            </a:lvl8pPr>
+            <a:lvl9pPr marL="3886200" indent="-228600" eaLnBrk="0" fontAlgn="base" hangingPunct="0">
+              <a:spcBef>
+                <a:spcPct val="0"/>
+              </a:spcBef>
+              <a:spcAft>
+                <a:spcPct val="0"/>
+              </a:spcAft>
+              <a:defRPr sz="2200">
+                <a:solidFill>
+                  <a:srgbClr val="FFFFFF"/>
+                </a:solidFill>
+                <a:latin typeface="Trebuchet MS" panose="020B0603020202020204" pitchFamily="34" charset="0"/>
+                <a:cs typeface="Times New Roman" panose="02020603050405020304" pitchFamily="18" charset="0"/>
+              </a:defRPr>
+            </a:lvl9pPr>
+          </a:lstStyle>
+          <a:p>
+            <a:pPr eaLnBrk="1" hangingPunct="1"/>
             <a:r>
               <a:rPr lang="en-US" altLang="en-US" sz="1400" dirty="0">
                 <a:solidFill>
                   <a:schemeClr val="tx1"/>
                 </a:solidFill>
               </a:rPr>
-              <a:t>MN </a:t>
+              <a:t>2017  MN </a:t>
             </a:r>
             <a:r>
               <a:rPr lang="en-US" altLang="en-US" sz="1400" i="1" dirty="0">
@@ -11622,17 +13889,10 @@
   <p:clrMapOvr>
     <a:masterClrMapping/>
   </p:clrMapOvr>
-  <p:timing>
-    <p:tnLst>
-      <p:par>
-        <p:cTn id="1" dur="indefinite" restart="never" nodeType="tmRoot"/>
-      </p:par>
-    </p:tnLst>
-  </p:timing>
 </p:sld>
 </file>
 
-<file path=ppt/slides/slide26.xml><?xml version="1.0" encoding="utf-8"?>
+<file path=ppt/slides/slide31.xml><?xml version="1.0" encoding="utf-8"?>
 <p:sld xmlns:a="http://schemas.openxmlformats.org/drawingml/2006/main" xmlns:r="http://schemas.openxmlformats.org/officeDocument/2006/relationships" xmlns:p="http://schemas.openxmlformats.org/presentationml/2006/main">
   <p:cSld>
     <p:spTree>
@@ -11665,10 +13925,9 @@
           <a:lstStyle/>
           <a:p>
             <a:r>
-              <a:rPr lang="en-US" dirty="0" smtClean="0"/>
+              <a:rPr lang="en-US" dirty="0"/>
               <a:t>Driver Station – Shuffleboard</a:t>
             </a:r>
-            <a:endParaRPr lang="en-US" dirty="0"/>
           </a:p>
         </p:txBody>
       </p:sp>
@@ -11817,20 +14076,12 @@
           <a:p>
             <a:pPr eaLnBrk="1" hangingPunct="1"/>
             <a:r>
-              <a:rPr lang="en-US" altLang="en-US" sz="1400" dirty="0" smtClean="0">
+              <a:rPr lang="en-US" altLang="en-US" sz="1400" dirty="0">
                 <a:solidFill>
                   <a:schemeClr val="tx1"/>
                 </a:solidFill>
               </a:rPr>
-              <a:t>2017  </a:t>
-            </a:r>
-            <a:r>
-              <a:rPr lang="en-US" altLang="en-US" sz="1400" dirty="0">
-                <a:solidFill>
-                  <a:schemeClr val="tx1"/>
-                </a:solidFill>
-              </a:rPr>
-              <a:t>MN </a:t>
+              <a:t>2017  MN </a:t>
             </a:r>
             <a:r>
               <a:rPr lang="en-US" altLang="en-US" sz="1400" i="1" dirty="0">
@@ -11871,7 +14122,7 @@
           <a:lstStyle/>
           <a:p>
             <a:r>
-              <a:rPr lang="en-US" dirty="0" smtClean="0">
+              <a:rPr lang="en-US" dirty="0">
                 <a:solidFill>
                   <a:schemeClr val="tx1"/>
                 </a:solidFill>
@@ -11881,18 +14132,13 @@
           </a:p>
           <a:p>
             <a:r>
-              <a:rPr lang="en-US" dirty="0" smtClean="0">
+              <a:rPr lang="en-US" dirty="0">
                 <a:solidFill>
                   <a:schemeClr val="tx1"/>
                 </a:solidFill>
               </a:rPr>
               <a:t>Live Demo insert here.</a:t>
             </a:r>
-            <a:endParaRPr lang="en-US" dirty="0">
-              <a:solidFill>
-                <a:schemeClr val="tx1"/>
-              </a:solidFill>
-            </a:endParaRPr>
           </a:p>
         </p:txBody>
       </p:sp>
@@ -11906,17 +14152,10 @@
   <p:clrMapOvr>
     <a:masterClrMapping/>
   </p:clrMapOvr>
-  <p:timing>
-    <p:tnLst>
-      <p:par>
-        <p:cTn id="1" dur="indefinite" restart="never" nodeType="tmRoot"/>
-      </p:par>
-    </p:tnLst>
-  </p:timing>
 </p:sld>
 </file>
 
-<file path=ppt/slides/slide27.xml><?xml version="1.0" encoding="utf-8"?>
+<file path=ppt/slides/slide32.xml><?xml version="1.0" encoding="utf-8"?>
 <p:sld xmlns:a="http://schemas.openxmlformats.org/drawingml/2006/main" xmlns:r="http://schemas.openxmlformats.org/officeDocument/2006/relationships" xmlns:p="http://schemas.openxmlformats.org/presentationml/2006/main">
   <p:cSld>
     <p:spTree>
@@ -11954,11 +14193,7 @@
             </a:r>
             <a:r>
               <a:rPr lang="en-US" sz="2800" dirty="0"/>
-              <a:t> Dynamo BLDC Motor with </a:t>
-            </a:r>
-            <a:r>
-              <a:rPr lang="en-US" sz="2800" dirty="0" smtClean="0"/>
-              <a:t>Controller</a:t>
+              <a:t> Dynamo BLDC Motor with Controller</a:t>
             </a:r>
             <a:endParaRPr lang="en-US" dirty="0"/>
           </a:p>
@@ -12055,17 +14290,10 @@
   <p:clrMapOvr>
     <a:masterClrMapping/>
   </p:clrMapOvr>
-  <p:timing>
-    <p:tnLst>
-      <p:par>
-        <p:cTn id="1" dur="indefinite" restart="never" nodeType="tmRoot"/>
-      </p:par>
-    </p:tnLst>
-  </p:timing>
 </p:sld>
 </file>
 
-<file path=ppt/slides/slide28.xml><?xml version="1.0" encoding="utf-8"?>
+<file path=ppt/slides/slide33.xml><?xml version="1.0" encoding="utf-8"?>
 <p:sld xmlns:a="http://schemas.openxmlformats.org/drawingml/2006/main" xmlns:r="http://schemas.openxmlformats.org/officeDocument/2006/relationships" xmlns:p="http://schemas.openxmlformats.org/presentationml/2006/main">
   <p:cSld>
     <p:spTree>
@@ -12103,11 +14331,7 @@
             </a:r>
             <a:r>
               <a:rPr lang="en-US" sz="2800" dirty="0"/>
-              <a:t> Dynamo BLDC Motor with </a:t>
-            </a:r>
-            <a:r>
-              <a:rPr lang="en-US" sz="2800" dirty="0" smtClean="0"/>
-              <a:t>Controller</a:t>
+              <a:t> Dynamo BLDC Motor with Controller</a:t>
             </a:r>
             <a:endParaRPr lang="en-US" dirty="0"/>
           </a:p>
@@ -12210,17 +14434,10 @@
   <p:clrMapOvr>
     <a:masterClrMapping/>
   </p:clrMapOvr>
-  <p:timing>
-    <p:tnLst>
-      <p:par>
-        <p:cTn id="1" dur="indefinite" restart="never" nodeType="tmRoot"/>
-      </p:par>
-    </p:tnLst>
-  </p:timing>
 </p:sld>
 </file>
 
-<file path=ppt/slides/slide29.xml><?xml version="1.0" encoding="utf-8"?>
+<file path=ppt/slides/slide34.xml><?xml version="1.0" encoding="utf-8"?>
 <p:sld xmlns:a="http://schemas.openxmlformats.org/drawingml/2006/main" xmlns:r="http://schemas.openxmlformats.org/officeDocument/2006/relationships" xmlns:p="http://schemas.openxmlformats.org/presentationml/2006/main">
   <p:cSld>
     <p:spTree>
@@ -12351,336 +14568,10 @@
   <p:clrMapOvr>
     <a:masterClrMapping/>
   </p:clrMapOvr>
-  <p:timing>
-    <p:tnLst>
-      <p:par>
-        <p:cTn id="1" dur="indefinite" restart="never" nodeType="tmRoot"/>
-      </p:par>
-    </p:tnLst>
-  </p:timing>
 </p:sld>
 </file>
 
-<file path=ppt/slides/slide3.xml><?xml version="1.0" encoding="utf-8"?>
-<p:sld xmlns:a="http://schemas.openxmlformats.org/drawingml/2006/main" xmlns:r="http://schemas.openxmlformats.org/officeDocument/2006/relationships" xmlns:p="http://schemas.openxmlformats.org/presentationml/2006/main">
-  <p:cSld>
-    <p:spTree>
-      <p:nvGrpSpPr>
-        <p:cNvPr id="1" name=""/>
-        <p:cNvGrpSpPr/>
-        <p:nvPr/>
-      </p:nvGrpSpPr>
-      <p:grpSpPr>
-        <a:xfrm>
-          <a:off x="0" y="0"/>
-          <a:ext cx="0" cy="0"/>
-          <a:chOff x="0" y="0"/>
-          <a:chExt cx="0" cy="0"/>
-        </a:xfrm>
-      </p:grpSpPr>
-      <p:sp>
-        <p:nvSpPr>
-          <p:cNvPr id="13314" name="Rectangle 4"/>
-          <p:cNvSpPr>
-            <a:spLocks noGrp="1" noChangeArrowheads="1"/>
-          </p:cNvSpPr>
-          <p:nvPr>
-            <p:ph type="ftr" sz="quarter" idx="10"/>
-          </p:nvPr>
-        </p:nvSpPr>
-        <p:spPr>
-          <a:noFill/>
-          <a:ln/>
-          <a:extLst>
-            <a:ext uri="{909E8E84-426E-40DD-AFC4-6F175D3DCCD1}">
-              <a14:hiddenFill xmlns:a14="http://schemas.microsoft.com/office/drawing/2010/main">
-                <a:solidFill>
-                  <a:srgbClr val="FFFFFF"/>
-                </a:solidFill>
-              </a14:hiddenFill>
-            </a:ext>
-            <a:ext uri="{91240B29-F687-4F45-9708-019B960494DF}">
-              <a14:hiddenLine xmlns:a14="http://schemas.microsoft.com/office/drawing/2010/main" w="9525">
-                <a:solidFill>
-                  <a:srgbClr val="000000"/>
-                </a:solidFill>
-                <a:miter lim="800000"/>
-                <a:headEnd/>
-                <a:tailEnd/>
-              </a14:hiddenLine>
-            </a:ext>
-          </a:extLst>
-        </p:spPr>
-        <p:txBody>
-          <a:bodyPr/>
-          <a:lstStyle>
-            <a:lvl1pPr eaLnBrk="0" hangingPunct="0">
-              <a:defRPr sz="2200">
-                <a:solidFill>
-                  <a:srgbClr val="FFFFFF"/>
-                </a:solidFill>
-                <a:latin typeface="Trebuchet MS" panose="020B0603020202020204" pitchFamily="34" charset="0"/>
-                <a:cs typeface="Times New Roman" panose="02020603050405020304" pitchFamily="18" charset="0"/>
-              </a:defRPr>
-            </a:lvl1pPr>
-            <a:lvl2pPr marL="742950" indent="-285750" eaLnBrk="0" hangingPunct="0">
-              <a:defRPr sz="2200">
-                <a:solidFill>
-                  <a:srgbClr val="FFFFFF"/>
-                </a:solidFill>
-                <a:latin typeface="Trebuchet MS" panose="020B0603020202020204" pitchFamily="34" charset="0"/>
-                <a:cs typeface="Times New Roman" panose="02020603050405020304" pitchFamily="18" charset="0"/>
-              </a:defRPr>
-            </a:lvl2pPr>
-            <a:lvl3pPr marL="1143000" indent="-228600" eaLnBrk="0" hangingPunct="0">
-              <a:defRPr sz="2200">
-                <a:solidFill>
-                  <a:srgbClr val="FFFFFF"/>
-                </a:solidFill>
-                <a:latin typeface="Trebuchet MS" panose="020B0603020202020204" pitchFamily="34" charset="0"/>
-                <a:cs typeface="Times New Roman" panose="02020603050405020304" pitchFamily="18" charset="0"/>
-              </a:defRPr>
-            </a:lvl3pPr>
-            <a:lvl4pPr marL="1600200" indent="-228600" eaLnBrk="0" hangingPunct="0">
-              <a:defRPr sz="2200">
-                <a:solidFill>
-                  <a:srgbClr val="FFFFFF"/>
-                </a:solidFill>
-                <a:latin typeface="Trebuchet MS" panose="020B0603020202020204" pitchFamily="34" charset="0"/>
-                <a:cs typeface="Times New Roman" panose="02020603050405020304" pitchFamily="18" charset="0"/>
-              </a:defRPr>
-            </a:lvl4pPr>
-            <a:lvl5pPr marL="2057400" indent="-228600" eaLnBrk="0" hangingPunct="0">
-              <a:defRPr sz="2200">
-                <a:solidFill>
-                  <a:srgbClr val="FFFFFF"/>
-                </a:solidFill>
-                <a:latin typeface="Trebuchet MS" panose="020B0603020202020204" pitchFamily="34" charset="0"/>
-                <a:cs typeface="Times New Roman" panose="02020603050405020304" pitchFamily="18" charset="0"/>
-              </a:defRPr>
-            </a:lvl5pPr>
-            <a:lvl6pPr marL="2514600" indent="-228600" eaLnBrk="0" fontAlgn="base" hangingPunct="0">
-              <a:spcBef>
-                <a:spcPct val="0"/>
-              </a:spcBef>
-              <a:spcAft>
-                <a:spcPct val="0"/>
-              </a:spcAft>
-              <a:defRPr sz="2200">
-                <a:solidFill>
-                  <a:srgbClr val="FFFFFF"/>
-                </a:solidFill>
-                <a:latin typeface="Trebuchet MS" panose="020B0603020202020204" pitchFamily="34" charset="0"/>
-                <a:cs typeface="Times New Roman" panose="02020603050405020304" pitchFamily="18" charset="0"/>
-              </a:defRPr>
-            </a:lvl6pPr>
-            <a:lvl7pPr marL="2971800" indent="-228600" eaLnBrk="0" fontAlgn="base" hangingPunct="0">
-              <a:spcBef>
-                <a:spcPct val="0"/>
-              </a:spcBef>
-              <a:spcAft>
-                <a:spcPct val="0"/>
-              </a:spcAft>
-              <a:defRPr sz="2200">
-                <a:solidFill>
-                  <a:srgbClr val="FFFFFF"/>
-                </a:solidFill>
-                <a:latin typeface="Trebuchet MS" panose="020B0603020202020204" pitchFamily="34" charset="0"/>
-                <a:cs typeface="Times New Roman" panose="02020603050405020304" pitchFamily="18" charset="0"/>
-              </a:defRPr>
-            </a:lvl7pPr>
-            <a:lvl8pPr marL="3429000" indent="-228600" eaLnBrk="0" fontAlgn="base" hangingPunct="0">
-              <a:spcBef>
-                <a:spcPct val="0"/>
-              </a:spcBef>
-              <a:spcAft>
-                <a:spcPct val="0"/>
-              </a:spcAft>
-              <a:defRPr sz="2200">
-                <a:solidFill>
-                  <a:srgbClr val="FFFFFF"/>
-                </a:solidFill>
-                <a:latin typeface="Trebuchet MS" panose="020B0603020202020204" pitchFamily="34" charset="0"/>
-                <a:cs typeface="Times New Roman" panose="02020603050405020304" pitchFamily="18" charset="0"/>
-              </a:defRPr>
-            </a:lvl8pPr>
-            <a:lvl9pPr marL="3886200" indent="-228600" eaLnBrk="0" fontAlgn="base" hangingPunct="0">
-              <a:spcBef>
-                <a:spcPct val="0"/>
-              </a:spcBef>
-              <a:spcAft>
-                <a:spcPct val="0"/>
-              </a:spcAft>
-              <a:defRPr sz="2200">
-                <a:solidFill>
-                  <a:srgbClr val="FFFFFF"/>
-                </a:solidFill>
-                <a:latin typeface="Trebuchet MS" panose="020B0603020202020204" pitchFamily="34" charset="0"/>
-                <a:cs typeface="Times New Roman" panose="02020603050405020304" pitchFamily="18" charset="0"/>
-              </a:defRPr>
-            </a:lvl9pPr>
-          </a:lstStyle>
-          <a:p>
-            <a:pPr eaLnBrk="1" hangingPunct="1"/>
-            <a:r>
-              <a:rPr lang="en-US" altLang="en-US" sz="1400" dirty="0" smtClean="0">
-                <a:solidFill>
-                  <a:schemeClr val="tx1"/>
-                </a:solidFill>
-              </a:rPr>
-              <a:t>2017  MN </a:t>
-            </a:r>
-            <a:r>
-              <a:rPr lang="en-US" altLang="en-US" sz="1400" i="1" dirty="0" smtClean="0">
-                <a:solidFill>
-                  <a:schemeClr val="tx1"/>
-                </a:solidFill>
-              </a:rPr>
-              <a:t>FIRST Jump Start</a:t>
-            </a:r>
-            <a:endParaRPr lang="en-US" altLang="en-US" sz="1400" dirty="0" smtClean="0">
-              <a:solidFill>
-                <a:schemeClr val="tx1"/>
-              </a:solidFill>
-            </a:endParaRPr>
-          </a:p>
-        </p:txBody>
-      </p:sp>
-      <p:sp>
-        <p:nvSpPr>
-          <p:cNvPr id="13316" name="Rectangle 3"/>
-          <p:cNvSpPr>
-            <a:spLocks noGrp="1" noChangeArrowheads="1"/>
-          </p:cNvSpPr>
-          <p:nvPr>
-            <p:ph type="subTitle" idx="1"/>
-          </p:nvPr>
-        </p:nvSpPr>
-        <p:spPr>
-          <a:xfrm>
-            <a:off x="1371600" y="3733800"/>
-            <a:ext cx="6400800" cy="1752600"/>
-          </a:xfrm>
-        </p:spPr>
-        <p:txBody>
-          <a:bodyPr/>
-          <a:lstStyle/>
-          <a:p>
-            <a:pPr eaLnBrk="1" hangingPunct="1"/>
-            <a:r>
-              <a:rPr lang="en-US" altLang="en-US" i="1" dirty="0" smtClean="0"/>
-              <a:t>Presented by:</a:t>
-            </a:r>
-          </a:p>
-          <a:p>
-            <a:pPr eaLnBrk="1" hangingPunct="1"/>
-            <a:r>
-              <a:rPr lang="en-US" altLang="en-US" dirty="0" smtClean="0"/>
-              <a:t>Todd Kruse, Team 3840</a:t>
-            </a:r>
-            <a:endParaRPr lang="en-US" altLang="en-US" dirty="0"/>
-          </a:p>
-          <a:p>
-            <a:pPr eaLnBrk="1" hangingPunct="1"/>
-            <a:r>
-              <a:rPr lang="en-US" altLang="en-US" dirty="0" smtClean="0"/>
-              <a:t>Steve Moe, Team 3026</a:t>
-            </a:r>
-          </a:p>
-          <a:p>
-            <a:pPr eaLnBrk="1" hangingPunct="1"/>
-            <a:r>
-              <a:rPr lang="en-US" altLang="en-US" dirty="0" smtClean="0"/>
-              <a:t>Chris Roadfeldt, Team 4607</a:t>
-            </a:r>
-          </a:p>
-        </p:txBody>
-      </p:sp>
-      <p:pic>
-        <p:nvPicPr>
-          <p:cNvPr id="2050" name="Picture 2" descr="https://lh3.googleusercontent.com/whV856uT_V-PMVpGMM2I--_xyYUcTkSA8pSILVGbTBdmffy87jvHb9d6CAKuAvxYZ8CZE4LaimRuIGq23GM-fyMcsIzGdzfEfZt0kscqkFy7iH7uqxMVUH-wHIWEX66AbDTmfUM9FN8"/>
-          <p:cNvPicPr>
-            <a:picLocks noChangeAspect="1" noChangeArrowheads="1"/>
-          </p:cNvPicPr>
-          <p:nvPr/>
-        </p:nvPicPr>
-        <p:blipFill>
-          <a:blip r:embed="rId3">
-            <a:extLst>
-              <a:ext uri="{28A0092B-C50C-407E-A947-70E740481C1C}">
-                <a14:useLocalDpi xmlns:a14="http://schemas.microsoft.com/office/drawing/2010/main" val="0"/>
-              </a:ext>
-            </a:extLst>
-          </a:blip>
-          <a:srcRect/>
-          <a:stretch>
-            <a:fillRect/>
-          </a:stretch>
-        </p:blipFill>
-        <p:spPr bwMode="auto">
-          <a:xfrm>
-            <a:off x="1219200" y="-651387"/>
-            <a:ext cx="6324600" cy="4038600"/>
-          </a:xfrm>
-          <a:prstGeom prst="rect">
-            <a:avLst/>
-          </a:prstGeom>
-          <a:noFill/>
-          <a:extLst>
-            <a:ext uri="{909E8E84-426E-40DD-AFC4-6F175D3DCCD1}">
-              <a14:hiddenFill xmlns:a14="http://schemas.microsoft.com/office/drawing/2010/main">
-                <a:solidFill>
-                  <a:srgbClr val="FFFFFF"/>
-                </a:solidFill>
-              </a14:hiddenFill>
-            </a:ext>
-          </a:extLst>
-        </p:spPr>
-      </p:pic>
-      <p:sp>
-        <p:nvSpPr>
-          <p:cNvPr id="13315" name="Rectangle 2"/>
-          <p:cNvSpPr>
-            <a:spLocks noGrp="1" noChangeArrowheads="1"/>
-          </p:cNvSpPr>
-          <p:nvPr>
-            <p:ph type="ctrTitle"/>
-          </p:nvPr>
-        </p:nvSpPr>
-        <p:spPr>
-          <a:xfrm>
-            <a:off x="762000" y="2209800"/>
-            <a:ext cx="5562600" cy="1143000"/>
-          </a:xfrm>
-        </p:spPr>
-        <p:txBody>
-          <a:bodyPr/>
-          <a:lstStyle/>
-          <a:p>
-            <a:pPr eaLnBrk="1" hangingPunct="1"/>
-            <a:r>
-              <a:rPr lang="en-US" altLang="en-US" dirty="0" smtClean="0"/>
-              <a:t>2018 Beta Testing Report</a:t>
-            </a:r>
-          </a:p>
-        </p:txBody>
-      </p:sp>
-    </p:spTree>
-  </p:cSld>
-  <p:clrMapOvr>
-    <a:masterClrMapping/>
-  </p:clrMapOvr>
-  <p:timing>
-    <p:tnLst>
-      <p:par>
-        <p:cTn id="1" dur="indefinite" restart="never" nodeType="tmRoot"/>
-      </p:par>
-    </p:tnLst>
-  </p:timing>
-</p:sld>
-</file>
-
-<file path=ppt/slides/slide30.xml><?xml version="1.0" encoding="utf-8"?>
+<file path=ppt/slides/slide35.xml><?xml version="1.0" encoding="utf-8"?>
 <p:sld xmlns:a="http://schemas.openxmlformats.org/drawingml/2006/main" xmlns:r="http://schemas.openxmlformats.org/officeDocument/2006/relationships" xmlns:p="http://schemas.openxmlformats.org/presentationml/2006/main">
   <p:cSld>
     <p:spTree>
@@ -12790,17 +14681,10 @@
   <p:clrMapOvr>
     <a:masterClrMapping/>
   </p:clrMapOvr>
-  <p:timing>
-    <p:tnLst>
-      <p:par>
-        <p:cTn id="1" dur="indefinite" restart="never" nodeType="tmRoot"/>
-      </p:par>
-    </p:tnLst>
-  </p:timing>
 </p:sld>
 </file>
 
-<file path=ppt/slides/slide31.xml><?xml version="1.0" encoding="utf-8"?>
+<file path=ppt/slides/slide36.xml><?xml version="1.0" encoding="utf-8"?>
 <p:sld xmlns:a="http://schemas.openxmlformats.org/drawingml/2006/main" xmlns:r="http://schemas.openxmlformats.org/officeDocument/2006/relationships" xmlns:p="http://schemas.openxmlformats.org/presentationml/2006/main">
   <p:cSld>
     <p:spTree>
@@ -12838,11 +14722,7 @@
             </a:r>
             <a:r>
               <a:rPr lang="en-US" sz="2800" dirty="0"/>
-              <a:t> Dynamo BLDC Motor with </a:t>
-            </a:r>
-            <a:r>
-              <a:rPr lang="en-US" sz="2800" dirty="0" smtClean="0"/>
-              <a:t>Controller</a:t>
+              <a:t> Dynamo BLDC Motor with Controller</a:t>
             </a:r>
             <a:endParaRPr lang="en-US" dirty="0"/>
           </a:p>
@@ -12904,11 +14784,7 @@
             </a:r>
             <a:r>
               <a:rPr lang="en-US" sz="2000" dirty="0"/>
-              <a:t>/PDP</a:t>
-            </a:r>
-            <a:r>
-              <a:rPr lang="en-US" sz="2000" dirty="0" smtClean="0"/>
-              <a:t>:</a:t>
+              <a:t>/PDP:</a:t>
             </a:r>
           </a:p>
           <a:p>
@@ -12945,7 +14821,7 @@
               <a:t>If the DIO connection comes loose, then the motor will race uncontrollably while the robot is Enabled. </a:t>
             </a:r>
             <a:r>
-              <a:rPr lang="en-US" sz="2000" b="1" dirty="0" smtClean="0">
+              <a:rPr lang="en-US" sz="2000" b="1" dirty="0">
                 <a:solidFill>
                   <a:schemeClr val="accent2">
                     <a:lumMod val="60000"/>
@@ -12960,7 +14836,7 @@
             <a:pPr marL="0" indent="0">
               <a:buNone/>
             </a:pPr>
-            <a:endParaRPr lang="en-US" sz="2000" b="1" dirty="0" smtClean="0">
+            <a:endParaRPr lang="en-US" sz="2000" b="1" dirty="0">
               <a:solidFill>
                 <a:schemeClr val="accent2">
                   <a:lumMod val="60000"/>
@@ -13006,17 +14882,10 @@
   <p:clrMapOvr>
     <a:masterClrMapping/>
   </p:clrMapOvr>
-  <p:timing>
-    <p:tnLst>
-      <p:par>
-        <p:cTn id="1" dur="indefinite" restart="never" nodeType="tmRoot"/>
-      </p:par>
-    </p:tnLst>
-  </p:timing>
 </p:sld>
 </file>
 
-<file path=ppt/slides/slide32.xml><?xml version="1.0" encoding="utf-8"?>
+<file path=ppt/slides/slide37.xml><?xml version="1.0" encoding="utf-8"?>
 <p:sld xmlns:a="http://schemas.openxmlformats.org/drawingml/2006/main" xmlns:r="http://schemas.openxmlformats.org/officeDocument/2006/relationships" xmlns:p="http://schemas.openxmlformats.org/presentationml/2006/main">
   <p:cSld>
     <p:spTree>
@@ -13076,21 +14945,13 @@
           <a:p>
             <a:r>
               <a:rPr lang="en-US" dirty="0"/>
-              <a:t>Consider your application carefully to account for this possibility. A racing beater bar isn't a problem, but a racing gripper might burn out the motor or damage the mechanism</a:t>
-            </a:r>
-            <a:r>
-              <a:rPr lang="en-US" dirty="0" smtClean="0"/>
-              <a:t>.</a:t>
-            </a:r>
-          </a:p>
-          <a:p>
-            <a:r>
-              <a:rPr lang="en-US" dirty="0" smtClean="0"/>
-              <a:t>You </a:t>
-            </a:r>
+              <a:t>Consider your application carefully to account for this possibility. A racing beater bar isn't a problem, but a racing gripper might burn out the motor or damage the mechanism.</a:t>
+            </a:r>
+          </a:p>
+          <a:p>
             <a:r>
               <a:rPr lang="en-US" dirty="0"/>
-              <a:t>can program in a safety override to disable the motor with a button, or to automatically disable the motor if it isn't being sent a power command.</a:t>
+              <a:t>You can program in a safety override to disable the motor with a button, or to automatically disable the motor if it isn't being sent a power command.</a:t>
             </a:r>
           </a:p>
         </p:txBody>
@@ -13133,17 +14994,10 @@
   <p:clrMapOvr>
     <a:masterClrMapping/>
   </p:clrMapOvr>
-  <p:timing>
-    <p:tnLst>
-      <p:par>
-        <p:cTn id="1" dur="indefinite" restart="never" nodeType="tmRoot"/>
-      </p:par>
-    </p:tnLst>
-  </p:timing>
 </p:sld>
 </file>
 
-<file path=ppt/slides/slide33.xml><?xml version="1.0" encoding="utf-8"?>
+<file path=ppt/slides/slide38.xml><?xml version="1.0" encoding="utf-8"?>
 <p:sld xmlns:a="http://schemas.openxmlformats.org/drawingml/2006/main" xmlns:r="http://schemas.openxmlformats.org/officeDocument/2006/relationships" xmlns:p="http://schemas.openxmlformats.org/presentationml/2006/main">
   <p:cSld>
     <p:spTree>
@@ -13343,17 +15197,10 @@
   <p:clrMapOvr>
     <a:masterClrMapping/>
   </p:clrMapOvr>
-  <p:timing>
-    <p:tnLst>
-      <p:par>
-        <p:cTn id="1" dur="indefinite" restart="never" nodeType="tmRoot"/>
-      </p:par>
-    </p:tnLst>
-  </p:timing>
 </p:sld>
 </file>
 
-<file path=ppt/slides/slide34.xml><?xml version="1.0" encoding="utf-8"?>
+<file path=ppt/slides/slide39.xml><?xml version="1.0" encoding="utf-8"?>
 <p:sld xmlns:a="http://schemas.openxmlformats.org/drawingml/2006/main" xmlns:r="http://schemas.openxmlformats.org/officeDocument/2006/relationships" xmlns:p="http://schemas.openxmlformats.org/presentationml/2006/main">
   <p:cSld>
     <p:spTree>
@@ -13391,24 +15238,19 @@
             </a:r>
             <a:r>
               <a:rPr lang="en-US" sz="2800" dirty="0"/>
-              <a:t> Dynamo BLDC Motor with </a:t>
-            </a:r>
-            <a:r>
-              <a:rPr lang="en-US" sz="2800" dirty="0" smtClean="0"/>
-              <a:t>Controller</a:t>
+              <a:t> Dynamo BLDC Motor with Controller</a:t>
             </a:r>
             <a:br>
-              <a:rPr lang="en-US" sz="2800" dirty="0" smtClean="0"/>
+              <a:rPr lang="en-US" sz="2800" dirty="0"/>
             </a:br>
             <a:r>
-              <a:rPr lang="en-US" sz="2800" dirty="0" err="1" smtClean="0"/>
+              <a:rPr lang="en-US" sz="2800" dirty="0" err="1"/>
               <a:t>LabView</a:t>
             </a:r>
             <a:r>
-              <a:rPr lang="en-US" sz="2800" dirty="0" smtClean="0"/>
+              <a:rPr lang="en-US" sz="2800" dirty="0"/>
               <a:t> Example</a:t>
             </a:r>
-            <a:endParaRPr lang="en-US" sz="2800" dirty="0"/>
           </a:p>
         </p:txBody>
       </p:sp>
@@ -13545,17 +15387,10 @@
   <p:clrMapOvr>
     <a:masterClrMapping/>
   </p:clrMapOvr>
-  <p:timing>
-    <p:tnLst>
-      <p:par>
-        <p:cTn id="1" dur="indefinite" restart="never" nodeType="tmRoot"/>
-      </p:par>
-    </p:tnLst>
-  </p:timing>
 </p:sld>
 </file>
 
-<file path=ppt/slides/slide35.xml><?xml version="1.0" encoding="utf-8"?>
+<file path=ppt/slides/slide4.xml><?xml version="1.0" encoding="utf-8"?>
 <p:sld xmlns:a="http://schemas.openxmlformats.org/drawingml/2006/main" xmlns:r="http://schemas.openxmlformats.org/officeDocument/2006/relationships" xmlns:p="http://schemas.openxmlformats.org/presentationml/2006/main">
   <p:cSld>
     <p:spTree>
@@ -13574,7 +15409,7 @@
       </p:grpSpPr>
       <p:sp>
         <p:nvSpPr>
-          <p:cNvPr id="2" name="Title 1"/>
+          <p:cNvPr id="14338" name="Title 1"/>
           <p:cNvSpPr>
             <a:spLocks noGrp="1"/>
           </p:cNvSpPr>
@@ -13587,26 +15422,360 @@
           <a:bodyPr/>
           <a:lstStyle/>
           <a:p>
+            <a:pPr eaLnBrk="1" hangingPunct="1"/>
+            <a:r>
+              <a:rPr lang="en-US" dirty="0"/>
+              <a:t>Who we are?</a:t>
+            </a:r>
+            <a:endParaRPr lang="en-US" altLang="en-US" dirty="0"/>
+          </a:p>
+        </p:txBody>
+      </p:sp>
+      <p:sp>
+        <p:nvSpPr>
+          <p:cNvPr id="14339" name="Content Placeholder 2"/>
+          <p:cNvSpPr>
+            <a:spLocks noGrp="1"/>
+          </p:cNvSpPr>
+          <p:nvPr>
+            <p:ph idx="1"/>
+          </p:nvPr>
+        </p:nvSpPr>
+        <p:spPr>
+          <a:xfrm>
+            <a:off x="685800" y="1981200"/>
+            <a:ext cx="7772400" cy="3581400"/>
+          </a:xfrm>
+        </p:spPr>
+        <p:txBody>
+          <a:bodyPr/>
+          <a:lstStyle/>
+          <a:p>
+            <a:pPr eaLnBrk="1" hangingPunct="1">
+              <a:buFont typeface="Wingdings" panose="05000000000000000000" pitchFamily="2" charset="2"/>
+              <a:buChar char="Ø"/>
+            </a:pPr>
+            <a:r>
+              <a:rPr lang="en-US" dirty="0"/>
+              <a:t>Team 3026 uses </a:t>
+            </a:r>
+            <a:r>
+              <a:rPr lang="en-US" dirty="0" err="1"/>
+              <a:t>LabView</a:t>
+            </a:r>
+            <a:r>
+              <a:rPr lang="en-US" dirty="0"/>
+              <a:t> Code. </a:t>
+            </a:r>
+          </a:p>
+          <a:p>
+            <a:pPr eaLnBrk="1" hangingPunct="1">
+              <a:buFont typeface="Wingdings" panose="05000000000000000000" pitchFamily="2" charset="2"/>
+              <a:buChar char="Ø"/>
+            </a:pPr>
+            <a:r>
+              <a:rPr lang="en-US" dirty="0"/>
+              <a:t>Team 3840 uses Java Code.</a:t>
+            </a:r>
+          </a:p>
+          <a:p>
+            <a:pPr eaLnBrk="1" hangingPunct="1">
+              <a:buFont typeface="Wingdings" panose="05000000000000000000" pitchFamily="2" charset="2"/>
+              <a:buChar char="Ø"/>
+            </a:pPr>
+            <a:r>
+              <a:rPr lang="en-US" dirty="0"/>
+              <a:t>Team 4607 used C++ in 2016/2017.</a:t>
+            </a:r>
+          </a:p>
+          <a:p>
+            <a:pPr eaLnBrk="1" hangingPunct="1">
+              <a:buFont typeface="Wingdings" panose="05000000000000000000" pitchFamily="2" charset="2"/>
+              <a:buChar char="Ø"/>
+            </a:pPr>
+            <a:r>
+              <a:rPr lang="en-US" altLang="en-US" dirty="0"/>
+              <a:t>We are all lead programming mentors for our team’s.  Chris and Todd are also are CSA’s during regional and off season events.</a:t>
+            </a:r>
+          </a:p>
+          <a:p>
+            <a:pPr eaLnBrk="1" hangingPunct="1">
+              <a:buFont typeface="Wingdings" panose="05000000000000000000" pitchFamily="2" charset="2"/>
+              <a:buChar char="Ø"/>
+            </a:pPr>
+            <a:endParaRPr lang="en-US" altLang="en-US" dirty="0"/>
+          </a:p>
+        </p:txBody>
+      </p:sp>
+      <p:sp>
+        <p:nvSpPr>
+          <p:cNvPr id="14340" name="Footer Placeholder 3"/>
+          <p:cNvSpPr>
+            <a:spLocks noGrp="1"/>
+          </p:cNvSpPr>
+          <p:nvPr>
+            <p:ph type="ftr" sz="quarter" idx="10"/>
+          </p:nvPr>
+        </p:nvSpPr>
+        <p:spPr>
+          <a:noFill/>
+          <a:ln/>
+          <a:extLst>
+            <a:ext uri="{909E8E84-426E-40DD-AFC4-6F175D3DCCD1}">
+              <a14:hiddenFill xmlns:a14="http://schemas.microsoft.com/office/drawing/2010/main">
+                <a:solidFill>
+                  <a:srgbClr val="FFFFFF"/>
+                </a:solidFill>
+              </a14:hiddenFill>
+            </a:ext>
+            <a:ext uri="{91240B29-F687-4F45-9708-019B960494DF}">
+              <a14:hiddenLine xmlns:a14="http://schemas.microsoft.com/office/drawing/2010/main" w="9525">
+                <a:solidFill>
+                  <a:srgbClr val="000000"/>
+                </a:solidFill>
+                <a:miter lim="800000"/>
+                <a:headEnd/>
+                <a:tailEnd/>
+              </a14:hiddenLine>
+            </a:ext>
+          </a:extLst>
+        </p:spPr>
+        <p:txBody>
+          <a:bodyPr/>
+          <a:lstStyle>
+            <a:lvl1pPr eaLnBrk="0" hangingPunct="0">
+              <a:defRPr sz="2200">
+                <a:solidFill>
+                  <a:srgbClr val="FFFFFF"/>
+                </a:solidFill>
+                <a:latin typeface="Trebuchet MS" panose="020B0603020202020204" pitchFamily="34" charset="0"/>
+                <a:cs typeface="Times New Roman" panose="02020603050405020304" pitchFamily="18" charset="0"/>
+              </a:defRPr>
+            </a:lvl1pPr>
+            <a:lvl2pPr marL="742950" indent="-285750" eaLnBrk="0" hangingPunct="0">
+              <a:defRPr sz="2200">
+                <a:solidFill>
+                  <a:srgbClr val="FFFFFF"/>
+                </a:solidFill>
+                <a:latin typeface="Trebuchet MS" panose="020B0603020202020204" pitchFamily="34" charset="0"/>
+                <a:cs typeface="Times New Roman" panose="02020603050405020304" pitchFamily="18" charset="0"/>
+              </a:defRPr>
+            </a:lvl2pPr>
+            <a:lvl3pPr marL="1143000" indent="-228600" eaLnBrk="0" hangingPunct="0">
+              <a:defRPr sz="2200">
+                <a:solidFill>
+                  <a:srgbClr val="FFFFFF"/>
+                </a:solidFill>
+                <a:latin typeface="Trebuchet MS" panose="020B0603020202020204" pitchFamily="34" charset="0"/>
+                <a:cs typeface="Times New Roman" panose="02020603050405020304" pitchFamily="18" charset="0"/>
+              </a:defRPr>
+            </a:lvl3pPr>
+            <a:lvl4pPr marL="1600200" indent="-228600" eaLnBrk="0" hangingPunct="0">
+              <a:defRPr sz="2200">
+                <a:solidFill>
+                  <a:srgbClr val="FFFFFF"/>
+                </a:solidFill>
+                <a:latin typeface="Trebuchet MS" panose="020B0603020202020204" pitchFamily="34" charset="0"/>
+                <a:cs typeface="Times New Roman" panose="02020603050405020304" pitchFamily="18" charset="0"/>
+              </a:defRPr>
+            </a:lvl4pPr>
+            <a:lvl5pPr marL="2057400" indent="-228600" eaLnBrk="0" hangingPunct="0">
+              <a:defRPr sz="2200">
+                <a:solidFill>
+                  <a:srgbClr val="FFFFFF"/>
+                </a:solidFill>
+                <a:latin typeface="Trebuchet MS" panose="020B0603020202020204" pitchFamily="34" charset="0"/>
+                <a:cs typeface="Times New Roman" panose="02020603050405020304" pitchFamily="18" charset="0"/>
+              </a:defRPr>
+            </a:lvl5pPr>
+            <a:lvl6pPr marL="2514600" indent="-228600" eaLnBrk="0" fontAlgn="base" hangingPunct="0">
+              <a:spcBef>
+                <a:spcPct val="0"/>
+              </a:spcBef>
+              <a:spcAft>
+                <a:spcPct val="0"/>
+              </a:spcAft>
+              <a:defRPr sz="2200">
+                <a:solidFill>
+                  <a:srgbClr val="FFFFFF"/>
+                </a:solidFill>
+                <a:latin typeface="Trebuchet MS" panose="020B0603020202020204" pitchFamily="34" charset="0"/>
+                <a:cs typeface="Times New Roman" panose="02020603050405020304" pitchFamily="18" charset="0"/>
+              </a:defRPr>
+            </a:lvl6pPr>
+            <a:lvl7pPr marL="2971800" indent="-228600" eaLnBrk="0" fontAlgn="base" hangingPunct="0">
+              <a:spcBef>
+                <a:spcPct val="0"/>
+              </a:spcBef>
+              <a:spcAft>
+                <a:spcPct val="0"/>
+              </a:spcAft>
+              <a:defRPr sz="2200">
+                <a:solidFill>
+                  <a:srgbClr val="FFFFFF"/>
+                </a:solidFill>
+                <a:latin typeface="Trebuchet MS" panose="020B0603020202020204" pitchFamily="34" charset="0"/>
+                <a:cs typeface="Times New Roman" panose="02020603050405020304" pitchFamily="18" charset="0"/>
+              </a:defRPr>
+            </a:lvl7pPr>
+            <a:lvl8pPr marL="3429000" indent="-228600" eaLnBrk="0" fontAlgn="base" hangingPunct="0">
+              <a:spcBef>
+                <a:spcPct val="0"/>
+              </a:spcBef>
+              <a:spcAft>
+                <a:spcPct val="0"/>
+              </a:spcAft>
+              <a:defRPr sz="2200">
+                <a:solidFill>
+                  <a:srgbClr val="FFFFFF"/>
+                </a:solidFill>
+                <a:latin typeface="Trebuchet MS" panose="020B0603020202020204" pitchFamily="34" charset="0"/>
+                <a:cs typeface="Times New Roman" panose="02020603050405020304" pitchFamily="18" charset="0"/>
+              </a:defRPr>
+            </a:lvl8pPr>
+            <a:lvl9pPr marL="3886200" indent="-228600" eaLnBrk="0" fontAlgn="base" hangingPunct="0">
+              <a:spcBef>
+                <a:spcPct val="0"/>
+              </a:spcBef>
+              <a:spcAft>
+                <a:spcPct val="0"/>
+              </a:spcAft>
+              <a:defRPr sz="2200">
+                <a:solidFill>
+                  <a:srgbClr val="FFFFFF"/>
+                </a:solidFill>
+                <a:latin typeface="Trebuchet MS" panose="020B0603020202020204" pitchFamily="34" charset="0"/>
+                <a:cs typeface="Times New Roman" panose="02020603050405020304" pitchFamily="18" charset="0"/>
+              </a:defRPr>
+            </a:lvl9pPr>
+          </a:lstStyle>
+          <a:p>
+            <a:pPr eaLnBrk="1" hangingPunct="1"/>
+            <a:r>
+              <a:rPr lang="en-US" altLang="en-US" sz="1400" dirty="0">
+                <a:solidFill>
+                  <a:schemeClr val="tx1"/>
+                </a:solidFill>
+              </a:rPr>
+              <a:t>2017  MN </a:t>
+            </a:r>
+            <a:r>
+              <a:rPr lang="en-US" altLang="en-US" sz="1400" i="1" dirty="0">
+                <a:solidFill>
+                  <a:schemeClr val="tx1"/>
+                </a:solidFill>
+              </a:rPr>
+              <a:t>FIRST Jump Start</a:t>
+            </a:r>
+            <a:endParaRPr lang="en-US" altLang="en-US" sz="1400" dirty="0">
+              <a:solidFill>
+                <a:schemeClr val="tx1"/>
+              </a:solidFill>
+            </a:endParaRPr>
+          </a:p>
+        </p:txBody>
+      </p:sp>
+      <p:pic>
+        <p:nvPicPr>
+          <p:cNvPr id="5" name="Picture 2" descr="https://lh3.googleusercontent.com/whV856uT_V-PMVpGMM2I--_xyYUcTkSA8pSILVGbTBdmffy87jvHb9d6CAKuAvxYZ8CZE4LaimRuIGq23GM-fyMcsIzGdzfEfZt0kscqkFy7iH7uqxMVUH-wHIWEX66AbDTmfUM9FN8"/>
+          <p:cNvPicPr>
+            <a:picLocks noChangeAspect="1" noChangeArrowheads="1"/>
+          </p:cNvPicPr>
+          <p:nvPr/>
+        </p:nvPicPr>
+        <p:blipFill>
+          <a:blip r:embed="rId2">
+            <a:extLst>
+              <a:ext uri="{28A0092B-C50C-407E-A947-70E740481C1C}">
+                <a14:useLocalDpi xmlns:a14="http://schemas.microsoft.com/office/drawing/2010/main" val="0"/>
+              </a:ext>
+            </a:extLst>
+          </a:blip>
+          <a:srcRect/>
+          <a:stretch>
+            <a:fillRect/>
+          </a:stretch>
+        </p:blipFill>
+        <p:spPr bwMode="auto">
+          <a:xfrm>
+            <a:off x="6172200" y="5444963"/>
+            <a:ext cx="3505200" cy="2238260"/>
+          </a:xfrm>
+          <a:prstGeom prst="rect">
+            <a:avLst/>
+          </a:prstGeom>
+          <a:noFill/>
+          <a:extLst>
+            <a:ext uri="{909E8E84-426E-40DD-AFC4-6F175D3DCCD1}">
+              <a14:hiddenFill xmlns:a14="http://schemas.microsoft.com/office/drawing/2010/main">
+                <a:solidFill>
+                  <a:srgbClr val="FFFFFF"/>
+                </a:solidFill>
+              </a14:hiddenFill>
+            </a:ext>
+          </a:extLst>
+        </p:spPr>
+      </p:pic>
+    </p:spTree>
+    <p:extLst>
+      <p:ext uri="{BB962C8B-B14F-4D97-AF65-F5344CB8AC3E}">
+        <p14:creationId xmlns:p14="http://schemas.microsoft.com/office/powerpoint/2010/main" val="818498106"/>
+      </p:ext>
+    </p:extLst>
+  </p:cSld>
+  <p:clrMapOvr>
+    <a:masterClrMapping/>
+  </p:clrMapOvr>
+</p:sld>
+</file>
+
+<file path=ppt/slides/slide40.xml><?xml version="1.0" encoding="utf-8"?>
+<p:sld xmlns:a="http://schemas.openxmlformats.org/drawingml/2006/main" xmlns:r="http://schemas.openxmlformats.org/officeDocument/2006/relationships" xmlns:p="http://schemas.openxmlformats.org/presentationml/2006/main">
+  <p:cSld>
+    <p:spTree>
+      <p:nvGrpSpPr>
+        <p:cNvPr id="1" name=""/>
+        <p:cNvGrpSpPr/>
+        <p:nvPr/>
+      </p:nvGrpSpPr>
+      <p:grpSpPr>
+        <a:xfrm>
+          <a:off x="0" y="0"/>
+          <a:ext cx="0" cy="0"/>
+          <a:chOff x="0" y="0"/>
+          <a:chExt cx="0" cy="0"/>
+        </a:xfrm>
+      </p:grpSpPr>
+      <p:sp>
+        <p:nvSpPr>
+          <p:cNvPr id="2" name="Title 1"/>
+          <p:cNvSpPr>
+            <a:spLocks noGrp="1"/>
+          </p:cNvSpPr>
+          <p:nvPr>
+            <p:ph type="title"/>
+          </p:nvPr>
+        </p:nvSpPr>
+        <p:spPr/>
+        <p:txBody>
+          <a:bodyPr/>
+          <a:lstStyle/>
+          <a:p>
             <a:r>
               <a:rPr lang="en-US" sz="2800" dirty="0" err="1"/>
               <a:t>Nidec</a:t>
             </a:r>
             <a:r>
               <a:rPr lang="en-US" sz="2800" dirty="0"/>
-              <a:t> Dynamo BLDC Motor with </a:t>
-            </a:r>
-            <a:r>
-              <a:rPr lang="en-US" sz="2800" dirty="0" smtClean="0"/>
-              <a:t>Controller</a:t>
+              <a:t> Dynamo BLDC Motor with Controller</a:t>
             </a:r>
             <a:br>
-              <a:rPr lang="en-US" sz="2800" dirty="0" smtClean="0"/>
+              <a:rPr lang="en-US" sz="2800" dirty="0"/>
             </a:br>
             <a:r>
-              <a:rPr lang="en-US" sz="2800" dirty="0" smtClean="0"/>
+              <a:rPr lang="en-US" sz="2800" dirty="0"/>
               <a:t>Java Example</a:t>
             </a:r>
-            <a:endParaRPr lang="en-US" sz="2800" dirty="0"/>
           </a:p>
         </p:txBody>
       </p:sp>
@@ -13696,17 +15865,10 @@
   <p:clrMapOvr>
     <a:masterClrMapping/>
   </p:clrMapOvr>
-  <p:timing>
-    <p:tnLst>
-      <p:par>
-        <p:cTn id="1" dur="indefinite" restart="never" nodeType="tmRoot"/>
-      </p:par>
-    </p:tnLst>
-  </p:timing>
 </p:sld>
 </file>
 
-<file path=ppt/slides/slide36.xml><?xml version="1.0" encoding="utf-8"?>
+<file path=ppt/slides/slide41.xml><?xml version="1.0" encoding="utf-8"?>
 <p:sld xmlns:a="http://schemas.openxmlformats.org/drawingml/2006/main" xmlns:r="http://schemas.openxmlformats.org/officeDocument/2006/relationships" xmlns:p="http://schemas.openxmlformats.org/presentationml/2006/main">
   <p:cSld>
     <p:spTree>
@@ -13739,7 +15901,7 @@
           <a:lstStyle/>
           <a:p>
             <a:r>
-              <a:rPr lang="en-US" altLang="en-US" dirty="0" smtClean="0"/>
+              <a:rPr lang="en-US" altLang="en-US" dirty="0"/>
               <a:t>Resources</a:t>
             </a:r>
           </a:p>
@@ -13773,7 +15935,7 @@
               <a:buChar char="Ø"/>
             </a:pPr>
             <a:r>
-              <a:rPr lang="en-US" sz="2400" dirty="0" smtClean="0"/>
+              <a:rPr lang="en-US" sz="2400" dirty="0"/>
               <a:t>Installing the FRC 2018 Update Suite</a:t>
             </a:r>
           </a:p>
@@ -13786,20 +15948,12 @@
               <a:buChar char="Ø"/>
             </a:pPr>
             <a:r>
-              <a:rPr lang="en-US" sz="1800" u="sng" dirty="0" smtClean="0">
+              <a:rPr lang="en-US" sz="1800" u="sng" dirty="0">
                 <a:solidFill>
                   <a:schemeClr val="bg1"/>
                 </a:solidFill>
               </a:rPr>
-              <a:t>http</a:t>
-            </a:r>
-            <a:r>
-              <a:rPr lang="en-US" sz="1800" u="sng" dirty="0">
-                <a:solidFill>
-                  <a:schemeClr val="bg1"/>
-                </a:solidFill>
-              </a:rPr>
-              <a:t>://wpilib.screenstepslive.com/s/currentCS/m/getting_started/l/599670-installing-the-frc-2018-update-suite-all-languages</a:t>
+              <a:t>http://wpilib.screenstepslive.com/s/currentCS/m/getting_started/l/599670-installing-the-frc-2018-update-suite-all-languages</a:t>
             </a:r>
           </a:p>
           <a:p>
@@ -13811,26 +15965,10 @@
               <a:buChar char="Ø"/>
             </a:pPr>
             <a:r>
-              <a:rPr lang="en-US" dirty="0" smtClean="0"/>
-              <a:t>Getting </a:t>
-            </a:r>
-            <a:r>
               <a:rPr lang="en-US" dirty="0"/>
-              <a:t>Started with the </a:t>
-            </a:r>
-            <a:r>
-              <a:rPr lang="en-US" dirty="0" smtClean="0"/>
-              <a:t>2018 </a:t>
-            </a:r>
-            <a:r>
-              <a:rPr lang="en-US" dirty="0"/>
-              <a:t>Control </a:t>
-            </a:r>
-            <a:r>
-              <a:rPr lang="en-US" dirty="0" smtClean="0"/>
-              <a:t>System</a:t>
-            </a:r>
-            <a:endParaRPr lang="en-US" altLang="en-US" dirty="0" smtClean="0"/>
+              <a:t>Getting Started with the 2018 Control System</a:t>
+            </a:r>
+            <a:endParaRPr lang="en-US" altLang="en-US" dirty="0"/>
           </a:p>
           <a:p>
             <a:pPr lvl="1">
@@ -13841,117 +15979,15 @@
               <a:buChar char="Ø"/>
             </a:pPr>
             <a:r>
-              <a:rPr lang="en-US" altLang="en-US" sz="1800" u="sng" dirty="0" smtClean="0">
+              <a:rPr lang="en-US" altLang="en-US" sz="1800" u="sng" dirty="0">
                 <a:solidFill>
                   <a:schemeClr val="bg1"/>
                 </a:solidFill>
                 <a:hlinkClick r:id="rId2"/>
               </a:rPr>
-              <a:t>https</a:t>
-            </a:r>
-            <a:r>
-              <a:rPr lang="en-US" altLang="en-US" sz="1800" u="sng" dirty="0">
-                <a:solidFill>
-                  <a:schemeClr val="bg1"/>
-                </a:solidFill>
-                <a:hlinkClick r:id="rId2"/>
-              </a:rPr>
-              <a:t>://</a:t>
-            </a:r>
-            <a:r>
-              <a:rPr lang="en-US" altLang="en-US" sz="1800" u="sng" dirty="0" smtClean="0">
-                <a:solidFill>
-                  <a:schemeClr val="bg1"/>
-                </a:solidFill>
-                <a:hlinkClick r:id="rId2"/>
-              </a:rPr>
-              <a:t>wpilib.screenstepslive.com/s/4485/m/13503</a:t>
-            </a:r>
-            <a:endParaRPr lang="en-US" altLang="en-US" sz="1800" u="sng" dirty="0" smtClean="0">
-              <a:solidFill>
-                <a:schemeClr val="bg1"/>
-              </a:solidFill>
-            </a:endParaRPr>
-          </a:p>
-          <a:p>
-            <a:pPr marL="457200" lvl="1" indent="0">
-              <a:lnSpc>
-                <a:spcPct val="90000"/>
-              </a:lnSpc>
-              <a:buNone/>
-            </a:pPr>
-            <a:endParaRPr lang="en-US" altLang="en-US" sz="1800" u="sng" dirty="0" smtClean="0">
-              <a:solidFill>
-                <a:schemeClr val="bg1"/>
-              </a:solidFill>
-            </a:endParaRPr>
-          </a:p>
-          <a:p>
-            <a:pPr>
-              <a:lnSpc>
-                <a:spcPct val="90000"/>
-              </a:lnSpc>
-              <a:buFont typeface="Wingdings" panose="05000000000000000000" pitchFamily="2" charset="2"/>
-              <a:buChar char="Ø"/>
-            </a:pPr>
-            <a:r>
-              <a:rPr lang="en-US" sz="2400" b="1" dirty="0" smtClean="0">
-                <a:latin typeface="+mj-lt"/>
-              </a:rPr>
-              <a:t>Configuring </a:t>
-            </a:r>
-            <a:r>
-              <a:rPr lang="en-US" sz="2400" b="1" dirty="0">
-                <a:latin typeface="+mj-lt"/>
-              </a:rPr>
-              <a:t>an Axis </a:t>
-            </a:r>
-            <a:r>
-              <a:rPr lang="en-US" sz="2400" b="1" dirty="0" smtClean="0">
-                <a:latin typeface="+mj-lt"/>
-              </a:rPr>
-              <a:t>Camera</a:t>
-            </a:r>
-            <a:endParaRPr lang="en-US" sz="2400" dirty="0" smtClean="0">
-              <a:latin typeface="+mj-lt"/>
-            </a:endParaRPr>
-          </a:p>
-          <a:p>
-            <a:pPr lvl="1">
-              <a:lnSpc>
-                <a:spcPct val="90000"/>
-              </a:lnSpc>
-              <a:buFont typeface="Wingdings" panose="05000000000000000000" pitchFamily="2" charset="2"/>
-              <a:buChar char="Ø"/>
-            </a:pPr>
-            <a:r>
-              <a:rPr lang="en-US" altLang="en-US" sz="1800" u="sng" dirty="0" smtClean="0">
-                <a:solidFill>
-                  <a:schemeClr val="bg1"/>
-                </a:solidFill>
-                <a:hlinkClick r:id="rId3"/>
-              </a:rPr>
-              <a:t>https</a:t>
-            </a:r>
-            <a:r>
-              <a:rPr lang="en-US" altLang="en-US" sz="1800" u="sng" dirty="0">
-                <a:solidFill>
-                  <a:schemeClr val="bg1"/>
-                </a:solidFill>
-                <a:hlinkClick r:id="rId3"/>
-              </a:rPr>
-              <a:t>://</a:t>
-            </a:r>
-            <a:r>
-              <a:rPr lang="en-US" altLang="en-US" sz="1800" u="sng" dirty="0" smtClean="0">
-                <a:solidFill>
-                  <a:schemeClr val="bg1"/>
-                </a:solidFill>
-                <a:hlinkClick r:id="rId3"/>
-              </a:rPr>
-              <a:t>wpilib.screenstepslive.com/s/4485/m/24194/l/144985-configuring-an-axis-camera?id=144985-configuring-an-axis-camera</a:t>
-            </a:r>
-            <a:endParaRPr lang="en-US" altLang="en-US" sz="1800" u="sng" dirty="0" smtClean="0">
+              <a:t>https://wpilib.screenstepslive.com/s/4485/m/13503</a:t>
+            </a:r>
+            <a:endParaRPr lang="en-US" altLang="en-US" sz="1800" u="sng" dirty="0">
               <a:solidFill>
                 <a:schemeClr val="bg1"/>
               </a:solidFill>
@@ -13979,24 +16015,12 @@
               <a:buChar char="Ø"/>
             </a:pPr>
             <a:r>
-              <a:rPr lang="en-US" sz="2400" dirty="0" smtClean="0">
+              <a:rPr lang="en-US" sz="2400" b="1" dirty="0">
                 <a:latin typeface="+mj-lt"/>
               </a:rPr>
-              <a:t>FRC </a:t>
-            </a:r>
-            <a:r>
-              <a:rPr lang="en-US" sz="2400" dirty="0">
-                <a:latin typeface="+mj-lt"/>
-              </a:rPr>
-              <a:t>Driver Station Powered by NI </a:t>
-            </a:r>
-            <a:r>
-              <a:rPr lang="en-US" sz="2400" dirty="0" smtClean="0">
-                <a:latin typeface="+mj-lt"/>
-              </a:rPr>
-              <a:t>LabVIEW</a:t>
-            </a:r>
-            <a:endParaRPr lang="en-US" altLang="en-US" sz="2400" dirty="0" smtClean="0">
+              <a:t>Configuring an Axis Camera</a:t>
+            </a:r>
+            <a:endParaRPr lang="en-US" sz="2400" dirty="0">
               <a:latin typeface="+mj-lt"/>
             </a:endParaRPr>
           </a:p>
@@ -14009,7 +16033,61 @@
               <a:buChar char="Ø"/>
             </a:pPr>
             <a:r>
-              <a:rPr lang="en-US" altLang="en-US" sz="1800" u="sng" dirty="0" smtClean="0">
+              <a:rPr lang="en-US" altLang="en-US" sz="1800" u="sng" dirty="0">
+                <a:solidFill>
+                  <a:schemeClr val="bg1"/>
+                </a:solidFill>
+                <a:hlinkClick r:id="rId3"/>
+              </a:rPr>
+              <a:t>https://wpilib.screenstepslive.com/s/4485/m/24194/l/144985-configuring-an-axis-camera?id=144985-configuring-an-axis-camera</a:t>
+            </a:r>
+            <a:endParaRPr lang="en-US" altLang="en-US" sz="1800" u="sng" dirty="0">
+              <a:solidFill>
+                <a:schemeClr val="bg1"/>
+              </a:solidFill>
+            </a:endParaRPr>
+          </a:p>
+          <a:p>
+            <a:pPr marL="457200" lvl="1" indent="0">
+              <a:lnSpc>
+                <a:spcPct val="90000"/>
+              </a:lnSpc>
+              <a:buNone/>
+            </a:pPr>
+            <a:endParaRPr lang="en-US" altLang="en-US" sz="1800" u="sng" dirty="0">
+              <a:solidFill>
+                <a:schemeClr val="bg1"/>
+              </a:solidFill>
+            </a:endParaRPr>
+          </a:p>
+          <a:p>
+            <a:pPr>
+              <a:lnSpc>
+                <a:spcPct val="90000"/>
+              </a:lnSpc>
+              <a:buFont typeface="Wingdings" panose="05000000000000000000" pitchFamily="2" charset="2"/>
+              <a:buChar char="Ø"/>
+            </a:pPr>
+            <a:r>
+              <a:rPr lang="en-US" sz="2400" dirty="0">
+                <a:latin typeface="+mj-lt"/>
+              </a:rPr>
+              <a:t>FRC Driver Station Powered by NI LabVIEW</a:t>
+            </a:r>
+            <a:endParaRPr lang="en-US" altLang="en-US" sz="2400" dirty="0">
+              <a:latin typeface="+mj-lt"/>
+            </a:endParaRPr>
+          </a:p>
+          <a:p>
+            <a:pPr lvl="1">
+              <a:lnSpc>
+                <a:spcPct val="90000"/>
+              </a:lnSpc>
+              <a:buFont typeface="Wingdings" panose="05000000000000000000" pitchFamily="2" charset="2"/>
+              <a:buChar char="Ø"/>
+            </a:pPr>
+            <a:r>
+              <a:rPr lang="en-US" altLang="en-US" sz="1800" u="sng" dirty="0">
                 <a:solidFill>
                   <a:schemeClr val="bg1"/>
                 </a:solidFill>
@@ -14017,7 +16095,7 @@
               </a:rPr>
               <a:t>http://wpilib.screenstepslive.com/s/4485/m/24192/l/144976?data-resolve-url=true&amp;data-manual-id=24192</a:t>
             </a:r>
-            <a:endParaRPr lang="en-US" altLang="en-US" dirty="0" smtClean="0"/>
+            <a:endParaRPr lang="en-US" altLang="en-US" dirty="0"/>
           </a:p>
         </p:txBody>
       </p:sp>
@@ -14170,7 +16248,7 @@
           <a:p>
             <a:pPr eaLnBrk="1" hangingPunct="1"/>
             <a:r>
-              <a:rPr lang="en-US" altLang="en-US" sz="1400" dirty="0" smtClean="0">
+              <a:rPr lang="en-US" altLang="en-US" sz="1400" dirty="0">
                 <a:solidFill>
                   <a:schemeClr val="tx1"/>
                 </a:solidFill>
@@ -14178,7 +16256,7 @@
               <a:t>2017 MN </a:t>
             </a:r>
             <a:r>
-              <a:rPr lang="en-US" altLang="en-US" sz="1400" i="1" dirty="0" smtClean="0">
+              <a:rPr lang="en-US" altLang="en-US" sz="1400" i="1" dirty="0">
                 <a:solidFill>
                   <a:schemeClr val="tx1"/>
                 </a:solidFill>
@@ -14186,7 +16264,7 @@
               <a:t>FIRST</a:t>
             </a:r>
             <a:r>
-              <a:rPr lang="en-US" altLang="en-US" sz="1400" dirty="0" smtClean="0">
+              <a:rPr lang="en-US" altLang="en-US" sz="1400" dirty="0">
                 <a:solidFill>
                   <a:schemeClr val="tx1"/>
                 </a:solidFill>
@@ -14201,17 +16279,10 @@
   <p:clrMapOvr>
     <a:masterClrMapping/>
   </p:clrMapOvr>
-  <p:timing>
-    <p:tnLst>
-      <p:par>
-        <p:cTn id="1" dur="indefinite" restart="never" nodeType="tmRoot"/>
-      </p:par>
-    </p:tnLst>
-  </p:timing>
 </p:sld>
 </file>
 
-<file path=ppt/slides/slide37.xml><?xml version="1.0" encoding="utf-8"?>
+<file path=ppt/slides/slide42.xml><?xml version="1.0" encoding="utf-8"?>
 <p:sld xmlns:a="http://schemas.openxmlformats.org/drawingml/2006/main" xmlns:r="http://schemas.openxmlformats.org/officeDocument/2006/relationships" xmlns:p="http://schemas.openxmlformats.org/presentationml/2006/main">
   <p:cSld>
     <p:spTree>
@@ -14244,10 +16315,9 @@
           <a:lstStyle/>
           <a:p>
             <a:r>
-              <a:rPr lang="en-US" dirty="0" smtClean="0"/>
+              <a:rPr lang="en-US" dirty="0"/>
               <a:t>Questions / Comments</a:t>
             </a:r>
-            <a:endParaRPr lang="en-US" dirty="0"/>
           </a:p>
         </p:txBody>
       </p:sp>
@@ -14357,17 +16427,10 @@
   <p:clrMapOvr>
     <a:masterClrMapping/>
   </p:clrMapOvr>
-  <p:timing>
-    <p:tnLst>
-      <p:par>
-        <p:cTn id="1" dur="indefinite" restart="never" nodeType="tmRoot"/>
-      </p:par>
-    </p:tnLst>
-  </p:timing>
 </p:sld>
 </file>
 
-<file path=ppt/slides/slide4.xml><?xml version="1.0" encoding="utf-8"?>
+<file path=ppt/slides/slide5.xml><?xml version="1.0" encoding="utf-8"?>
 <p:sld xmlns:a="http://schemas.openxmlformats.org/drawingml/2006/main" xmlns:r="http://schemas.openxmlformats.org/officeDocument/2006/relationships" xmlns:p="http://schemas.openxmlformats.org/presentationml/2006/main">
   <p:cSld>
     <p:spTree>
@@ -14401,10 +16464,9 @@
           <a:p>
             <a:pPr eaLnBrk="1" hangingPunct="1"/>
             <a:r>
-              <a:rPr lang="en-US" dirty="0" smtClean="0"/>
-              <a:t>Who we are?</a:t>
-            </a:r>
-            <a:endParaRPr lang="en-US" altLang="en-US" dirty="0" smtClean="0"/>
+              <a:rPr lang="en-US" altLang="en-US" dirty="0"/>
+              <a:t>What are we going to review?</a:t>
+            </a:r>
           </a:p>
         </p:txBody>
       </p:sp>
@@ -14420,8 +16482,8 @@
         </p:nvSpPr>
         <p:spPr>
           <a:xfrm>
-            <a:off x="685800" y="1981200"/>
-            <a:ext cx="7772400" cy="3581400"/>
+            <a:off x="717755" y="1905000"/>
+            <a:ext cx="7772400" cy="4114800"/>
           </a:xfrm>
         </p:spPr>
         <p:txBody>
@@ -14434,21 +16496,8 @@
             </a:pPr>
             <a:r>
               <a:rPr lang="en-US" dirty="0"/>
-              <a:t>Team 3026 uses </a:t>
-            </a:r>
-            <a:r>
-              <a:rPr lang="en-US" dirty="0" err="1"/>
-              <a:t>LabView</a:t>
-            </a:r>
-            <a:r>
-              <a:rPr lang="en-US" dirty="0"/>
-              <a:t> </a:t>
-            </a:r>
-            <a:r>
-              <a:rPr lang="en-US" dirty="0" smtClean="0"/>
-              <a:t>Code. </a:t>
-            </a:r>
-            <a:endParaRPr lang="en-US" dirty="0"/>
+              <a:t>What is Beta Testing?</a:t>
+            </a:r>
           </a:p>
           <a:p>
             <a:pPr eaLnBrk="1" hangingPunct="1">
@@ -14457,11 +16506,7 @@
             </a:pPr>
             <a:r>
               <a:rPr lang="en-US" dirty="0"/>
-              <a:t>Team 3840 uses Java Code</a:t>
-            </a:r>
-            <a:r>
-              <a:rPr lang="en-US" dirty="0" smtClean="0"/>
-              <a:t>.</a:t>
+              <a:t>Goals of Beta Testing.</a:t>
             </a:r>
           </a:p>
           <a:p>
@@ -14470,10 +16515,9 @@
               <a:buChar char="Ø"/>
             </a:pPr>
             <a:r>
-              <a:rPr lang="en-US" dirty="0" smtClean="0"/>
-              <a:t>Team 4607 uses C++.</a:t>
-            </a:r>
-            <a:endParaRPr lang="en-US" dirty="0"/>
+              <a:rPr lang="en-US" dirty="0"/>
+              <a:t>Over View of software changes.</a:t>
+            </a:r>
           </a:p>
           <a:p>
             <a:pPr eaLnBrk="1" hangingPunct="1">
@@ -14481,8 +16525,18 @@
               <a:buChar char="Ø"/>
             </a:pPr>
             <a:r>
-              <a:rPr lang="en-US" altLang="en-US" dirty="0" smtClean="0"/>
-              <a:t>We are all lead programming mentors for our team’s.  Chris and Todd are also are CSA’s during regional events.</a:t>
+              <a:rPr lang="en-US" altLang="en-US" dirty="0"/>
+              <a:t>Installation changes.</a:t>
+            </a:r>
+          </a:p>
+          <a:p>
+            <a:pPr lvl="1" eaLnBrk="1" hangingPunct="1">
+              <a:buFont typeface="Wingdings" panose="05000000000000000000" pitchFamily="2" charset="2"/>
+              <a:buChar char="Ø"/>
+            </a:pPr>
+            <a:r>
+              <a:rPr lang="en-US" altLang="en-US" dirty="0"/>
+              <a:t>Install order</a:t>
             </a:r>
           </a:p>
           <a:p>
@@ -14490,7 +16544,54 @@
               <a:buFont typeface="Wingdings" panose="05000000000000000000" pitchFamily="2" charset="2"/>
               <a:buChar char="Ø"/>
             </a:pPr>
-            <a:endParaRPr lang="en-US" altLang="en-US" dirty="0" smtClean="0"/>
+            <a:r>
+              <a:rPr lang="en-US" altLang="en-US" dirty="0"/>
+              <a:t>Image tool, Radio configuration, DS changes</a:t>
+            </a:r>
+          </a:p>
+          <a:p>
+            <a:pPr eaLnBrk="1" hangingPunct="1">
+              <a:buFont typeface="Wingdings" panose="05000000000000000000" pitchFamily="2" charset="2"/>
+              <a:buChar char="Ø"/>
+            </a:pPr>
+            <a:r>
+              <a:rPr lang="en-US" altLang="en-US" dirty="0"/>
+              <a:t>New Brushless motor</a:t>
+            </a:r>
+          </a:p>
+          <a:p>
+            <a:pPr lvl="1" eaLnBrk="1" hangingPunct="1">
+              <a:buFont typeface="Wingdings" panose="05000000000000000000" pitchFamily="2" charset="2"/>
+              <a:buChar char="Ø"/>
+            </a:pPr>
+            <a:r>
+              <a:rPr lang="en-US" altLang="en-US" dirty="0"/>
+              <a:t>Code examples</a:t>
+            </a:r>
+          </a:p>
+          <a:p>
+            <a:pPr eaLnBrk="1" hangingPunct="1">
+              <a:buFont typeface="Wingdings" panose="05000000000000000000" pitchFamily="2" charset="2"/>
+              <a:buChar char="Ø"/>
+            </a:pPr>
+            <a:r>
+              <a:rPr lang="en-US" altLang="en-US" dirty="0"/>
+              <a:t>Questions / Discussion</a:t>
+            </a:r>
+          </a:p>
+          <a:p>
+            <a:pPr eaLnBrk="1" hangingPunct="1">
+              <a:buFont typeface="Wingdings" panose="05000000000000000000" pitchFamily="2" charset="2"/>
+              <a:buChar char="Ø"/>
+            </a:pPr>
+            <a:endParaRPr lang="en-US" altLang="en-US" dirty="0"/>
+          </a:p>
+          <a:p>
+            <a:pPr eaLnBrk="1" hangingPunct="1">
+              <a:buFont typeface="Wingdings" panose="05000000000000000000" pitchFamily="2" charset="2"/>
+              <a:buChar char="Ø"/>
+            </a:pPr>
+            <a:endParaRPr lang="en-US" altLang="en-US" dirty="0"/>
           </a:p>
         </p:txBody>
       </p:sp>
@@ -14639,20 +16740,12 @@
           <a:p>
             <a:pPr eaLnBrk="1" hangingPunct="1"/>
             <a:r>
-              <a:rPr lang="en-US" altLang="en-US" sz="1400" dirty="0" smtClean="0">
+              <a:rPr lang="en-US" altLang="en-US" sz="1400" dirty="0">
                 <a:solidFill>
                   <a:schemeClr val="tx1"/>
                 </a:solidFill>
               </a:rPr>
-              <a:t>2017  </a:t>
-            </a:r>
-            <a:r>
-              <a:rPr lang="en-US" altLang="en-US" sz="1400" dirty="0">
-                <a:solidFill>
-                  <a:schemeClr val="tx1"/>
-                </a:solidFill>
-              </a:rPr>
-              <a:t>MN </a:t>
+              <a:t>2017  MN </a:t>
             </a:r>
             <a:r>
               <a:rPr lang="en-US" altLang="en-US" sz="1400" i="1" dirty="0">
@@ -14714,24 +16807,17 @@
     </p:spTree>
     <p:extLst>
       <p:ext uri="{BB962C8B-B14F-4D97-AF65-F5344CB8AC3E}">
-        <p14:creationId xmlns:p14="http://schemas.microsoft.com/office/powerpoint/2010/main" val="818498106"/>
+        <p14:creationId xmlns:p14="http://schemas.microsoft.com/office/powerpoint/2010/main" val="477192385"/>
       </p:ext>
     </p:extLst>
   </p:cSld>
   <p:clrMapOvr>
     <a:masterClrMapping/>
   </p:clrMapOvr>
-  <p:timing>
-    <p:tnLst>
-      <p:par>
-        <p:cTn id="1" dur="indefinite" restart="never" nodeType="tmRoot"/>
-      </p:par>
-    </p:tnLst>
-  </p:timing>
 </p:sld>
 </file>
 
-<file path=ppt/slides/slide5.xml><?xml version="1.0" encoding="utf-8"?>
+<file path=ppt/slides/slide6.xml><?xml version="1.0" encoding="utf-8"?>
 <p:sld xmlns:a="http://schemas.openxmlformats.org/drawingml/2006/main" xmlns:r="http://schemas.openxmlformats.org/officeDocument/2006/relationships" xmlns:p="http://schemas.openxmlformats.org/presentationml/2006/main">
   <p:cSld>
     <p:spTree>
@@ -14758,15 +16844,20 @@
             <p:ph type="title"/>
           </p:nvPr>
         </p:nvSpPr>
-        <p:spPr/>
+        <p:spPr>
+          <a:xfrm>
+            <a:off x="685800" y="685800"/>
+            <a:ext cx="7772400" cy="1143000"/>
+          </a:xfrm>
+        </p:spPr>
         <p:txBody>
           <a:bodyPr/>
           <a:lstStyle/>
           <a:p>
             <a:pPr eaLnBrk="1" hangingPunct="1"/>
             <a:r>
-              <a:rPr lang="en-US" altLang="en-US" dirty="0" smtClean="0"/>
-              <a:t>What’s Covered?</a:t>
+              <a:rPr lang="en-US" altLang="en-US" dirty="0"/>
+              <a:t>What Is Beta Testing?</a:t>
             </a:r>
           </a:p>
         </p:txBody>
@@ -14781,119 +16872,60 @@
             <p:ph idx="1"/>
           </p:nvPr>
         </p:nvSpPr>
-        <p:spPr>
-          <a:xfrm>
-            <a:off x="717755" y="1905000"/>
-            <a:ext cx="7772400" cy="4114800"/>
-          </a:xfrm>
-        </p:spPr>
+        <p:spPr/>
         <p:txBody>
           <a:bodyPr/>
           <a:lstStyle/>
           <a:p>
-            <a:pPr eaLnBrk="1" hangingPunct="1">
-              <a:buFont typeface="Wingdings" panose="05000000000000000000" pitchFamily="2" charset="2"/>
-              <a:buChar char="Ø"/>
+            <a:pPr marL="0" indent="0">
+              <a:buNone/>
             </a:pPr>
             <a:r>
-              <a:rPr lang="en-US" dirty="0" smtClean="0"/>
-              <a:t>What is Beta Testing?</a:t>
-            </a:r>
+              <a:rPr lang="en-US" dirty="0"/>
+              <a:t>The 2018 </a:t>
+            </a:r>
+            <a:r>
+              <a:rPr lang="en-US" i="1" dirty="0"/>
+              <a:t>FIRST</a:t>
+            </a:r>
+            <a:r>
+              <a:rPr lang="en-US" dirty="0"/>
+              <a:t> Robotics Competition Control System Beta Test was just completed.  FIRST had 14 C++, 35 Java and 19 LabVIEW teams.  MN FIRST has 5 Beta </a:t>
+            </a:r>
+            <a:r>
+              <a:rPr lang="en-US"/>
+              <a:t>Teams.</a:t>
+            </a:r>
+          </a:p>
+          <a:p>
+            <a:pPr marL="0" indent="0">
+              <a:buNone/>
+            </a:pPr>
             <a:endParaRPr lang="en-US" dirty="0"/>
           </a:p>
           <a:p>
-            <a:pPr eaLnBrk="1" hangingPunct="1">
-              <a:buFont typeface="Wingdings" panose="05000000000000000000" pitchFamily="2" charset="2"/>
-              <a:buChar char="Ø"/>
+            <a:pPr marL="0" indent="0">
+              <a:buNone/>
             </a:pPr>
             <a:r>
-              <a:rPr lang="en-US" dirty="0" smtClean="0"/>
-              <a:t>Goals of Beta Testing.</a:t>
-            </a:r>
-          </a:p>
-          <a:p>
-            <a:pPr eaLnBrk="1" hangingPunct="1">
-              <a:buFont typeface="Wingdings" panose="05000000000000000000" pitchFamily="2" charset="2"/>
-              <a:buChar char="Ø"/>
+              <a:rPr lang="en-US" dirty="0"/>
+              <a:t>MN Beta Teams:</a:t>
+            </a:r>
+          </a:p>
+          <a:p>
+            <a:pPr marL="0" indent="0">
+              <a:buNone/>
             </a:pPr>
             <a:r>
-              <a:rPr lang="en-US" dirty="0" smtClean="0"/>
-              <a:t>Over View of software changes.</a:t>
-            </a:r>
-          </a:p>
-          <a:p>
-            <a:pPr eaLnBrk="1" hangingPunct="1">
-              <a:buFont typeface="Wingdings" panose="05000000000000000000" pitchFamily="2" charset="2"/>
-              <a:buChar char="Ø"/>
+              <a:rPr lang="en-US" dirty="0"/>
+              <a:t>2177, 2846, 3026, 3840</a:t>
+            </a:r>
+          </a:p>
+          <a:p>
+            <a:pPr marL="0" indent="0" eaLnBrk="1" hangingPunct="1">
+              <a:buNone/>
             </a:pPr>
-            <a:r>
-              <a:rPr lang="en-US" altLang="en-US" dirty="0" smtClean="0"/>
-              <a:t>Installation changes.</a:t>
-            </a:r>
-          </a:p>
-          <a:p>
-            <a:pPr lvl="1" eaLnBrk="1" hangingPunct="1">
-              <a:buFont typeface="Wingdings" panose="05000000000000000000" pitchFamily="2" charset="2"/>
-              <a:buChar char="Ø"/>
-            </a:pPr>
-            <a:r>
-              <a:rPr lang="en-US" altLang="en-US" dirty="0" smtClean="0"/>
-              <a:t>Install order</a:t>
-            </a:r>
-          </a:p>
-          <a:p>
-            <a:pPr eaLnBrk="1" hangingPunct="1">
-              <a:buFont typeface="Wingdings" panose="05000000000000000000" pitchFamily="2" charset="2"/>
-              <a:buChar char="Ø"/>
-            </a:pPr>
-            <a:r>
-              <a:rPr lang="en-US" altLang="en-US" dirty="0" smtClean="0"/>
-              <a:t>Image tool, Radio configuration, DS changes</a:t>
-            </a:r>
-          </a:p>
-          <a:p>
-            <a:pPr eaLnBrk="1" hangingPunct="1">
-              <a:buFont typeface="Wingdings" panose="05000000000000000000" pitchFamily="2" charset="2"/>
-              <a:buChar char="Ø"/>
-            </a:pPr>
-            <a:r>
-              <a:rPr lang="en-US" altLang="en-US" dirty="0" smtClean="0"/>
-              <a:t>New Brushless motor</a:t>
-            </a:r>
-          </a:p>
-          <a:p>
-            <a:pPr lvl="1" eaLnBrk="1" hangingPunct="1">
-              <a:buFont typeface="Wingdings" panose="05000000000000000000" pitchFamily="2" charset="2"/>
-              <a:buChar char="Ø"/>
-            </a:pPr>
-            <a:r>
-              <a:rPr lang="en-US" altLang="en-US" dirty="0" smtClean="0"/>
-              <a:t>Code examples</a:t>
-            </a:r>
-          </a:p>
-          <a:p>
-            <a:pPr eaLnBrk="1" hangingPunct="1">
-              <a:buFont typeface="Wingdings" panose="05000000000000000000" pitchFamily="2" charset="2"/>
-              <a:buChar char="Ø"/>
-            </a:pPr>
-            <a:r>
-              <a:rPr lang="en-US" altLang="en-US" dirty="0" smtClean="0"/>
-              <a:t>Questions / Discussion</a:t>
-            </a:r>
-          </a:p>
-          <a:p>
-            <a:pPr eaLnBrk="1" hangingPunct="1">
-              <a:buFont typeface="Wingdings" panose="05000000000000000000" pitchFamily="2" charset="2"/>
-              <a:buChar char="Ø"/>
-            </a:pPr>
-            <a:endParaRPr lang="en-US" altLang="en-US" dirty="0" smtClean="0"/>
-          </a:p>
-          <a:p>
-            <a:pPr eaLnBrk="1" hangingPunct="1">
-              <a:buFont typeface="Wingdings" panose="05000000000000000000" pitchFamily="2" charset="2"/>
-              <a:buChar char="Ø"/>
-            </a:pPr>
-            <a:endParaRPr lang="en-US" altLang="en-US" dirty="0" smtClean="0"/>
+            <a:endParaRPr lang="en-US" altLang="en-US" dirty="0"/>
           </a:p>
         </p:txBody>
       </p:sp>
@@ -15042,20 +17074,12 @@
           <a:p>
             <a:pPr eaLnBrk="1" hangingPunct="1"/>
             <a:r>
-              <a:rPr lang="en-US" altLang="en-US" sz="1400" dirty="0" smtClean="0">
+              <a:rPr lang="en-US" altLang="en-US" sz="1400" dirty="0">
                 <a:solidFill>
                   <a:schemeClr val="tx1"/>
                 </a:solidFill>
               </a:rPr>
-              <a:t>2017  </a:t>
-            </a:r>
-            <a:r>
-              <a:rPr lang="en-US" altLang="en-US" sz="1400" dirty="0">
-                <a:solidFill>
-                  <a:schemeClr val="tx1"/>
-                </a:solidFill>
-              </a:rPr>
-              <a:t>MN </a:t>
+              <a:t>2017  MN </a:t>
             </a:r>
             <a:r>
               <a:rPr lang="en-US" altLang="en-US" sz="1400" i="1" dirty="0">
@@ -15115,26 +17139,14 @@
         </p:spPr>
       </p:pic>
     </p:spTree>
-    <p:extLst>
-      <p:ext uri="{BB962C8B-B14F-4D97-AF65-F5344CB8AC3E}">
-        <p14:creationId xmlns:p14="http://schemas.microsoft.com/office/powerpoint/2010/main" val="477192385"/>
-      </p:ext>
-    </p:extLst>
   </p:cSld>
   <p:clrMapOvr>
     <a:masterClrMapping/>
   </p:clrMapOvr>
-  <p:timing>
-    <p:tnLst>
-      <p:par>
-        <p:cTn id="1" dur="indefinite" restart="never" nodeType="tmRoot"/>
-      </p:par>
-    </p:tnLst>
-  </p:timing>
 </p:sld>
 </file>
 
-<file path=ppt/slides/slide6.xml><?xml version="1.0" encoding="utf-8"?>
+<file path=ppt/slides/slide7.xml><?xml version="1.0" encoding="utf-8"?>
 <p:sld xmlns:a="http://schemas.openxmlformats.org/drawingml/2006/main" xmlns:r="http://schemas.openxmlformats.org/officeDocument/2006/relationships" xmlns:p="http://schemas.openxmlformats.org/presentationml/2006/main">
   <p:cSld>
     <p:spTree>
@@ -15161,114 +17173,82 @@
             <p:ph type="title"/>
           </p:nvPr>
         </p:nvSpPr>
+        <p:spPr/>
+        <p:txBody>
+          <a:bodyPr/>
+          <a:lstStyle/>
+          <a:p>
+            <a:pPr eaLnBrk="1" hangingPunct="1"/>
+            <a:r>
+              <a:rPr lang="en-US" dirty="0"/>
+              <a:t>Goals of the Beta Test</a:t>
+            </a:r>
+            <a:endParaRPr lang="en-US" altLang="en-US" dirty="0"/>
+          </a:p>
+        </p:txBody>
+      </p:sp>
+      <p:sp>
+        <p:nvSpPr>
+          <p:cNvPr id="14339" name="Content Placeholder 2"/>
+          <p:cNvSpPr>
+            <a:spLocks noGrp="1"/>
+          </p:cNvSpPr>
+          <p:nvPr>
+            <p:ph idx="1"/>
+          </p:nvPr>
+        </p:nvSpPr>
         <p:spPr>
           <a:xfrm>
-            <a:off x="685800" y="685800"/>
-            <a:ext cx="7772400" cy="1143000"/>
+            <a:off x="685800" y="1981200"/>
+            <a:ext cx="7772400" cy="3581400"/>
           </a:xfrm>
         </p:spPr>
         <p:txBody>
           <a:bodyPr/>
           <a:lstStyle/>
           <a:p>
-            <a:pPr eaLnBrk="1" hangingPunct="1"/>
-            <a:r>
-              <a:rPr lang="en-US" altLang="en-US" dirty="0" smtClean="0"/>
-              <a:t>What Is Beta Testing?</a:t>
-            </a:r>
-          </a:p>
-        </p:txBody>
-      </p:sp>
-      <p:sp>
-        <p:nvSpPr>
-          <p:cNvPr id="14339" name="Content Placeholder 2"/>
-          <p:cNvSpPr>
-            <a:spLocks noGrp="1"/>
-          </p:cNvSpPr>
-          <p:nvPr>
-            <p:ph idx="1"/>
-          </p:nvPr>
-        </p:nvSpPr>
-        <p:spPr/>
-        <p:txBody>
-          <a:bodyPr/>
-          <a:lstStyle/>
-          <a:p>
-            <a:pPr marL="0" indent="0">
-              <a:buNone/>
+            <a:pPr eaLnBrk="1" hangingPunct="1">
+              <a:buFont typeface="Wingdings" panose="05000000000000000000" pitchFamily="2" charset="2"/>
+              <a:buChar char="Ø"/>
             </a:pPr>
             <a:r>
-              <a:rPr lang="en-US" dirty="0" smtClean="0"/>
-              <a:t>The </a:t>
-            </a:r>
-            <a:r>
               <a:rPr lang="en-US" dirty="0"/>
-              <a:t>2018 </a:t>
-            </a:r>
-            <a:r>
-              <a:rPr lang="en-US" i="1" dirty="0"/>
-              <a:t>FIRST</a:t>
-            </a:r>
+              <a:t>Give a sizeable group of diverse teams early hands on exposure to the 2018 control system software. </a:t>
+            </a:r>
+          </a:p>
+          <a:p>
+            <a:pPr eaLnBrk="1" hangingPunct="1">
+              <a:buFont typeface="Wingdings" panose="05000000000000000000" pitchFamily="2" charset="2"/>
+              <a:buChar char="Ø"/>
+            </a:pPr>
             <a:r>
               <a:rPr lang="en-US" dirty="0"/>
-              <a:t> Robotics Competition Control System Beta </a:t>
-            </a:r>
-            <a:r>
-              <a:rPr lang="en-US" dirty="0" smtClean="0"/>
-              <a:t>Test was just completed.  FIRST </a:t>
-            </a:r>
+              <a:t>Use Beta Team feedback to refine/develop supporting documentation and training materials. </a:t>
+            </a:r>
+          </a:p>
+          <a:p>
+            <a:pPr eaLnBrk="1" hangingPunct="1">
+              <a:buFont typeface="Wingdings" panose="05000000000000000000" pitchFamily="2" charset="2"/>
+              <a:buChar char="Ø"/>
+            </a:pPr>
             <a:r>
               <a:rPr lang="en-US" dirty="0"/>
-              <a:t>had </a:t>
-            </a:r>
-            <a:r>
-              <a:rPr lang="en-US" dirty="0" smtClean="0"/>
-              <a:t>14 </a:t>
-            </a:r>
-            <a:r>
-              <a:rPr lang="en-US" dirty="0"/>
-              <a:t>C++, </a:t>
-            </a:r>
-            <a:r>
-              <a:rPr lang="en-US" dirty="0" smtClean="0"/>
-              <a:t>35 Java and 19 LabVIEW teams.  MN FIRST has 5 Beta </a:t>
-            </a:r>
-            <a:r>
-              <a:rPr lang="en-US" smtClean="0"/>
-              <a:t>Teams.</a:t>
-            </a:r>
-          </a:p>
-          <a:p>
-            <a:pPr marL="0" indent="0">
-              <a:buNone/>
+              <a:t>Test the new features and functions of the control system to uncover problems and provide solution suggestions.</a:t>
+            </a:r>
+          </a:p>
+          <a:p>
+            <a:pPr eaLnBrk="1" hangingPunct="1">
+              <a:buFont typeface="Wingdings" panose="05000000000000000000" pitchFamily="2" charset="2"/>
+              <a:buChar char="Ø"/>
             </a:pPr>
-            <a:endParaRPr lang="en-US" dirty="0" smtClean="0"/>
-          </a:p>
-          <a:p>
-            <a:pPr marL="0" indent="0">
-              <a:buNone/>
+            <a:endParaRPr lang="en-US" altLang="en-US" dirty="0"/>
+          </a:p>
+          <a:p>
+            <a:pPr eaLnBrk="1" hangingPunct="1">
+              <a:buFont typeface="Wingdings" panose="05000000000000000000" pitchFamily="2" charset="2"/>
+              <a:buChar char="Ø"/>
             </a:pPr>
-            <a:r>
-              <a:rPr lang="en-US" dirty="0" smtClean="0"/>
-              <a:t>MN Beta Teams:</a:t>
-            </a:r>
-            <a:endParaRPr lang="en-US" dirty="0"/>
-          </a:p>
-          <a:p>
-            <a:pPr marL="0" indent="0">
-              <a:buNone/>
-            </a:pPr>
-            <a:r>
-              <a:rPr lang="en-US" dirty="0" smtClean="0"/>
-              <a:t>2177, 2846, 3026, 3840</a:t>
-            </a:r>
-            <a:endParaRPr lang="en-US" dirty="0"/>
-          </a:p>
-          <a:p>
-            <a:pPr marL="0" indent="0" eaLnBrk="1" hangingPunct="1">
-              <a:buNone/>
-            </a:pPr>
-            <a:endParaRPr lang="en-US" altLang="en-US" dirty="0" smtClean="0"/>
+            <a:endParaRPr lang="en-US" altLang="en-US" dirty="0"/>
           </a:p>
         </p:txBody>
       </p:sp>
@@ -15417,20 +17397,12 @@
           <a:p>
             <a:pPr eaLnBrk="1" hangingPunct="1"/>
             <a:r>
-              <a:rPr lang="en-US" altLang="en-US" sz="1400" dirty="0" smtClean="0">
+              <a:rPr lang="en-US" altLang="en-US" sz="1400" dirty="0">
                 <a:solidFill>
                   <a:schemeClr val="tx1"/>
                 </a:solidFill>
               </a:rPr>
-              <a:t>2017  </a:t>
-            </a:r>
-            <a:r>
-              <a:rPr lang="en-US" altLang="en-US" sz="1400" dirty="0">
-                <a:solidFill>
-                  <a:schemeClr val="tx1"/>
-                </a:solidFill>
-              </a:rPr>
-              <a:t>MN </a:t>
+              <a:t>2017  MN </a:t>
             </a:r>
             <a:r>
               <a:rPr lang="en-US" altLang="en-US" sz="1400" i="1" dirty="0">
@@ -15490,21 +17462,19 @@
         </p:spPr>
       </p:pic>
     </p:spTree>
+    <p:extLst>
+      <p:ext uri="{BB962C8B-B14F-4D97-AF65-F5344CB8AC3E}">
+        <p14:creationId xmlns:p14="http://schemas.microsoft.com/office/powerpoint/2010/main" val="3088568766"/>
+      </p:ext>
+    </p:extLst>
   </p:cSld>
   <p:clrMapOvr>
     <a:masterClrMapping/>
   </p:clrMapOvr>
-  <p:timing>
-    <p:tnLst>
-      <p:par>
-        <p:cTn id="1" dur="indefinite" restart="never" nodeType="tmRoot"/>
-      </p:par>
-    </p:tnLst>
-  </p:timing>
 </p:sld>
 </file>
 
-<file path=ppt/slides/slide7.xml><?xml version="1.0" encoding="utf-8"?>
+<file path=ppt/slides/slide8.xml><?xml version="1.0" encoding="utf-8"?>
 <p:sld xmlns:a="http://schemas.openxmlformats.org/drawingml/2006/main" xmlns:r="http://schemas.openxmlformats.org/officeDocument/2006/relationships" xmlns:p="http://schemas.openxmlformats.org/presentationml/2006/main">
   <p:cSld>
     <p:spTree>
@@ -15523,7 +17493,7 @@
       </p:grpSpPr>
       <p:sp>
         <p:nvSpPr>
-          <p:cNvPr id="14338" name="Title 1"/>
+          <p:cNvPr id="16386" name="Title 1"/>
           <p:cNvSpPr>
             <a:spLocks noGrp="1"/>
           </p:cNvSpPr>
@@ -15541,13 +17511,13 @@
               <a:rPr lang="en-US" dirty="0"/>
               <a:t>Goals of the Beta Test</a:t>
             </a:r>
-            <a:endParaRPr lang="en-US" altLang="en-US" dirty="0" smtClean="0"/>
-          </a:p>
-        </p:txBody>
-      </p:sp>
-      <p:sp>
-        <p:nvSpPr>
-          <p:cNvPr id="14339" name="Content Placeholder 2"/>
+            <a:endParaRPr lang="en-US" altLang="en-US" dirty="0"/>
+          </a:p>
+        </p:txBody>
+      </p:sp>
+      <p:sp>
+        <p:nvSpPr>
+          <p:cNvPr id="16387" name="Content Placeholder 2"/>
           <p:cNvSpPr>
             <a:spLocks noGrp="1"/>
           </p:cNvSpPr>
@@ -15555,12 +17525,7 @@
             <p:ph idx="1"/>
           </p:nvPr>
         </p:nvSpPr>
-        <p:spPr>
-          <a:xfrm>
-            <a:off x="685800" y="1981200"/>
-            <a:ext cx="7772400" cy="3581400"/>
-          </a:xfrm>
-        </p:spPr>
+        <p:spPr/>
         <p:txBody>
           <a:bodyPr/>
           <a:lstStyle/>
@@ -15570,18 +17535,9 @@
               <a:buChar char="Ø"/>
             </a:pPr>
             <a:r>
-              <a:rPr lang="en-US" dirty="0" smtClean="0"/>
-              <a:t>Give </a:t>
-            </a:r>
-            <a:r>
               <a:rPr lang="en-US" dirty="0"/>
-              <a:t>a sizeable group of diverse teams early hands on exposure to the 2018 control system </a:t>
-            </a:r>
-            <a:r>
-              <a:rPr lang="en-US" dirty="0" smtClean="0"/>
-              <a:t>software. </a:t>
-            </a:r>
-            <a:endParaRPr lang="en-US" dirty="0"/>
+              <a:t>Develop a supporting network/knowledge database about the new features.</a:t>
+            </a:r>
           </a:p>
           <a:p>
             <a:pPr eaLnBrk="1" hangingPunct="1">
@@ -15590,13 +17546,8 @@
             </a:pPr>
             <a:r>
               <a:rPr lang="en-US" dirty="0"/>
-              <a:t>Use Beta Team feedback to refine/develop supporting documentation and training </a:t>
-            </a:r>
-            <a:r>
-              <a:rPr lang="en-US" dirty="0" smtClean="0"/>
-              <a:t>materials. </a:t>
-            </a:r>
-            <a:endParaRPr lang="en-US" dirty="0"/>
+              <a:t>Allow teams to become "Control System Experts" and serve as area leaders to mentor other teams.</a:t>
+            </a:r>
           </a:p>
           <a:p>
             <a:pPr eaLnBrk="1" hangingPunct="1">
@@ -15604,16 +17555,10 @@
               <a:buChar char="Ø"/>
             </a:pPr>
             <a:r>
-              <a:rPr lang="en-US" dirty="0"/>
-              <a:t>Test the new features and functions of the control system to uncover problems and provide solution </a:t>
-            </a:r>
-            <a:r>
-              <a:rPr lang="en-US" dirty="0" smtClean="0"/>
-              <a:t>suggestions</a:t>
-            </a:r>
-            <a:r>
-              <a:rPr lang="en-US" dirty="0"/>
-              <a:t>.</a:t>
+              <a:rPr lang="en-US" altLang="en-US" dirty="0">
+                <a:latin typeface="Trebuchet MS (Body)"/>
+              </a:rPr>
+              <a:t>Share information to minimize strategic advantages</a:t>
             </a:r>
           </a:p>
           <a:p>
@@ -15621,20 +17566,25 @@
               <a:buFont typeface="Wingdings" panose="05000000000000000000" pitchFamily="2" charset="2"/>
               <a:buChar char="Ø"/>
             </a:pPr>
-            <a:endParaRPr lang="en-US" altLang="en-US" dirty="0" smtClean="0"/>
+            <a:r>
+              <a:rPr lang="en-US" altLang="en-US" dirty="0">
+                <a:latin typeface="Trebuchet MS (Body)"/>
+              </a:rPr>
+              <a:t>Understand the difficulties and issues that Teams may encounter with the new control system features. </a:t>
+            </a:r>
           </a:p>
           <a:p>
             <a:pPr eaLnBrk="1" hangingPunct="1">
               <a:buFont typeface="Wingdings" panose="05000000000000000000" pitchFamily="2" charset="2"/>
               <a:buChar char="Ø"/>
             </a:pPr>
-            <a:endParaRPr lang="en-US" altLang="en-US" dirty="0" smtClean="0"/>
-          </a:p>
-        </p:txBody>
-      </p:sp>
-      <p:sp>
-        <p:nvSpPr>
-          <p:cNvPr id="14340" name="Footer Placeholder 3"/>
+            <a:endParaRPr lang="en-US" altLang="en-US" dirty="0"/>
+          </a:p>
+        </p:txBody>
+      </p:sp>
+      <p:sp>
+        <p:nvSpPr>
+          <p:cNvPr id="16388" name="Footer Placeholder 3"/>
           <p:cNvSpPr>
             <a:spLocks noGrp="1"/>
           </p:cNvSpPr>
@@ -15777,20 +17727,12 @@
           <a:p>
             <a:pPr eaLnBrk="1" hangingPunct="1"/>
             <a:r>
-              <a:rPr lang="en-US" altLang="en-US" sz="1400" dirty="0" smtClean="0">
+              <a:rPr lang="en-US" altLang="en-US" sz="1400" dirty="0">
                 <a:solidFill>
                   <a:schemeClr val="tx1"/>
                 </a:solidFill>
               </a:rPr>
-              <a:t>2017  </a:t>
-            </a:r>
-            <a:r>
-              <a:rPr lang="en-US" altLang="en-US" sz="1400" dirty="0">
-                <a:solidFill>
-                  <a:schemeClr val="tx1"/>
-                </a:solidFill>
-              </a:rPr>
-              <a:t>MN </a:t>
+              <a:t>2017  MN </a:t>
             </a:r>
             <a:r>
               <a:rPr lang="en-US" altLang="en-US" sz="1400" i="1" dirty="0">
@@ -15850,26 +17792,14 @@
         </p:spPr>
       </p:pic>
     </p:spTree>
-    <p:extLst>
-      <p:ext uri="{BB962C8B-B14F-4D97-AF65-F5344CB8AC3E}">
-        <p14:creationId xmlns:p14="http://schemas.microsoft.com/office/powerpoint/2010/main" val="3088568766"/>
-      </p:ext>
-    </p:extLst>
   </p:cSld>
   <p:clrMapOvr>
     <a:masterClrMapping/>
   </p:clrMapOvr>
-  <p:timing>
-    <p:tnLst>
-      <p:par>
-        <p:cTn id="1" dur="indefinite" restart="never" nodeType="tmRoot"/>
-      </p:par>
-    </p:tnLst>
-  </p:timing>
 </p:sld>
 </file>
 
-<file path=ppt/slides/slide8.xml><?xml version="1.0" encoding="utf-8"?>
+<file path=ppt/slides/slide9.xml><?xml version="1.0" encoding="utf-8"?>
 <p:sld xmlns:a="http://schemas.openxmlformats.org/drawingml/2006/main" xmlns:r="http://schemas.openxmlformats.org/officeDocument/2006/relationships" xmlns:p="http://schemas.openxmlformats.org/presentationml/2006/main">
   <p:cSld>
     <p:spTree>
@@ -15903,10 +17833,9 @@
           <a:p>
             <a:pPr eaLnBrk="1" hangingPunct="1"/>
             <a:r>
-              <a:rPr lang="en-US" dirty="0"/>
-              <a:t>Goals of the Beta Test</a:t>
-            </a:r>
-            <a:endParaRPr lang="en-US" altLang="en-US" dirty="0" smtClean="0"/>
+              <a:rPr lang="en-US" altLang="en-US" dirty="0"/>
+              <a:t>Specific Goals Include</a:t>
+            </a:r>
           </a:p>
         </p:txBody>
       </p:sp>
@@ -15930,16 +17859,8 @@
               <a:buChar char="Ø"/>
             </a:pPr>
             <a:r>
-              <a:rPr lang="en-US" dirty="0" smtClean="0"/>
-              <a:t>Develop </a:t>
-            </a:r>
-            <a:r>
               <a:rPr lang="en-US" dirty="0"/>
-              <a:t>a supporting network/knowledge database about the new </a:t>
-            </a:r>
-            <a:r>
-              <a:rPr lang="en-US" dirty="0" smtClean="0"/>
-              <a:t>features.</a:t>
+              <a:t>Look for software installation problems or documentation lapses that make the process confusing.</a:t>
             </a:r>
           </a:p>
           <a:p>
@@ -15949,19 +17870,7 @@
             </a:pPr>
             <a:r>
               <a:rPr lang="en-US" dirty="0"/>
-              <a:t>Allow teams to become "Control System Experts" and serve as </a:t>
-            </a:r>
-            <a:r>
-              <a:rPr lang="en-US" dirty="0" smtClean="0"/>
-              <a:t>area </a:t>
-            </a:r>
-            <a:r>
-              <a:rPr lang="en-US" dirty="0"/>
-              <a:t>leaders to mentor other </a:t>
-            </a:r>
-            <a:r>
-              <a:rPr lang="en-US" dirty="0" smtClean="0"/>
-              <a:t>teams.</a:t>
+              <a:t>Basic benchtop testing of the default programs.</a:t>
             </a:r>
           </a:p>
           <a:p>
@@ -15970,20 +17879,9 @@
               <a:buChar char="Ø"/>
             </a:pPr>
             <a:r>
-              <a:rPr lang="en-US" altLang="en-US" dirty="0">
-                <a:latin typeface="Trebuchet MS (Body)"/>
-              </a:rPr>
-              <a:t>Share information to minimize strategic </a:t>
-            </a:r>
-            <a:r>
-              <a:rPr lang="en-US" altLang="en-US" dirty="0" smtClean="0">
-                <a:latin typeface="Trebuchet MS (Body)"/>
-              </a:rPr>
-              <a:t>advantages</a:t>
-            </a:r>
-            <a:endParaRPr lang="en-US" altLang="en-US" dirty="0">
-              <a:latin typeface="Trebuchet MS (Body)"/>
-            </a:endParaRPr>
+              <a:rPr lang="en-US" dirty="0"/>
+              <a:t>Port prior seasons code - Optional use the 2018 software at an offseason competition.</a:t>
+            </a:r>
           </a:p>
           <a:p>
             <a:pPr eaLnBrk="1" hangingPunct="1">
@@ -15991,10 +17889,8 @@
               <a:buChar char="Ø"/>
             </a:pPr>
             <a:r>
-              <a:rPr lang="en-US" altLang="en-US" dirty="0">
-                <a:latin typeface="Trebuchet MS (Body)"/>
-              </a:rPr>
-              <a:t>Understand the difficulties and issues that Teams may encounter with the new control system features. </a:t>
+              <a:rPr lang="en-US" dirty="0"/>
+              <a:t>Advanced feature testing: Network Tables stress test, camera streaming, new Java Shuffleboard dashboard testing.</a:t>
             </a:r>
           </a:p>
           <a:p>
@@ -16002,7 +17898,14 @@
               <a:buFont typeface="Wingdings" panose="05000000000000000000" pitchFamily="2" charset="2"/>
               <a:buChar char="Ø"/>
             </a:pPr>
-            <a:endParaRPr lang="en-US" altLang="en-US" dirty="0" smtClean="0"/>
+            <a:endParaRPr lang="en-US" altLang="en-US" dirty="0"/>
+          </a:p>
+          <a:p>
+            <a:pPr eaLnBrk="1" hangingPunct="1">
+              <a:buFont typeface="Wingdings" panose="05000000000000000000" pitchFamily="2" charset="2"/>
+              <a:buChar char="Ø"/>
+            </a:pPr>
+            <a:endParaRPr lang="en-US" altLang="en-US" dirty="0"/>
           </a:p>
         </p:txBody>
       </p:sp>
@@ -16151,20 +18054,12 @@
           <a:p>
             <a:pPr eaLnBrk="1" hangingPunct="1"/>
             <a:r>
-              <a:rPr lang="en-US" altLang="en-US" sz="1400" dirty="0" smtClean="0">
+              <a:rPr lang="en-US" altLang="en-US" sz="1400" dirty="0">
                 <a:solidFill>
                   <a:schemeClr val="tx1"/>
                 </a:solidFill>
               </a:rPr>
-              <a:t>2017  </a:t>
-            </a:r>
-            <a:r>
-              <a:rPr lang="en-US" altLang="en-US" sz="1400" dirty="0">
-                <a:solidFill>
-                  <a:schemeClr val="tx1"/>
-                </a:solidFill>
-              </a:rPr>
-              <a:t>MN </a:t>
+              <a:t>2017  MN </a:t>
             </a:r>
             <a:r>
               <a:rPr lang="en-US" altLang="en-US" sz="1400" i="1" dirty="0">
@@ -16224,365 +18119,6 @@
         </p:spPr>
       </p:pic>
     </p:spTree>
-  </p:cSld>
-  <p:clrMapOvr>
-    <a:masterClrMapping/>
-  </p:clrMapOvr>
-  <p:timing>
-    <p:tnLst>
-      <p:par>
-        <p:cTn id="1" dur="indefinite" restart="never" nodeType="tmRoot"/>
-      </p:par>
-    </p:tnLst>
-  </p:timing>
-</p:sld>
-</file>
-
-<file path=ppt/slides/slide9.xml><?xml version="1.0" encoding="utf-8"?>
-<p:sld xmlns:a="http://schemas.openxmlformats.org/drawingml/2006/main" xmlns:r="http://schemas.openxmlformats.org/officeDocument/2006/relationships" xmlns:p="http://schemas.openxmlformats.org/presentationml/2006/main">
-  <p:cSld>
-    <p:spTree>
-      <p:nvGrpSpPr>
-        <p:cNvPr id="1" name=""/>
-        <p:cNvGrpSpPr/>
-        <p:nvPr/>
-      </p:nvGrpSpPr>
-      <p:grpSpPr>
-        <a:xfrm>
-          <a:off x="0" y="0"/>
-          <a:ext cx="0" cy="0"/>
-          <a:chOff x="0" y="0"/>
-          <a:chExt cx="0" cy="0"/>
-        </a:xfrm>
-      </p:grpSpPr>
-      <p:sp>
-        <p:nvSpPr>
-          <p:cNvPr id="16386" name="Title 1"/>
-          <p:cNvSpPr>
-            <a:spLocks noGrp="1"/>
-          </p:cNvSpPr>
-          <p:nvPr>
-            <p:ph type="title"/>
-          </p:nvPr>
-        </p:nvSpPr>
-        <p:spPr/>
-        <p:txBody>
-          <a:bodyPr/>
-          <a:lstStyle/>
-          <a:p>
-            <a:pPr eaLnBrk="1" hangingPunct="1"/>
-            <a:r>
-              <a:rPr lang="en-US" altLang="en-US" dirty="0" smtClean="0"/>
-              <a:t>Specific Goals Include</a:t>
-            </a:r>
-          </a:p>
-        </p:txBody>
-      </p:sp>
-      <p:sp>
-        <p:nvSpPr>
-          <p:cNvPr id="16387" name="Content Placeholder 2"/>
-          <p:cNvSpPr>
-            <a:spLocks noGrp="1"/>
-          </p:cNvSpPr>
-          <p:nvPr>
-            <p:ph idx="1"/>
-          </p:nvPr>
-        </p:nvSpPr>
-        <p:spPr/>
-        <p:txBody>
-          <a:bodyPr/>
-          <a:lstStyle/>
-          <a:p>
-            <a:pPr eaLnBrk="1" hangingPunct="1">
-              <a:buFont typeface="Wingdings" panose="05000000000000000000" pitchFamily="2" charset="2"/>
-              <a:buChar char="Ø"/>
-            </a:pPr>
-            <a:r>
-              <a:rPr lang="en-US" dirty="0"/>
-              <a:t>Look for software installation problems or documentation lapses that make the process </a:t>
-            </a:r>
-            <a:r>
-              <a:rPr lang="en-US" dirty="0" smtClean="0"/>
-              <a:t>confusing.</a:t>
-            </a:r>
-          </a:p>
-          <a:p>
-            <a:pPr eaLnBrk="1" hangingPunct="1">
-              <a:buFont typeface="Wingdings" panose="05000000000000000000" pitchFamily="2" charset="2"/>
-              <a:buChar char="Ø"/>
-            </a:pPr>
-            <a:r>
-              <a:rPr lang="en-US" dirty="0"/>
-              <a:t>Basic benchtop testing of the default </a:t>
-            </a:r>
-            <a:r>
-              <a:rPr lang="en-US" dirty="0" smtClean="0"/>
-              <a:t>programs.</a:t>
-            </a:r>
-          </a:p>
-          <a:p>
-            <a:pPr eaLnBrk="1" hangingPunct="1">
-              <a:buFont typeface="Wingdings" panose="05000000000000000000" pitchFamily="2" charset="2"/>
-              <a:buChar char="Ø"/>
-            </a:pPr>
-            <a:r>
-              <a:rPr lang="en-US" dirty="0"/>
-              <a:t>Port prior seasons code - Optional use the 2018 software at an offseason </a:t>
-            </a:r>
-            <a:r>
-              <a:rPr lang="en-US" dirty="0" smtClean="0"/>
-              <a:t>competition.</a:t>
-            </a:r>
-          </a:p>
-          <a:p>
-            <a:pPr eaLnBrk="1" hangingPunct="1">
-              <a:buFont typeface="Wingdings" panose="05000000000000000000" pitchFamily="2" charset="2"/>
-              <a:buChar char="Ø"/>
-            </a:pPr>
-            <a:r>
-              <a:rPr lang="en-US" dirty="0"/>
-              <a:t>Advanced feature testing: Network Tables stress test, camera streaming, new Java Shuffleboard dashboard </a:t>
-            </a:r>
-            <a:r>
-              <a:rPr lang="en-US" dirty="0" smtClean="0"/>
-              <a:t>testing.</a:t>
-            </a:r>
-            <a:endParaRPr lang="en-US" dirty="0"/>
-          </a:p>
-          <a:p>
-            <a:pPr eaLnBrk="1" hangingPunct="1">
-              <a:buFont typeface="Wingdings" panose="05000000000000000000" pitchFamily="2" charset="2"/>
-              <a:buChar char="Ø"/>
-            </a:pPr>
-            <a:endParaRPr lang="en-US" altLang="en-US" dirty="0" smtClean="0"/>
-          </a:p>
-          <a:p>
-            <a:pPr eaLnBrk="1" hangingPunct="1">
-              <a:buFont typeface="Wingdings" panose="05000000000000000000" pitchFamily="2" charset="2"/>
-              <a:buChar char="Ø"/>
-            </a:pPr>
-            <a:endParaRPr lang="en-US" altLang="en-US" dirty="0" smtClean="0"/>
-          </a:p>
-        </p:txBody>
-      </p:sp>
-      <p:sp>
-        <p:nvSpPr>
-          <p:cNvPr id="16388" name="Footer Placeholder 3"/>
-          <p:cNvSpPr>
-            <a:spLocks noGrp="1"/>
-          </p:cNvSpPr>
-          <p:nvPr>
-            <p:ph type="ftr" sz="quarter" idx="10"/>
-          </p:nvPr>
-        </p:nvSpPr>
-        <p:spPr>
-          <a:noFill/>
-          <a:ln/>
-          <a:extLst>
-            <a:ext uri="{909E8E84-426E-40DD-AFC4-6F175D3DCCD1}">
-              <a14:hiddenFill xmlns:a14="http://schemas.microsoft.com/office/drawing/2010/main">
-                <a:solidFill>
-                  <a:srgbClr val="FFFFFF"/>
-                </a:solidFill>
-              </a14:hiddenFill>
-            </a:ext>
-            <a:ext uri="{91240B29-F687-4F45-9708-019B960494DF}">
-              <a14:hiddenLine xmlns:a14="http://schemas.microsoft.com/office/drawing/2010/main" w="9525">
-                <a:solidFill>
-                  <a:srgbClr val="000000"/>
-                </a:solidFill>
-                <a:miter lim="800000"/>
-                <a:headEnd/>
-                <a:tailEnd/>
-              </a14:hiddenLine>
-            </a:ext>
-          </a:extLst>
-        </p:spPr>
-        <p:txBody>
-          <a:bodyPr/>
-          <a:lstStyle>
-            <a:lvl1pPr eaLnBrk="0" hangingPunct="0">
-              <a:defRPr sz="2200">
-                <a:solidFill>
-                  <a:srgbClr val="FFFFFF"/>
-                </a:solidFill>
-                <a:latin typeface="Trebuchet MS" panose="020B0603020202020204" pitchFamily="34" charset="0"/>
-                <a:cs typeface="Times New Roman" panose="02020603050405020304" pitchFamily="18" charset="0"/>
-              </a:defRPr>
-            </a:lvl1pPr>
-            <a:lvl2pPr marL="742950" indent="-285750" eaLnBrk="0" hangingPunct="0">
-              <a:defRPr sz="2200">
-                <a:solidFill>
-                  <a:srgbClr val="FFFFFF"/>
-                </a:solidFill>
-                <a:latin typeface="Trebuchet MS" panose="020B0603020202020204" pitchFamily="34" charset="0"/>
-                <a:cs typeface="Times New Roman" panose="02020603050405020304" pitchFamily="18" charset="0"/>
-              </a:defRPr>
-            </a:lvl2pPr>
-            <a:lvl3pPr marL="1143000" indent="-228600" eaLnBrk="0" hangingPunct="0">
-              <a:defRPr sz="2200">
-                <a:solidFill>
-                  <a:srgbClr val="FFFFFF"/>
-                </a:solidFill>
-                <a:latin typeface="Trebuchet MS" panose="020B0603020202020204" pitchFamily="34" charset="0"/>
-                <a:cs typeface="Times New Roman" panose="02020603050405020304" pitchFamily="18" charset="0"/>
-              </a:defRPr>
-            </a:lvl3pPr>
-            <a:lvl4pPr marL="1600200" indent="-228600" eaLnBrk="0" hangingPunct="0">
-              <a:defRPr sz="2200">
-                <a:solidFill>
-                  <a:srgbClr val="FFFFFF"/>
-                </a:solidFill>
-                <a:latin typeface="Trebuchet MS" panose="020B0603020202020204" pitchFamily="34" charset="0"/>
-                <a:cs typeface="Times New Roman" panose="02020603050405020304" pitchFamily="18" charset="0"/>
-              </a:defRPr>
-            </a:lvl4pPr>
-            <a:lvl5pPr marL="2057400" indent="-228600" eaLnBrk="0" hangingPunct="0">
-              <a:defRPr sz="2200">
-                <a:solidFill>
-                  <a:srgbClr val="FFFFFF"/>
-                </a:solidFill>
-                <a:latin typeface="Trebuchet MS" panose="020B0603020202020204" pitchFamily="34" charset="0"/>
-                <a:cs typeface="Times New Roman" panose="02020603050405020304" pitchFamily="18" charset="0"/>
-              </a:defRPr>
-            </a:lvl5pPr>
-            <a:lvl6pPr marL="2514600" indent="-228600" eaLnBrk="0" fontAlgn="base" hangingPunct="0">
-              <a:spcBef>
-                <a:spcPct val="0"/>
-              </a:spcBef>
-              <a:spcAft>
-                <a:spcPct val="0"/>
-              </a:spcAft>
-              <a:defRPr sz="2200">
-                <a:solidFill>
-                  <a:srgbClr val="FFFFFF"/>
-                </a:solidFill>
-                <a:latin typeface="Trebuchet MS" panose="020B0603020202020204" pitchFamily="34" charset="0"/>
-                <a:cs typeface="Times New Roman" panose="02020603050405020304" pitchFamily="18" charset="0"/>
-              </a:defRPr>
-            </a:lvl6pPr>
-            <a:lvl7pPr marL="2971800" indent="-228600" eaLnBrk="0" fontAlgn="base" hangingPunct="0">
-              <a:spcBef>
-                <a:spcPct val="0"/>
-              </a:spcBef>
-              <a:spcAft>
-                <a:spcPct val="0"/>
-              </a:spcAft>
-              <a:defRPr sz="2200">
-                <a:solidFill>
-                  <a:srgbClr val="FFFFFF"/>
-                </a:solidFill>
-                <a:latin typeface="Trebuchet MS" panose="020B0603020202020204" pitchFamily="34" charset="0"/>
-                <a:cs typeface="Times New Roman" panose="02020603050405020304" pitchFamily="18" charset="0"/>
-              </a:defRPr>
-            </a:lvl7pPr>
-            <a:lvl8pPr marL="3429000" indent="-228600" eaLnBrk="0" fontAlgn="base" hangingPunct="0">
-              <a:spcBef>
-                <a:spcPct val="0"/>
-              </a:spcBef>
-              <a:spcAft>
-                <a:spcPct val="0"/>
-              </a:spcAft>
-              <a:defRPr sz="2200">
-                <a:solidFill>
-                  <a:srgbClr val="FFFFFF"/>
-                </a:solidFill>
-                <a:latin typeface="Trebuchet MS" panose="020B0603020202020204" pitchFamily="34" charset="0"/>
-                <a:cs typeface="Times New Roman" panose="02020603050405020304" pitchFamily="18" charset="0"/>
-              </a:defRPr>
-            </a:lvl8pPr>
-            <a:lvl9pPr marL="3886200" indent="-228600" eaLnBrk="0" fontAlgn="base" hangingPunct="0">
-              <a:spcBef>
-                <a:spcPct val="0"/>
-              </a:spcBef>
-              <a:spcAft>
-                <a:spcPct val="0"/>
-              </a:spcAft>
-              <a:defRPr sz="2200">
-                <a:solidFill>
-                  <a:srgbClr val="FFFFFF"/>
-                </a:solidFill>
-                <a:latin typeface="Trebuchet MS" panose="020B0603020202020204" pitchFamily="34" charset="0"/>
-                <a:cs typeface="Times New Roman" panose="02020603050405020304" pitchFamily="18" charset="0"/>
-              </a:defRPr>
-            </a:lvl9pPr>
-          </a:lstStyle>
-          <a:p>
-            <a:pPr eaLnBrk="1" hangingPunct="1"/>
-            <a:r>
-              <a:rPr lang="en-US" altLang="en-US" sz="1400" dirty="0" smtClean="0">
-                <a:solidFill>
-                  <a:schemeClr val="tx1"/>
-                </a:solidFill>
-              </a:rPr>
-              <a:t>2017  </a:t>
-            </a:r>
-            <a:r>
-              <a:rPr lang="en-US" altLang="en-US" sz="1400" dirty="0">
-                <a:solidFill>
-                  <a:schemeClr val="tx1"/>
-                </a:solidFill>
-              </a:rPr>
-              <a:t>MN </a:t>
-            </a:r>
-            <a:r>
-              <a:rPr lang="en-US" altLang="en-US" sz="1400" i="1" dirty="0">
-                <a:solidFill>
-                  <a:schemeClr val="tx1"/>
-                </a:solidFill>
-              </a:rPr>
-              <a:t>FIRST Jump Start</a:t>
-            </a:r>
-            <a:endParaRPr lang="en-US" altLang="en-US" sz="1400" dirty="0">
-              <a:solidFill>
-                <a:schemeClr val="tx1"/>
-              </a:solidFill>
-            </a:endParaRPr>
-          </a:p>
-        </p:txBody>
-      </p:sp>
-      <p:pic>
-        <p:nvPicPr>
-          <p:cNvPr id="5" name="Picture 2" descr="https://lh3.googleusercontent.com/whV856uT_V-PMVpGMM2I--_xyYUcTkSA8pSILVGbTBdmffy87jvHb9d6CAKuAvxYZ8CZE4LaimRuIGq23GM-fyMcsIzGdzfEfZt0kscqkFy7iH7uqxMVUH-wHIWEX66AbDTmfUM9FN8"/>
-          <p:cNvPicPr>
-            <a:picLocks noChangeAspect="1" noChangeArrowheads="1"/>
-          </p:cNvPicPr>
-          <p:nvPr/>
-        </p:nvPicPr>
-        <p:blipFill>
-          <a:blip r:embed="rId2">
-            <a:extLst>
-              <a:ext uri="{28A0092B-C50C-407E-A947-70E740481C1C}">
-                <a14:useLocalDpi xmlns:a14="http://schemas.microsoft.com/office/drawing/2010/main" val="0"/>
-              </a:ext>
-            </a:extLst>
-          </a:blip>
-          <a:srcRect/>
-          <a:stretch>
-            <a:fillRect/>
-          </a:stretch>
-        </p:blipFill>
-        <p:spPr bwMode="auto">
-          <a:xfrm>
-            <a:off x="6172200" y="5444963"/>
-            <a:ext cx="3505200" cy="2238260"/>
-          </a:xfrm>
-          <a:prstGeom prst="rect">
-            <a:avLst/>
-          </a:prstGeom>
-          <a:noFill/>
-          <a:extLst>
-            <a:ext uri="{909E8E84-426E-40DD-AFC4-6F175D3DCCD1}">
-              <a14:hiddenFill xmlns:a14="http://schemas.microsoft.com/office/drawing/2010/main">
-                <a:solidFill>
-                  <a:srgbClr val="FFFFFF"/>
-                </a:solidFill>
-              </a14:hiddenFill>
-            </a:ext>
-          </a:extLst>
-        </p:spPr>
-      </p:pic>
-    </p:spTree>
     <p:extLst>
       <p:ext uri="{BB962C8B-B14F-4D97-AF65-F5344CB8AC3E}">
         <p14:creationId xmlns:p14="http://schemas.microsoft.com/office/powerpoint/2010/main" val="1760241151"/>
@@ -16592,13 +18128,6 @@
   <p:clrMapOvr>
     <a:masterClrMapping/>
   </p:clrMapOvr>
-  <p:timing>
-    <p:tnLst>
-      <p:par>
-        <p:cTn id="1" dur="indefinite" restart="never" nodeType="tmRoot"/>
-      </p:par>
-    </p:tnLst>
-  </p:timing>
 </p:sld>
 </file>
 
